--- a/Chapter4_Trees/slides/AVL_trees.pptx
+++ b/Chapter4_Trees/slides/AVL_trees.pptx
@@ -113,6 +113,11 @@
       </a:defRPr>
     </a:lvl9pPr>
   </p:defaultTextStyle>
+  <p:extLst>
+    <p:ext uri="{EFAFB233-063F-42B5-8137-9DF3F51BA10A}">
+      <p15:sldGuideLst xmlns:p15="http://schemas.microsoft.com/office/powerpoint/2012/main"/>
+    </p:ext>
+  </p:extLst>
 </p:presentation>
 </file>
 
@@ -263,7 +268,7 @@
           <a:p>
             <a:fld id="{D5696C5B-346E-4BC6-9A1B-E8C7712A9423}" type="datetimeFigureOut">
               <a:rPr lang="en-US" smtClean="0"/>
-              <a:t>7/25/2022</a:t>
+              <a:t>11/2/2022</a:t>
             </a:fld>
             <a:endParaRPr lang="en-US"/>
           </a:p>
@@ -461,7 +466,7 @@
           <a:p>
             <a:fld id="{D5696C5B-346E-4BC6-9A1B-E8C7712A9423}" type="datetimeFigureOut">
               <a:rPr lang="en-US" smtClean="0"/>
-              <a:t>7/25/2022</a:t>
+              <a:t>11/2/2022</a:t>
             </a:fld>
             <a:endParaRPr lang="en-US"/>
           </a:p>
@@ -669,7 +674,7 @@
           <a:p>
             <a:fld id="{D5696C5B-346E-4BC6-9A1B-E8C7712A9423}" type="datetimeFigureOut">
               <a:rPr lang="en-US" smtClean="0"/>
-              <a:t>7/25/2022</a:t>
+              <a:t>11/2/2022</a:t>
             </a:fld>
             <a:endParaRPr lang="en-US"/>
           </a:p>
@@ -867,7 +872,7 @@
           <a:p>
             <a:fld id="{D5696C5B-346E-4BC6-9A1B-E8C7712A9423}" type="datetimeFigureOut">
               <a:rPr lang="en-US" smtClean="0"/>
-              <a:t>7/25/2022</a:t>
+              <a:t>11/2/2022</a:t>
             </a:fld>
             <a:endParaRPr lang="en-US"/>
           </a:p>
@@ -1142,7 +1147,7 @@
           <a:p>
             <a:fld id="{D5696C5B-346E-4BC6-9A1B-E8C7712A9423}" type="datetimeFigureOut">
               <a:rPr lang="en-US" smtClean="0"/>
-              <a:t>7/25/2022</a:t>
+              <a:t>11/2/2022</a:t>
             </a:fld>
             <a:endParaRPr lang="en-US"/>
           </a:p>
@@ -1407,7 +1412,7 @@
           <a:p>
             <a:fld id="{D5696C5B-346E-4BC6-9A1B-E8C7712A9423}" type="datetimeFigureOut">
               <a:rPr lang="en-US" smtClean="0"/>
-              <a:t>7/25/2022</a:t>
+              <a:t>11/2/2022</a:t>
             </a:fld>
             <a:endParaRPr lang="en-US"/>
           </a:p>
@@ -1819,7 +1824,7 @@
           <a:p>
             <a:fld id="{D5696C5B-346E-4BC6-9A1B-E8C7712A9423}" type="datetimeFigureOut">
               <a:rPr lang="en-US" smtClean="0"/>
-              <a:t>7/25/2022</a:t>
+              <a:t>11/2/2022</a:t>
             </a:fld>
             <a:endParaRPr lang="en-US"/>
           </a:p>
@@ -1960,7 +1965,7 @@
           <a:p>
             <a:fld id="{D5696C5B-346E-4BC6-9A1B-E8C7712A9423}" type="datetimeFigureOut">
               <a:rPr lang="en-US" smtClean="0"/>
-              <a:t>7/25/2022</a:t>
+              <a:t>11/2/2022</a:t>
             </a:fld>
             <a:endParaRPr lang="en-US"/>
           </a:p>
@@ -2073,7 +2078,7 @@
           <a:p>
             <a:fld id="{D5696C5B-346E-4BC6-9A1B-E8C7712A9423}" type="datetimeFigureOut">
               <a:rPr lang="en-US" smtClean="0"/>
-              <a:t>7/25/2022</a:t>
+              <a:t>11/2/2022</a:t>
             </a:fld>
             <a:endParaRPr lang="en-US"/>
           </a:p>
@@ -2384,7 +2389,7 @@
           <a:p>
             <a:fld id="{D5696C5B-346E-4BC6-9A1B-E8C7712A9423}" type="datetimeFigureOut">
               <a:rPr lang="en-US" smtClean="0"/>
-              <a:t>7/25/2022</a:t>
+              <a:t>11/2/2022</a:t>
             </a:fld>
             <a:endParaRPr lang="en-US"/>
           </a:p>
@@ -2672,7 +2677,7 @@
           <a:p>
             <a:fld id="{D5696C5B-346E-4BC6-9A1B-E8C7712A9423}" type="datetimeFigureOut">
               <a:rPr lang="en-US" smtClean="0"/>
-              <a:t>7/25/2022</a:t>
+              <a:t>11/2/2022</a:t>
             </a:fld>
             <a:endParaRPr lang="en-US"/>
           </a:p>
@@ -2913,7 +2918,7 @@
           <a:p>
             <a:fld id="{D5696C5B-346E-4BC6-9A1B-E8C7712A9423}" type="datetimeFigureOut">
               <a:rPr lang="en-US" smtClean="0"/>
-              <a:t>7/25/2022</a:t>
+              <a:t>11/2/2022</a:t>
             </a:fld>
             <a:endParaRPr lang="en-US"/>
           </a:p>
@@ -4426,6 +4431,168 @@
           </a:p>
         </p:txBody>
       </p:sp>
+      <p:cxnSp>
+        <p:nvCxnSpPr>
+          <p:cNvPr id="11" name="Straight Arrow Connector 10">
+            <a:extLst>
+              <a:ext uri="{FF2B5EF4-FFF2-40B4-BE49-F238E27FC236}">
+                <a16:creationId xmlns:a16="http://schemas.microsoft.com/office/drawing/2014/main" id="{8A0C6E45-E240-C8C7-FF8F-5E106C0BF92D}"/>
+              </a:ext>
+            </a:extLst>
+          </p:cNvPr>
+          <p:cNvCxnSpPr/>
+          <p:nvPr/>
+        </p:nvCxnSpPr>
+        <p:spPr>
+          <a:xfrm flipH="1" flipV="1">
+            <a:off x="2198917" y="1547810"/>
+            <a:ext cx="348343" cy="261257"/>
+          </a:xfrm>
+          <a:prstGeom prst="straightConnector1">
+            <a:avLst/>
+          </a:prstGeom>
+          <a:ln>
+            <a:tailEnd type="triangle"/>
+          </a:ln>
+        </p:spPr>
+        <p:style>
+          <a:lnRef idx="3">
+            <a:schemeClr val="accent2"/>
+          </a:lnRef>
+          <a:fillRef idx="0">
+            <a:schemeClr val="accent2"/>
+          </a:fillRef>
+          <a:effectRef idx="2">
+            <a:schemeClr val="accent2"/>
+          </a:effectRef>
+          <a:fontRef idx="minor">
+            <a:schemeClr val="tx1"/>
+          </a:fontRef>
+        </p:style>
+      </p:cxnSp>
+      <p:cxnSp>
+        <p:nvCxnSpPr>
+          <p:cNvPr id="12" name="Straight Arrow Connector 11">
+            <a:extLst>
+              <a:ext uri="{FF2B5EF4-FFF2-40B4-BE49-F238E27FC236}">
+                <a16:creationId xmlns:a16="http://schemas.microsoft.com/office/drawing/2014/main" id="{395A86E4-3645-AD8F-1237-B6A18B6C0511}"/>
+              </a:ext>
+            </a:extLst>
+          </p:cNvPr>
+          <p:cNvCxnSpPr>
+            <a:cxnSpLocks/>
+          </p:cNvCxnSpPr>
+          <p:nvPr/>
+        </p:nvCxnSpPr>
+        <p:spPr>
+          <a:xfrm flipV="1">
+            <a:off x="2198917" y="1153884"/>
+            <a:ext cx="440872" cy="217714"/>
+          </a:xfrm>
+          <a:prstGeom prst="straightConnector1">
+            <a:avLst/>
+          </a:prstGeom>
+          <a:ln>
+            <a:tailEnd type="triangle"/>
+          </a:ln>
+        </p:spPr>
+        <p:style>
+          <a:lnRef idx="3">
+            <a:schemeClr val="accent2"/>
+          </a:lnRef>
+          <a:fillRef idx="0">
+            <a:schemeClr val="accent2"/>
+          </a:fillRef>
+          <a:effectRef idx="2">
+            <a:schemeClr val="accent2"/>
+          </a:effectRef>
+          <a:fontRef idx="minor">
+            <a:schemeClr val="tx1"/>
+          </a:fontRef>
+        </p:style>
+      </p:cxnSp>
+      <p:sp>
+        <p:nvSpPr>
+          <p:cNvPr id="14" name="TextBox 13">
+            <a:extLst>
+              <a:ext uri="{FF2B5EF4-FFF2-40B4-BE49-F238E27FC236}">
+                <a16:creationId xmlns:a16="http://schemas.microsoft.com/office/drawing/2014/main" id="{04FC6682-1B5C-1E75-71AA-57C46D7FCC7F}"/>
+              </a:ext>
+            </a:extLst>
+          </p:cNvPr>
+          <p:cNvSpPr txBox="1"/>
+          <p:nvPr/>
+        </p:nvSpPr>
+        <p:spPr>
+          <a:xfrm>
+            <a:off x="4857040" y="5196010"/>
+            <a:ext cx="1664110" cy="338554"/>
+          </a:xfrm>
+          <a:prstGeom prst="rect">
+            <a:avLst/>
+          </a:prstGeom>
+          <a:noFill/>
+        </p:spPr>
+        <p:txBody>
+          <a:bodyPr wrap="none" rtlCol="0">
+            <a:spAutoFit/>
+          </a:bodyPr>
+          <a:lstStyle/>
+          <a:p>
+            <a:r>
+              <a:rPr lang="en-US" sz="1600" dirty="0">
+                <a:solidFill>
+                  <a:schemeClr val="bg2">
+                    <a:lumMod val="50000"/>
+                  </a:schemeClr>
+                </a:solidFill>
+              </a:rPr>
+              <a:t>// swap k1 and k2</a:t>
+            </a:r>
+          </a:p>
+        </p:txBody>
+      </p:sp>
+      <p:sp>
+        <p:nvSpPr>
+          <p:cNvPr id="16" name="TextBox 15">
+            <a:extLst>
+              <a:ext uri="{FF2B5EF4-FFF2-40B4-BE49-F238E27FC236}">
+                <a16:creationId xmlns:a16="http://schemas.microsoft.com/office/drawing/2014/main" id="{0E7BE630-E97D-713A-DCD3-54A8873A179B}"/>
+              </a:ext>
+            </a:extLst>
+          </p:cNvPr>
+          <p:cNvSpPr txBox="1"/>
+          <p:nvPr/>
+        </p:nvSpPr>
+        <p:spPr>
+          <a:xfrm>
+            <a:off x="4858118" y="5447476"/>
+            <a:ext cx="1664110" cy="338554"/>
+          </a:xfrm>
+          <a:prstGeom prst="rect">
+            <a:avLst/>
+          </a:prstGeom>
+          <a:noFill/>
+        </p:spPr>
+        <p:txBody>
+          <a:bodyPr wrap="none" rtlCol="0">
+            <a:spAutoFit/>
+          </a:bodyPr>
+          <a:lstStyle/>
+          <a:p>
+            <a:r>
+              <a:rPr lang="en-US" sz="1600" dirty="0">
+                <a:solidFill>
+                  <a:schemeClr val="bg2">
+                    <a:lumMod val="50000"/>
+                  </a:schemeClr>
+                </a:solidFill>
+              </a:rPr>
+              <a:t>// swap k2 and k3</a:t>
+            </a:r>
+          </a:p>
+        </p:txBody>
+      </p:sp>
     </p:spTree>
     <p:extLst>
       <p:ext uri="{BB962C8B-B14F-4D97-AF65-F5344CB8AC3E}">
@@ -4528,9 +4695,6 @@
                 <a:endParaRPr lang="en-US" dirty="0"/>
               </a:p>
               <a:p>
-                <a:pPr marL="0" indent="0">
-                  <a:buNone/>
-                </a:pPr>
                 <a:r>
                   <a:rPr lang="en-US" dirty="0"/>
                   <a:t>The depth of a binary search tree </a:t>
@@ -4579,7 +4743,13 @@
                 </a14:m>
                 <a:r>
                   <a:rPr lang="en-US" dirty="0"/>
-                  <a:t> operations (for all but deleting and copying the whole tree). The average tree depth </a:t>
+                  <a:t> operations (for all but deleting and copying the whole tree). </a:t>
+                </a:r>
+              </a:p>
+              <a:p>
+                <a:r>
+                  <a:rPr lang="en-US" dirty="0"/>
+                  <a:t>The average tree depth </a:t>
                 </a:r>
                 <a14:m>
                   <m:oMath xmlns:m="http://schemas.openxmlformats.org/officeDocument/2006/math">
@@ -4815,7 +4985,7 @@
               <a:blipFill>
                 <a:blip r:embed="rId2"/>
                 <a:stretch>
-                  <a:fillRect l="-1043" t="-3501" r="-870"/>
+                  <a:fillRect l="-1043" t="-3501"/>
                 </a:stretch>
               </a:blipFill>
             </p:spPr>
@@ -4925,15 +5095,7 @@
             </a:pPr>
             <a:r>
               <a:rPr lang="en-US" dirty="0"/>
-              <a:t>An AVL </a:t>
-            </a:r>
-            <a:r>
-              <a:rPr lang="en-US" dirty="0" err="1"/>
-              <a:t>AVL</a:t>
-            </a:r>
-            <a:r>
-              <a:rPr lang="en-US" dirty="0"/>
-              <a:t> (Adelson-</a:t>
+              <a:t>An AVL (Adelson-</a:t>
             </a:r>
             <a:r>
               <a:rPr lang="en-US" dirty="0" err="1"/>
@@ -4949,7 +5111,7 @@
               <a:buNone/>
             </a:pPr>
             <a:r>
-              <a:rPr lang="en-US" dirty="0"/>
+              <a:rPr lang="en-US" b="1" dirty="0"/>
               <a:t>For every node in the tree, the height of the left and the right subtree can differ by at most 1.</a:t>
             </a:r>
           </a:p>
@@ -4980,7 +5142,7 @@
         </p:blipFill>
         <p:spPr>
           <a:xfrm>
-            <a:off x="1962150" y="2712611"/>
+            <a:off x="1959619" y="2684745"/>
             <a:ext cx="8267700" cy="3867150"/>
           </a:xfrm>
           <a:prstGeom prst="rect">
@@ -5151,12 +5313,12 @@
         <p:spPr>
           <a:xfrm>
             <a:off x="9644113" y="2591425"/>
-            <a:ext cx="1338312" cy="837575"/>
+            <a:ext cx="2047144" cy="909379"/>
           </a:xfrm>
           <a:prstGeom prst="wedgeRoundRectCallout">
             <a:avLst>
-              <a:gd name="adj1" fmla="val -110729"/>
-              <a:gd name="adj2" fmla="val 26943"/>
+              <a:gd name="adj1" fmla="val -86268"/>
+              <a:gd name="adj2" fmla="val 12578"/>
               <a:gd name="adj3" fmla="val 16667"/>
             </a:avLst>
           </a:prstGeom>
@@ -5183,10 +5345,24 @@
           <a:p>
             <a:pPr algn="ctr"/>
             <a:r>
-              <a:rPr lang="en-US"/>
+              <a:rPr lang="en-US" dirty="0">
+                <a:solidFill>
+                  <a:schemeClr val="bg1"/>
+                </a:solidFill>
+              </a:rPr>
               <a:t>Balance condition is violated!</a:t>
             </a:r>
-            <a:endParaRPr lang="en-US" dirty="0"/>
+          </a:p>
+          <a:p>
+            <a:pPr algn="ctr"/>
+            <a:r>
+              <a:rPr lang="en-US" dirty="0">
+                <a:solidFill>
+                  <a:schemeClr val="bg1"/>
+                </a:solidFill>
+              </a:rPr>
+              <a:t>Diff(2, 0) &gt; 1</a:t>
+            </a:r>
           </a:p>
         </p:txBody>
       </p:sp>
@@ -5219,7 +5395,11 @@
           <a:lstStyle/>
           <a:p>
             <a:r>
-              <a:rPr lang="en-US" sz="1100" dirty="0"/>
+              <a:rPr lang="en-US" sz="1100" dirty="0">
+                <a:solidFill>
+                  <a:schemeClr val="accent2"/>
+                </a:solidFill>
+              </a:rPr>
               <a:t>height = 0</a:t>
             </a:r>
           </a:p>
@@ -5239,7 +5419,7 @@
         </p:nvSpPr>
         <p:spPr>
           <a:xfrm>
-            <a:off x="6964826" y="3891914"/>
+            <a:off x="1336912" y="4786287"/>
             <a:ext cx="753732" cy="261610"/>
           </a:xfrm>
           <a:prstGeom prst="rect">
@@ -5254,12 +5434,385 @@
           <a:lstStyle/>
           <a:p>
             <a:r>
-              <a:rPr lang="en-US" sz="1100" dirty="0"/>
-              <a:t>height = 2</a:t>
+              <a:rPr lang="en-US" sz="1100" dirty="0">
+                <a:solidFill>
+                  <a:schemeClr val="accent2"/>
+                </a:solidFill>
+              </a:rPr>
+              <a:t>height = 0</a:t>
             </a:r>
           </a:p>
         </p:txBody>
       </p:sp>
+      <p:sp>
+        <p:nvSpPr>
+          <p:cNvPr id="2" name="TextBox 1">
+            <a:extLst>
+              <a:ext uri="{FF2B5EF4-FFF2-40B4-BE49-F238E27FC236}">
+                <a16:creationId xmlns:a16="http://schemas.microsoft.com/office/drawing/2014/main" id="{F647A4E9-E613-48A5-F024-C8C5756BEC6D}"/>
+              </a:ext>
+            </a:extLst>
+          </p:cNvPr>
+          <p:cNvSpPr txBox="1"/>
+          <p:nvPr/>
+        </p:nvSpPr>
+        <p:spPr>
+          <a:xfrm>
+            <a:off x="4395797" y="4782340"/>
+            <a:ext cx="753732" cy="261610"/>
+          </a:xfrm>
+          <a:prstGeom prst="rect">
+            <a:avLst/>
+          </a:prstGeom>
+          <a:noFill/>
+        </p:spPr>
+        <p:txBody>
+          <a:bodyPr wrap="none" rtlCol="0">
+            <a:spAutoFit/>
+          </a:bodyPr>
+          <a:lstStyle/>
+          <a:p>
+            <a:r>
+              <a:rPr lang="en-US" sz="1100" dirty="0">
+                <a:solidFill>
+                  <a:schemeClr val="accent2"/>
+                </a:solidFill>
+              </a:rPr>
+              <a:t>height = 0</a:t>
+            </a:r>
+          </a:p>
+        </p:txBody>
+      </p:sp>
+      <p:sp>
+        <p:nvSpPr>
+          <p:cNvPr id="3" name="TextBox 2">
+            <a:extLst>
+              <a:ext uri="{FF2B5EF4-FFF2-40B4-BE49-F238E27FC236}">
+                <a16:creationId xmlns:a16="http://schemas.microsoft.com/office/drawing/2014/main" id="{35C46365-8C9F-E8B5-1156-3532C19FE3B7}"/>
+              </a:ext>
+            </a:extLst>
+          </p:cNvPr>
+          <p:cNvSpPr txBox="1"/>
+          <p:nvPr/>
+        </p:nvSpPr>
+        <p:spPr>
+          <a:xfrm>
+            <a:off x="2694190" y="4645205"/>
+            <a:ext cx="753732" cy="261610"/>
+          </a:xfrm>
+          <a:prstGeom prst="rect">
+            <a:avLst/>
+          </a:prstGeom>
+          <a:noFill/>
+        </p:spPr>
+        <p:txBody>
+          <a:bodyPr wrap="none" rtlCol="0">
+            <a:spAutoFit/>
+          </a:bodyPr>
+          <a:lstStyle/>
+          <a:p>
+            <a:r>
+              <a:rPr lang="en-US" sz="1100" dirty="0">
+                <a:solidFill>
+                  <a:schemeClr val="accent2"/>
+                </a:solidFill>
+              </a:rPr>
+              <a:t>height = 1</a:t>
+            </a:r>
+          </a:p>
+        </p:txBody>
+      </p:sp>
+      <p:sp>
+        <p:nvSpPr>
+          <p:cNvPr id="4" name="TextBox 3">
+            <a:extLst>
+              <a:ext uri="{FF2B5EF4-FFF2-40B4-BE49-F238E27FC236}">
+                <a16:creationId xmlns:a16="http://schemas.microsoft.com/office/drawing/2014/main" id="{FF6640F7-E60D-D5E2-7E71-99E744533172}"/>
+              </a:ext>
+            </a:extLst>
+          </p:cNvPr>
+          <p:cNvSpPr txBox="1"/>
+          <p:nvPr/>
+        </p:nvSpPr>
+        <p:spPr>
+          <a:xfrm>
+            <a:off x="3133054" y="5672906"/>
+            <a:ext cx="753732" cy="261610"/>
+          </a:xfrm>
+          <a:prstGeom prst="rect">
+            <a:avLst/>
+          </a:prstGeom>
+          <a:noFill/>
+        </p:spPr>
+        <p:txBody>
+          <a:bodyPr wrap="none" rtlCol="0">
+            <a:spAutoFit/>
+          </a:bodyPr>
+          <a:lstStyle/>
+          <a:p>
+            <a:r>
+              <a:rPr lang="en-US" sz="1100" dirty="0">
+                <a:solidFill>
+                  <a:schemeClr val="accent2"/>
+                </a:solidFill>
+              </a:rPr>
+              <a:t>height = 0</a:t>
+            </a:r>
+          </a:p>
+        </p:txBody>
+      </p:sp>
+      <p:sp>
+        <p:nvSpPr>
+          <p:cNvPr id="8" name="TextBox 7">
+            <a:extLst>
+              <a:ext uri="{FF2B5EF4-FFF2-40B4-BE49-F238E27FC236}">
+                <a16:creationId xmlns:a16="http://schemas.microsoft.com/office/drawing/2014/main" id="{D808C8D7-EB0D-4BC2-3CEF-C03E7763DEFD}"/>
+              </a:ext>
+            </a:extLst>
+          </p:cNvPr>
+          <p:cNvSpPr txBox="1"/>
+          <p:nvPr/>
+        </p:nvSpPr>
+        <p:spPr>
+          <a:xfrm>
+            <a:off x="4395797" y="5672906"/>
+            <a:ext cx="1947969" cy="261610"/>
+          </a:xfrm>
+          <a:prstGeom prst="rect">
+            <a:avLst/>
+          </a:prstGeom>
+          <a:noFill/>
+        </p:spPr>
+        <p:txBody>
+          <a:bodyPr wrap="none" rtlCol="0">
+            <a:spAutoFit/>
+          </a:bodyPr>
+          <a:lstStyle/>
+          <a:p>
+            <a:r>
+              <a:rPr lang="en-US" sz="1100" dirty="0">
+                <a:solidFill>
+                  <a:schemeClr val="accent2"/>
+                </a:solidFill>
+              </a:rPr>
+              <a:t>Missing nodes have height = -1</a:t>
+            </a:r>
+          </a:p>
+        </p:txBody>
+      </p:sp>
+      <p:sp>
+        <p:nvSpPr>
+          <p:cNvPr id="9" name="TextBox 8">
+            <a:extLst>
+              <a:ext uri="{FF2B5EF4-FFF2-40B4-BE49-F238E27FC236}">
+                <a16:creationId xmlns:a16="http://schemas.microsoft.com/office/drawing/2014/main" id="{F50BEC00-906C-D810-31C5-7898B4252662}"/>
+              </a:ext>
+            </a:extLst>
+          </p:cNvPr>
+          <p:cNvSpPr txBox="1"/>
+          <p:nvPr/>
+        </p:nvSpPr>
+        <p:spPr>
+          <a:xfrm>
+            <a:off x="6863183" y="3891914"/>
+            <a:ext cx="753732" cy="261610"/>
+          </a:xfrm>
+          <a:prstGeom prst="rect">
+            <a:avLst/>
+          </a:prstGeom>
+          <a:noFill/>
+        </p:spPr>
+        <p:txBody>
+          <a:bodyPr wrap="none" rtlCol="0">
+            <a:spAutoFit/>
+          </a:bodyPr>
+          <a:lstStyle/>
+          <a:p>
+            <a:r>
+              <a:rPr lang="en-US" sz="1100" dirty="0">
+                <a:solidFill>
+                  <a:schemeClr val="accent2"/>
+                </a:solidFill>
+              </a:rPr>
+              <a:t>height = 2</a:t>
+            </a:r>
+          </a:p>
+        </p:txBody>
+      </p:sp>
+      <p:sp>
+        <p:nvSpPr>
+          <p:cNvPr id="13" name="TextBox 12">
+            <a:extLst>
+              <a:ext uri="{FF2B5EF4-FFF2-40B4-BE49-F238E27FC236}">
+                <a16:creationId xmlns:a16="http://schemas.microsoft.com/office/drawing/2014/main" id="{7A475DED-3543-280D-764A-925FB397507A}"/>
+              </a:ext>
+            </a:extLst>
+          </p:cNvPr>
+          <p:cNvSpPr txBox="1"/>
+          <p:nvPr/>
+        </p:nvSpPr>
+        <p:spPr>
+          <a:xfrm>
+            <a:off x="4966445" y="4371072"/>
+            <a:ext cx="457200" cy="307777"/>
+          </a:xfrm>
+          <a:prstGeom prst="rect">
+            <a:avLst/>
+          </a:prstGeom>
+          <a:noFill/>
+        </p:spPr>
+        <p:txBody>
+          <a:bodyPr wrap="square">
+            <a:spAutoFit/>
+          </a:bodyPr>
+          <a:lstStyle/>
+          <a:p>
+            <a:r>
+              <a:rPr lang="en-US" sz="1400" dirty="0">
+                <a:solidFill>
+                  <a:schemeClr val="accent2"/>
+                </a:solidFill>
+              </a:rPr>
+              <a:t>-1</a:t>
+            </a:r>
+            <a:endParaRPr lang="en-US" sz="1400" dirty="0"/>
+          </a:p>
+        </p:txBody>
+      </p:sp>
+      <p:sp>
+        <p:nvSpPr>
+          <p:cNvPr id="15" name="TextBox 14">
+            <a:extLst>
+              <a:ext uri="{FF2B5EF4-FFF2-40B4-BE49-F238E27FC236}">
+                <a16:creationId xmlns:a16="http://schemas.microsoft.com/office/drawing/2014/main" id="{17425134-731B-261A-AF38-B992E971BFD0}"/>
+              </a:ext>
+            </a:extLst>
+          </p:cNvPr>
+          <p:cNvSpPr txBox="1"/>
+          <p:nvPr/>
+        </p:nvSpPr>
+        <p:spPr>
+          <a:xfrm>
+            <a:off x="3886786" y="5273357"/>
+            <a:ext cx="457200" cy="307777"/>
+          </a:xfrm>
+          <a:prstGeom prst="rect">
+            <a:avLst/>
+          </a:prstGeom>
+          <a:noFill/>
+        </p:spPr>
+        <p:txBody>
+          <a:bodyPr wrap="square">
+            <a:spAutoFit/>
+          </a:bodyPr>
+          <a:lstStyle/>
+          <a:p>
+            <a:r>
+              <a:rPr lang="en-US" sz="1400" dirty="0">
+                <a:solidFill>
+                  <a:schemeClr val="accent2"/>
+                </a:solidFill>
+              </a:rPr>
+              <a:t>-1</a:t>
+            </a:r>
+            <a:endParaRPr lang="en-US" sz="1400" dirty="0"/>
+          </a:p>
+        </p:txBody>
+      </p:sp>
+      <p:cxnSp>
+        <p:nvCxnSpPr>
+          <p:cNvPr id="18" name="Straight Arrow Connector 17">
+            <a:extLst>
+              <a:ext uri="{FF2B5EF4-FFF2-40B4-BE49-F238E27FC236}">
+                <a16:creationId xmlns:a16="http://schemas.microsoft.com/office/drawing/2014/main" id="{5AE34D0D-C213-32BD-F841-525F447FA29D}"/>
+              </a:ext>
+            </a:extLst>
+          </p:cNvPr>
+          <p:cNvCxnSpPr>
+            <a:cxnSpLocks/>
+          </p:cNvCxnSpPr>
+          <p:nvPr/>
+        </p:nvCxnSpPr>
+        <p:spPr>
+          <a:xfrm>
+            <a:off x="4767459" y="4149064"/>
+            <a:ext cx="278633" cy="307777"/>
+          </a:xfrm>
+          <a:prstGeom prst="straightConnector1">
+            <a:avLst/>
+          </a:prstGeom>
+          <a:ln w="9525" cap="flat" cmpd="sng" algn="ctr">
+            <a:solidFill>
+              <a:schemeClr val="accent2"/>
+            </a:solidFill>
+            <a:prstDash val="dash"/>
+            <a:round/>
+            <a:headEnd type="none" w="med" len="med"/>
+            <a:tailEnd type="none" w="med" len="med"/>
+          </a:ln>
+        </p:spPr>
+        <p:style>
+          <a:lnRef idx="0">
+            <a:scrgbClr r="0" g="0" b="0"/>
+          </a:lnRef>
+          <a:fillRef idx="0">
+            <a:scrgbClr r="0" g="0" b="0"/>
+          </a:fillRef>
+          <a:effectRef idx="0">
+            <a:scrgbClr r="0" g="0" b="0"/>
+          </a:effectRef>
+          <a:fontRef idx="minor">
+            <a:schemeClr val="tx1"/>
+          </a:fontRef>
+        </p:style>
+      </p:cxnSp>
+      <p:cxnSp>
+        <p:nvCxnSpPr>
+          <p:cNvPr id="20" name="Straight Arrow Connector 19">
+            <a:extLst>
+              <a:ext uri="{FF2B5EF4-FFF2-40B4-BE49-F238E27FC236}">
+                <a16:creationId xmlns:a16="http://schemas.microsoft.com/office/drawing/2014/main" id="{39C2029A-8A25-41FF-2EED-7DD3AD81EEA9}"/>
+              </a:ext>
+            </a:extLst>
+          </p:cNvPr>
+          <p:cNvCxnSpPr>
+            <a:cxnSpLocks/>
+          </p:cNvCxnSpPr>
+          <p:nvPr/>
+        </p:nvCxnSpPr>
+        <p:spPr>
+          <a:xfrm>
+            <a:off x="3705863" y="5055527"/>
+            <a:ext cx="278633" cy="307777"/>
+          </a:xfrm>
+          <a:prstGeom prst="straightConnector1">
+            <a:avLst/>
+          </a:prstGeom>
+          <a:ln w="9525" cap="flat" cmpd="sng" algn="ctr">
+            <a:solidFill>
+              <a:schemeClr val="accent2"/>
+            </a:solidFill>
+            <a:prstDash val="dash"/>
+            <a:round/>
+            <a:headEnd type="none" w="med" len="med"/>
+            <a:tailEnd type="none" w="med" len="med"/>
+          </a:ln>
+        </p:spPr>
+        <p:style>
+          <a:lnRef idx="0">
+            <a:scrgbClr r="0" g="0" b="0"/>
+          </a:lnRef>
+          <a:fillRef idx="0">
+            <a:scrgbClr r="0" g="0" b="0"/>
+          </a:fillRef>
+          <a:effectRef idx="0">
+            <a:scrgbClr r="0" g="0" b="0"/>
+          </a:effectRef>
+          <a:fontRef idx="minor">
+            <a:schemeClr val="tx1"/>
+          </a:fontRef>
+        </p:style>
+      </p:cxnSp>
     </p:spTree>
     <p:extLst>
       <p:ext uri="{BB962C8B-B14F-4D97-AF65-F5344CB8AC3E}">
@@ -5346,7 +5899,7 @@
             </a:pPr>
             <a:r>
               <a:rPr lang="en-US" sz="2000" dirty="0"/>
-              <a:t>Only necessary locally where the tree gets changed by an insertion (or deletion). If we store and update height information in the nodes, then detection is easy!</a:t>
+              <a:t>Only necessary locally (in the subtree) where the tree gets changed by an insertion (or deletion). If we store and update height information in the nodes, then detection is easy!</a:t>
             </a:r>
           </a:p>
           <a:p>
@@ -5457,8 +6010,8 @@
             </a:p>
           </p:txBody>
         </p:sp>
-        <mc:AlternateContent xmlns:mc="http://schemas.openxmlformats.org/markup-compatibility/2006">
-          <mc:Choice xmlns:a14="http://schemas.microsoft.com/office/drawing/2010/main" Requires="a14">
+        <mc:AlternateContent xmlns:mc="http://schemas.openxmlformats.org/markup-compatibility/2006" xmlns:a14="http://schemas.microsoft.com/office/drawing/2010/main">
+          <mc:Choice Requires="a14">
             <p:sp>
               <p:nvSpPr>
                 <p:cNvPr id="11" name="Oval 10">
@@ -5519,7 +6072,7 @@
               </p:txBody>
             </p:sp>
           </mc:Choice>
-          <mc:Fallback>
+          <mc:Fallback xmlns="">
             <p:sp>
               <p:nvSpPr>
                 <p:cNvPr id="11" name="Oval 10">
@@ -6845,8 +7398,8 @@
           </a:p>
         </p:txBody>
       </p:sp>
-      <mc:AlternateContent xmlns:mc="http://schemas.openxmlformats.org/markup-compatibility/2006">
-        <mc:Choice xmlns:a14="http://schemas.microsoft.com/office/drawing/2010/main" Requires="a14">
+      <mc:AlternateContent xmlns:mc="http://schemas.openxmlformats.org/markup-compatibility/2006" xmlns:a14="http://schemas.microsoft.com/office/drawing/2010/main">
+        <mc:Choice Requires="a14">
           <p:sp>
             <p:nvSpPr>
               <p:cNvPr id="20" name="TextBox 19">
@@ -6997,7 +7550,7 @@
             </p:txBody>
           </p:sp>
         </mc:Choice>
-        <mc:Fallback>
+        <mc:Fallback xmlns="">
           <p:sp>
             <p:nvSpPr>
               <p:cNvPr id="20" name="TextBox 19">
@@ -7042,8 +7595,8 @@
           </p:sp>
         </mc:Fallback>
       </mc:AlternateContent>
-      <mc:AlternateContent xmlns:mc="http://schemas.openxmlformats.org/markup-compatibility/2006">
-        <mc:Choice xmlns:a14="http://schemas.microsoft.com/office/drawing/2010/main" Requires="a14">
+      <mc:AlternateContent xmlns:mc="http://schemas.openxmlformats.org/markup-compatibility/2006" xmlns:a14="http://schemas.microsoft.com/office/drawing/2010/main">
+        <mc:Choice Requires="a14">
           <p:sp>
             <p:nvSpPr>
               <p:cNvPr id="21" name="TextBox 20">
@@ -7147,7 +7700,7 @@
             </p:txBody>
           </p:sp>
         </mc:Choice>
-        <mc:Fallback>
+        <mc:Fallback xmlns="">
           <p:sp>
             <p:nvSpPr>
               <p:cNvPr id="21" name="TextBox 20">
@@ -7260,8 +7813,8 @@
           </a:p>
         </p:txBody>
       </p:sp>
-      <mc:AlternateContent xmlns:mc="http://schemas.openxmlformats.org/markup-compatibility/2006">
-        <mc:Choice xmlns:a14="http://schemas.microsoft.com/office/drawing/2010/main" Requires="a14">
+      <mc:AlternateContent xmlns:mc="http://schemas.openxmlformats.org/markup-compatibility/2006" xmlns:a14="http://schemas.microsoft.com/office/drawing/2010/main">
+        <mc:Choice Requires="a14">
           <p:sp>
             <p:nvSpPr>
               <p:cNvPr id="25" name="TextBox 24">
@@ -7332,7 +7885,7 @@
             </p:txBody>
           </p:sp>
         </mc:Choice>
-        <mc:Fallback>
+        <mc:Fallback xmlns="">
           <p:sp>
             <p:nvSpPr>
               <p:cNvPr id="25" name="TextBox 24">
@@ -7626,7 +8179,7 @@
         </p:nvSpPr>
         <p:spPr>
           <a:xfrm>
-            <a:off x="5353370" y="1296220"/>
+            <a:off x="2484767" y="4424209"/>
             <a:ext cx="753732" cy="261610"/>
           </a:xfrm>
           <a:prstGeom prst="rect">
@@ -7696,7 +8249,7 @@
         </p:nvSpPr>
         <p:spPr>
           <a:xfrm>
-            <a:off x="3563600" y="1296353"/>
+            <a:off x="5286311" y="4357753"/>
             <a:ext cx="753732" cy="261610"/>
           </a:xfrm>
           <a:prstGeom prst="rect">
@@ -7922,6 +8475,45 @@
             <a:r>
               <a:rPr lang="en-US" dirty="0"/>
               <a:t>: lifts up Z by one level.</a:t>
+            </a:r>
+          </a:p>
+        </p:txBody>
+      </p:sp>
+      <p:sp>
+        <p:nvSpPr>
+          <p:cNvPr id="3" name="TextBox 2">
+            <a:extLst>
+              <a:ext uri="{FF2B5EF4-FFF2-40B4-BE49-F238E27FC236}">
+                <a16:creationId xmlns:a16="http://schemas.microsoft.com/office/drawing/2014/main" id="{4B6038AA-446F-B855-80C9-D4392AA2E444}"/>
+              </a:ext>
+            </a:extLst>
+          </p:cNvPr>
+          <p:cNvSpPr txBox="1"/>
+          <p:nvPr/>
+        </p:nvSpPr>
+        <p:spPr>
+          <a:xfrm>
+            <a:off x="8142480" y="157120"/>
+            <a:ext cx="1101584" cy="369332"/>
+          </a:xfrm>
+          <a:prstGeom prst="rect">
+            <a:avLst/>
+          </a:prstGeom>
+          <a:noFill/>
+        </p:spPr>
+        <p:txBody>
+          <a:bodyPr wrap="none" rtlCol="0">
+            <a:spAutoFit/>
+          </a:bodyPr>
+          <a:lstStyle/>
+          <a:p>
+            <a:r>
+              <a:rPr lang="en-US" dirty="0">
+                <a:solidFill>
+                  <a:schemeClr val="accent2"/>
+                </a:solidFill>
+              </a:rPr>
+              <a:t>Pull up k1</a:t>
             </a:r>
           </a:p>
         </p:txBody>
@@ -8028,13 +8620,13 @@
         </p:nvSpPr>
         <p:spPr>
           <a:xfrm>
-            <a:off x="5139491" y="2407192"/>
-            <a:ext cx="1338312" cy="837575"/>
+            <a:off x="4841507" y="1586450"/>
+            <a:ext cx="1664080" cy="1325563"/>
           </a:xfrm>
           <a:prstGeom prst="wedgeRoundRectCallout">
             <a:avLst>
-              <a:gd name="adj1" fmla="val -81961"/>
-              <a:gd name="adj2" fmla="val 40733"/>
+              <a:gd name="adj1" fmla="val -63645"/>
+              <a:gd name="adj2" fmla="val 66191"/>
               <a:gd name="adj3" fmla="val 16667"/>
             </a:avLst>
           </a:prstGeom>
@@ -8065,6 +8657,13 @@
               <a:t>Balance condition is violated!</a:t>
             </a:r>
           </a:p>
+          <a:p>
+            <a:pPr algn="ctr"/>
+            <a:r>
+              <a:rPr lang="en-US" dirty="0"/>
+              <a:t>Diff(2, -1) &gt; 1</a:t>
+            </a:r>
+          </a:p>
         </p:txBody>
       </p:sp>
       <p:cxnSp>
@@ -8076,13 +8675,15 @@
               </a:ext>
             </a:extLst>
           </p:cNvPr>
-          <p:cNvCxnSpPr/>
+          <p:cNvCxnSpPr>
+            <a:cxnSpLocks/>
+          </p:cNvCxnSpPr>
           <p:nvPr/>
         </p:nvCxnSpPr>
         <p:spPr>
           <a:xfrm>
-            <a:off x="4841507" y="4269969"/>
-            <a:ext cx="1119739" cy="0"/>
+            <a:off x="4637315" y="3699675"/>
+            <a:ext cx="1334817" cy="0"/>
           </a:xfrm>
           <a:prstGeom prst="straightConnector1">
             <a:avLst/>
@@ -8120,8 +8721,8 @@
         </p:nvSpPr>
         <p:spPr>
           <a:xfrm>
-            <a:off x="4549743" y="3873122"/>
-            <a:ext cx="1546257" cy="369332"/>
+            <a:off x="4549743" y="3699675"/>
+            <a:ext cx="1546257" cy="646331"/>
           </a:xfrm>
           <a:prstGeom prst="rect">
             <a:avLst/>
@@ -8137,6 +8738,13 @@
             <a:r>
               <a:rPr lang="en-US" dirty="0"/>
               <a:t>Rotate 8 and 7</a:t>
+            </a:r>
+          </a:p>
+          <a:p>
+            <a:pPr algn="ctr"/>
+            <a:r>
+              <a:rPr lang="en-US" dirty="0"/>
+              <a:t>(= pull up 7)</a:t>
             </a:r>
           </a:p>
         </p:txBody>
@@ -8279,7 +8887,7 @@
         </p:blipFill>
         <p:spPr>
           <a:xfrm>
-            <a:off x="1280062" y="4059173"/>
+            <a:off x="1280062" y="4472841"/>
             <a:ext cx="3419475" cy="2066925"/>
           </a:xfrm>
           <a:prstGeom prst="rect">
@@ -8438,7 +9046,7 @@
             </p:nvSpPr>
             <p:spPr>
               <a:xfrm>
-                <a:off x="3917621" y="3856680"/>
+                <a:off x="3917621" y="4270348"/>
                 <a:ext cx="2169740" cy="646331"/>
               </a:xfrm>
               <a:prstGeom prst="rect">
@@ -8559,7 +9167,7 @@
             </p:nvSpPr>
             <p:spPr>
               <a:xfrm>
-                <a:off x="3917621" y="3856680"/>
+                <a:off x="3917621" y="4270348"/>
                 <a:ext cx="2169740" cy="646331"/>
               </a:xfrm>
               <a:prstGeom prst="rect">
@@ -8629,8 +9237,8 @@
           </a:p>
         </p:txBody>
       </p:sp>
-      <mc:AlternateContent xmlns:mc="http://schemas.openxmlformats.org/markup-compatibility/2006">
-        <mc:Choice xmlns:a14="http://schemas.microsoft.com/office/drawing/2010/main" Requires="a14">
+      <mc:AlternateContent xmlns:mc="http://schemas.openxmlformats.org/markup-compatibility/2006" xmlns:a14="http://schemas.microsoft.com/office/drawing/2010/main">
+        <mc:Choice Requires="a14">
           <p:sp>
             <p:nvSpPr>
               <p:cNvPr id="11" name="TextBox 10">
@@ -8734,7 +9342,7 @@
             </p:txBody>
           </p:sp>
         </mc:Choice>
-        <mc:Fallback>
+        <mc:Fallback xmlns="">
           <p:sp>
             <p:nvSpPr>
               <p:cNvPr id="11" name="TextBox 10">
@@ -8795,7 +9403,7 @@
             </p:nvSpPr>
             <p:spPr>
               <a:xfrm>
-                <a:off x="5590712" y="4889383"/>
+                <a:off x="5590712" y="5303051"/>
                 <a:ext cx="295275" cy="288846"/>
               </a:xfrm>
               <a:prstGeom prst="ellipse">
@@ -8883,7 +9491,7 @@
             </p:nvSpPr>
             <p:spPr>
               <a:xfrm>
-                <a:off x="5590712" y="4889383"/>
+                <a:off x="5590712" y="5303051"/>
                 <a:ext cx="295275" cy="288846"/>
               </a:xfrm>
               <a:prstGeom prst="ellipse">
@@ -8927,7 +9535,7 @@
             </p:nvSpPr>
             <p:spPr>
               <a:xfrm>
-                <a:off x="6838950" y="4083269"/>
+                <a:off x="6838950" y="4496937"/>
                 <a:ext cx="295275" cy="288846"/>
               </a:xfrm>
               <a:prstGeom prst="ellipse">
@@ -9015,7 +9623,7 @@
             </p:nvSpPr>
             <p:spPr>
               <a:xfrm>
-                <a:off x="6838950" y="4083269"/>
+                <a:off x="6838950" y="4496937"/>
                 <a:ext cx="295275" cy="288846"/>
               </a:xfrm>
               <a:prstGeom prst="ellipse">
@@ -9059,7 +9667,7 @@
             </p:nvSpPr>
             <p:spPr>
               <a:xfrm>
-                <a:off x="6183201" y="4460710"/>
+                <a:off x="6183201" y="4874378"/>
                 <a:ext cx="295275" cy="288846"/>
               </a:xfrm>
               <a:prstGeom prst="ellipse">
@@ -9147,7 +9755,7 @@
             </p:nvSpPr>
             <p:spPr>
               <a:xfrm>
-                <a:off x="6183201" y="4460710"/>
+                <a:off x="6183201" y="4874378"/>
                 <a:ext cx="295275" cy="288846"/>
               </a:xfrm>
               <a:prstGeom prst="ellipse">
@@ -9191,7 +9799,7 @@
             </p:nvSpPr>
             <p:spPr>
               <a:xfrm>
-                <a:off x="5050973" y="5312731"/>
+                <a:off x="5050973" y="5726399"/>
                 <a:ext cx="609600" cy="504825"/>
               </a:xfrm>
               <a:prstGeom prst="triangle">
@@ -9254,7 +9862,7 @@
             </p:nvSpPr>
             <p:spPr>
               <a:xfrm>
-                <a:off x="5050973" y="5312731"/>
+                <a:off x="5050973" y="5726399"/>
                 <a:ext cx="609600" cy="504825"/>
               </a:xfrm>
               <a:prstGeom prst="triangle">
@@ -9263,7 +9871,7 @@
               <a:blipFill>
                 <a:blip r:embed="rId8"/>
                 <a:stretch>
-                  <a:fillRect b="-5882"/>
+                  <a:fillRect b="-4651"/>
                 </a:stretch>
               </a:blipFill>
             </p:spPr>
@@ -9298,7 +9906,7 @@
             </p:nvSpPr>
             <p:spPr>
               <a:xfrm>
-                <a:off x="5863483" y="5275755"/>
+                <a:off x="5863483" y="5689423"/>
                 <a:ext cx="609600" cy="504825"/>
               </a:xfrm>
               <a:prstGeom prst="triangle">
@@ -9361,7 +9969,7 @@
             </p:nvSpPr>
             <p:spPr>
               <a:xfrm>
-                <a:off x="5863483" y="5275755"/>
+                <a:off x="5863483" y="5689423"/>
                 <a:ext cx="609600" cy="504825"/>
               </a:xfrm>
               <a:prstGeom prst="triangle">
@@ -9370,7 +9978,7 @@
               <a:blipFill>
                 <a:blip r:embed="rId9"/>
                 <a:stretch>
-                  <a:fillRect b="-5814"/>
+                  <a:fillRect b="-4651"/>
                 </a:stretch>
               </a:blipFill>
             </p:spPr>
@@ -9405,7 +10013,7 @@
             </p:nvSpPr>
             <p:spPr>
               <a:xfrm>
-                <a:off x="6572714" y="5071511"/>
+                <a:off x="6572714" y="5485179"/>
                 <a:ext cx="609600" cy="504825"/>
               </a:xfrm>
               <a:prstGeom prst="triangle">
@@ -9468,7 +10076,7 @@
             </p:nvSpPr>
             <p:spPr>
               <a:xfrm>
-                <a:off x="6572714" y="5071511"/>
+                <a:off x="6572714" y="5485179"/>
                 <a:ext cx="609600" cy="504825"/>
               </a:xfrm>
               <a:prstGeom prst="triangle">
@@ -9512,7 +10120,7 @@
             </p:nvSpPr>
             <p:spPr>
               <a:xfrm>
-                <a:off x="7191375" y="4536367"/>
+                <a:off x="7191375" y="4950035"/>
                 <a:ext cx="609600" cy="504825"/>
               </a:xfrm>
               <a:prstGeom prst="triangle">
@@ -9575,7 +10183,7 @@
             </p:nvSpPr>
             <p:spPr>
               <a:xfrm>
-                <a:off x="7191375" y="4536367"/>
+                <a:off x="7191375" y="4950035"/>
                 <a:ext cx="609600" cy="504825"/>
               </a:xfrm>
               <a:prstGeom prst="triangle">
@@ -9624,7 +10232,7 @@
         </p:blipFill>
         <p:spPr>
           <a:xfrm>
-            <a:off x="7976261" y="3900487"/>
+            <a:off x="7976261" y="4314155"/>
             <a:ext cx="4095750" cy="1866900"/>
           </a:xfrm>
           <a:prstGeom prst="rect">
@@ -9646,7 +10254,7 @@
         </p:nvSpPr>
         <p:spPr>
           <a:xfrm>
-            <a:off x="1678099" y="3555138"/>
+            <a:off x="1634555" y="3968806"/>
             <a:ext cx="1338312" cy="837575"/>
           </a:xfrm>
           <a:prstGeom prst="wedgeRoundRectCallout">
@@ -9701,7 +10309,7 @@
             </p:nvSpPr>
             <p:spPr>
               <a:xfrm>
-                <a:off x="7285908" y="3785804"/>
+                <a:off x="7285908" y="4199472"/>
                 <a:ext cx="2009775" cy="646331"/>
               </a:xfrm>
               <a:prstGeom prst="rect">
@@ -9822,7 +10430,7 @@
             </p:nvSpPr>
             <p:spPr>
               <a:xfrm>
-                <a:off x="7285908" y="3785804"/>
+                <a:off x="7285908" y="4199472"/>
                 <a:ext cx="2009775" cy="646331"/>
               </a:xfrm>
               <a:prstGeom prst="rect">
@@ -9831,7 +10439,7 @@
               <a:blipFill>
                 <a:blip r:embed="rId12"/>
                 <a:stretch>
-                  <a:fillRect t="-4717" b="-14151"/>
+                  <a:fillRect t="-5660" b="-14151"/>
                 </a:stretch>
               </a:blipFill>
             </p:spPr>
@@ -9867,7 +10475,7 @@
         </p:nvCxnSpPr>
         <p:spPr>
           <a:xfrm flipH="1">
-            <a:off x="5842745" y="4707255"/>
+            <a:off x="5842745" y="5120923"/>
             <a:ext cx="383698" cy="224429"/>
           </a:xfrm>
           <a:prstGeom prst="line">
@@ -9906,7 +10514,7 @@
         </p:nvCxnSpPr>
         <p:spPr>
           <a:xfrm flipH="1">
-            <a:off x="6435234" y="4329814"/>
+            <a:off x="6435234" y="4743482"/>
             <a:ext cx="446958" cy="173197"/>
           </a:xfrm>
           <a:prstGeom prst="line">
@@ -9945,7 +10553,7 @@
         </p:nvCxnSpPr>
         <p:spPr>
           <a:xfrm flipH="1">
-            <a:off x="5355773" y="5135928"/>
+            <a:off x="5355773" y="5549596"/>
             <a:ext cx="278181" cy="176803"/>
           </a:xfrm>
           <a:prstGeom prst="line">
@@ -9984,7 +10592,7 @@
         </p:nvCxnSpPr>
         <p:spPr>
           <a:xfrm>
-            <a:off x="5842745" y="5135928"/>
+            <a:off x="5842745" y="5549596"/>
             <a:ext cx="325538" cy="139827"/>
           </a:xfrm>
           <a:prstGeom prst="line">
@@ -10023,7 +10631,7 @@
         </p:nvCxnSpPr>
         <p:spPr>
           <a:xfrm>
-            <a:off x="6435234" y="4707255"/>
+            <a:off x="6435234" y="5120923"/>
             <a:ext cx="442280" cy="364256"/>
           </a:xfrm>
           <a:prstGeom prst="line">
@@ -10062,7 +10670,7 @@
         </p:nvCxnSpPr>
         <p:spPr>
           <a:xfrm>
-            <a:off x="7090983" y="4329814"/>
+            <a:off x="7090983" y="4743482"/>
             <a:ext cx="405192" cy="206553"/>
           </a:xfrm>
           <a:prstGeom prst="line">
@@ -10098,7 +10706,7 @@
         </p:nvCxnSpPr>
         <p:spPr>
           <a:xfrm>
-            <a:off x="4671342" y="4583787"/>
+            <a:off x="4671342" y="4997455"/>
             <a:ext cx="759262" cy="0"/>
           </a:xfrm>
           <a:prstGeom prst="straightConnector1">
@@ -10137,7 +10745,7 @@
         </p:nvCxnSpPr>
         <p:spPr>
           <a:xfrm>
-            <a:off x="7905919" y="4583787"/>
+            <a:off x="7905919" y="4997455"/>
             <a:ext cx="759262" cy="0"/>
           </a:xfrm>
           <a:prstGeom prst="straightConnector1">
@@ -10176,8 +10784,8 @@
         </p:nvSpPr>
         <p:spPr>
           <a:xfrm>
-            <a:off x="2028825" y="6126098"/>
-            <a:ext cx="4739054" cy="369332"/>
+            <a:off x="1908267" y="3469283"/>
+            <a:ext cx="5742085" cy="369332"/>
           </a:xfrm>
           <a:prstGeom prst="rect">
             <a:avLst/>
@@ -10192,7 +10800,7 @@
           <a:p>
             <a:r>
               <a:rPr lang="en-US" dirty="0"/>
-              <a:t>Left-right double rotation: lifts up B by one level.</a:t>
+              <a:t>We need a left-right double rotation: lifts up B by one level.</a:t>
             </a:r>
           </a:p>
         </p:txBody>
@@ -10460,7 +11068,7 @@
         </p:nvSpPr>
         <p:spPr>
           <a:xfrm>
-            <a:off x="2242325" y="5309536"/>
+            <a:off x="2242325" y="5723204"/>
             <a:ext cx="803911" cy="457851"/>
           </a:xfrm>
           <a:prstGeom prst="triangle">
@@ -10533,6 +11141,297 @@
           </a:p>
         </p:txBody>
       </p:sp>
+      <p:cxnSp>
+        <p:nvCxnSpPr>
+          <p:cNvPr id="2" name="Straight Arrow Connector 1">
+            <a:extLst>
+              <a:ext uri="{FF2B5EF4-FFF2-40B4-BE49-F238E27FC236}">
+                <a16:creationId xmlns:a16="http://schemas.microsoft.com/office/drawing/2014/main" id="{5F577D30-D789-6280-7FF0-6CDD643245EC}"/>
+              </a:ext>
+            </a:extLst>
+          </p:cNvPr>
+          <p:cNvCxnSpPr/>
+          <p:nvPr/>
+        </p:nvCxnSpPr>
+        <p:spPr>
+          <a:xfrm flipV="1">
+            <a:off x="7650352" y="403950"/>
+            <a:ext cx="0" cy="323165"/>
+          </a:xfrm>
+          <a:prstGeom prst="straightConnector1">
+            <a:avLst/>
+          </a:prstGeom>
+          <a:ln>
+            <a:tailEnd type="triangle"/>
+          </a:ln>
+        </p:spPr>
+        <p:style>
+          <a:lnRef idx="3">
+            <a:schemeClr val="accent2"/>
+          </a:lnRef>
+          <a:fillRef idx="0">
+            <a:schemeClr val="accent2"/>
+          </a:fillRef>
+          <a:effectRef idx="2">
+            <a:schemeClr val="accent2"/>
+          </a:effectRef>
+          <a:fontRef idx="minor">
+            <a:schemeClr val="tx1"/>
+          </a:fontRef>
+        </p:style>
+      </p:cxnSp>
+      <p:cxnSp>
+        <p:nvCxnSpPr>
+          <p:cNvPr id="4" name="Straight Arrow Connector 3">
+            <a:extLst>
+              <a:ext uri="{FF2B5EF4-FFF2-40B4-BE49-F238E27FC236}">
+                <a16:creationId xmlns:a16="http://schemas.microsoft.com/office/drawing/2014/main" id="{9BCDDF26-1E8B-4DB5-3E30-47912C9987D8}"/>
+              </a:ext>
+            </a:extLst>
+          </p:cNvPr>
+          <p:cNvCxnSpPr>
+            <a:endCxn id="50" idx="1"/>
+          </p:cNvCxnSpPr>
+          <p:nvPr/>
+        </p:nvCxnSpPr>
+        <p:spPr>
+          <a:xfrm>
+            <a:off x="1360714" y="3650335"/>
+            <a:ext cx="547553" cy="3614"/>
+          </a:xfrm>
+          <a:prstGeom prst="straightConnector1">
+            <a:avLst/>
+          </a:prstGeom>
+          <a:ln>
+            <a:tailEnd type="triangle"/>
+          </a:ln>
+        </p:spPr>
+        <p:style>
+          <a:lnRef idx="1">
+            <a:schemeClr val="accent1"/>
+          </a:lnRef>
+          <a:fillRef idx="0">
+            <a:schemeClr val="accent1"/>
+          </a:fillRef>
+          <a:effectRef idx="0">
+            <a:schemeClr val="accent1"/>
+          </a:effectRef>
+          <a:fontRef idx="minor">
+            <a:schemeClr val="tx1"/>
+          </a:fontRef>
+        </p:style>
+      </p:cxnSp>
+      <p:cxnSp>
+        <p:nvCxnSpPr>
+          <p:cNvPr id="12" name="Straight Arrow Connector 11">
+            <a:extLst>
+              <a:ext uri="{FF2B5EF4-FFF2-40B4-BE49-F238E27FC236}">
+                <a16:creationId xmlns:a16="http://schemas.microsoft.com/office/drawing/2014/main" id="{5C332A3A-09F0-230D-E96B-CA89CE303BEB}"/>
+              </a:ext>
+            </a:extLst>
+          </p:cNvPr>
+          <p:cNvCxnSpPr/>
+          <p:nvPr/>
+        </p:nvCxnSpPr>
+        <p:spPr>
+          <a:xfrm flipV="1">
+            <a:off x="6335303" y="4558362"/>
+            <a:ext cx="0" cy="323165"/>
+          </a:xfrm>
+          <a:prstGeom prst="straightConnector1">
+            <a:avLst/>
+          </a:prstGeom>
+          <a:ln>
+            <a:tailEnd type="triangle"/>
+          </a:ln>
+        </p:spPr>
+        <p:style>
+          <a:lnRef idx="3">
+            <a:schemeClr val="accent2"/>
+          </a:lnRef>
+          <a:fillRef idx="0">
+            <a:schemeClr val="accent2"/>
+          </a:fillRef>
+          <a:effectRef idx="2">
+            <a:schemeClr val="accent2"/>
+          </a:effectRef>
+          <a:fontRef idx="minor">
+            <a:schemeClr val="tx1"/>
+          </a:fontRef>
+        </p:style>
+      </p:cxnSp>
+      <p:cxnSp>
+        <p:nvCxnSpPr>
+          <p:cNvPr id="13" name="Straight Arrow Connector 12">
+            <a:extLst>
+              <a:ext uri="{FF2B5EF4-FFF2-40B4-BE49-F238E27FC236}">
+                <a16:creationId xmlns:a16="http://schemas.microsoft.com/office/drawing/2014/main" id="{57C73D4D-225F-C9D2-57A6-8F007E1C0559}"/>
+              </a:ext>
+            </a:extLst>
+          </p:cNvPr>
+          <p:cNvCxnSpPr/>
+          <p:nvPr/>
+        </p:nvCxnSpPr>
+        <p:spPr>
+          <a:xfrm flipV="1">
+            <a:off x="9903695" y="4235197"/>
+            <a:ext cx="0" cy="323165"/>
+          </a:xfrm>
+          <a:prstGeom prst="straightConnector1">
+            <a:avLst/>
+          </a:prstGeom>
+          <a:ln>
+            <a:tailEnd type="triangle"/>
+          </a:ln>
+        </p:spPr>
+        <p:style>
+          <a:lnRef idx="3">
+            <a:schemeClr val="accent2"/>
+          </a:lnRef>
+          <a:fillRef idx="0">
+            <a:schemeClr val="accent2"/>
+          </a:fillRef>
+          <a:effectRef idx="2">
+            <a:schemeClr val="accent2"/>
+          </a:effectRef>
+          <a:fontRef idx="minor">
+            <a:schemeClr val="tx1"/>
+          </a:fontRef>
+        </p:style>
+      </p:cxnSp>
+      <mc:AlternateContent xmlns:mc="http://schemas.openxmlformats.org/markup-compatibility/2006">
+        <mc:Choice xmlns:a14="http://schemas.microsoft.com/office/drawing/2010/main" Requires="a14">
+          <p:sp>
+            <p:nvSpPr>
+              <p:cNvPr id="23" name="TextBox 22">
+                <a:extLst>
+                  <a:ext uri="{FF2B5EF4-FFF2-40B4-BE49-F238E27FC236}">
+                    <a16:creationId xmlns:a16="http://schemas.microsoft.com/office/drawing/2014/main" id="{666E9B36-5D92-BE7E-2DB1-AFA1C4C71A33}"/>
+                  </a:ext>
+                </a:extLst>
+              </p:cNvPr>
+              <p:cNvSpPr txBox="1"/>
+              <p:nvPr/>
+            </p:nvSpPr>
+            <p:spPr>
+              <a:xfrm>
+                <a:off x="2108326" y="6335926"/>
+                <a:ext cx="1919051" cy="369332"/>
+              </a:xfrm>
+              <a:prstGeom prst="rect">
+                <a:avLst/>
+              </a:prstGeom>
+              <a:noFill/>
+            </p:spPr>
+            <p:txBody>
+              <a:bodyPr wrap="none" rtlCol="0">
+                <a:spAutoFit/>
+              </a:bodyPr>
+              <a:lstStyle/>
+              <a:p>
+                <a:r>
+                  <a:rPr lang="en-US" dirty="0">
+                    <a:solidFill>
+                      <a:schemeClr val="accent2"/>
+                    </a:solidFill>
+                  </a:rPr>
+                  <a:t>= Pull up </a:t>
+                </a:r>
+                <a14:m>
+                  <m:oMath xmlns:m="http://schemas.openxmlformats.org/officeDocument/2006/math">
+                    <m:sSub>
+                      <m:sSubPr>
+                        <m:ctrlPr>
+                          <a:rPr lang="en-US" b="0" i="1" smtClean="0">
+                            <a:solidFill>
+                              <a:schemeClr val="accent2"/>
+                            </a:solidFill>
+                            <a:latin typeface="Cambria Math" panose="02040503050406030204" pitchFamily="18" charset="0"/>
+                          </a:rPr>
+                        </m:ctrlPr>
+                      </m:sSubPr>
+                      <m:e>
+                        <m:r>
+                          <a:rPr lang="en-US" b="0" i="1" smtClean="0">
+                            <a:solidFill>
+                              <a:schemeClr val="accent2"/>
+                            </a:solidFill>
+                            <a:latin typeface="Cambria Math" panose="02040503050406030204" pitchFamily="18" charset="0"/>
+                          </a:rPr>
+                          <m:t>𝑘</m:t>
+                        </m:r>
+                      </m:e>
+                      <m:sub>
+                        <m:r>
+                          <a:rPr lang="en-US" b="0" i="1" smtClean="0">
+                            <a:solidFill>
+                              <a:schemeClr val="accent2"/>
+                            </a:solidFill>
+                            <a:latin typeface="Cambria Math" panose="02040503050406030204" pitchFamily="18" charset="0"/>
+                          </a:rPr>
+                          <m:t>2</m:t>
+                        </m:r>
+                      </m:sub>
+                    </m:sSub>
+                  </m:oMath>
+                </a14:m>
+                <a:r>
+                  <a:rPr lang="en-US" dirty="0">
+                    <a:solidFill>
+                      <a:schemeClr val="accent2"/>
+                    </a:solidFill>
+                  </a:rPr>
+                  <a:t> twice!</a:t>
+                </a:r>
+              </a:p>
+            </p:txBody>
+          </p:sp>
+        </mc:Choice>
+        <mc:Fallback>
+          <p:sp>
+            <p:nvSpPr>
+              <p:cNvPr id="23" name="TextBox 22">
+                <a:extLst>
+                  <a:ext uri="{FF2B5EF4-FFF2-40B4-BE49-F238E27FC236}">
+                    <a16:creationId xmlns:a16="http://schemas.microsoft.com/office/drawing/2014/main" id="{666E9B36-5D92-BE7E-2DB1-AFA1C4C71A33}"/>
+                  </a:ext>
+                </a:extLst>
+              </p:cNvPr>
+              <p:cNvSpPr txBox="1">
+                <a:spLocks noRot="1" noChangeAspect="1" noMove="1" noResize="1" noEditPoints="1" noAdjustHandles="1" noChangeArrowheads="1" noChangeShapeType="1" noTextEdit="1"/>
+              </p:cNvSpPr>
+              <p:nvPr/>
+            </p:nvSpPr>
+            <p:spPr>
+              <a:xfrm>
+                <a:off x="2108326" y="6335926"/>
+                <a:ext cx="1919051" cy="369332"/>
+              </a:xfrm>
+              <a:prstGeom prst="rect">
+                <a:avLst/>
+              </a:prstGeom>
+              <a:blipFill>
+                <a:blip r:embed="rId13"/>
+                <a:stretch>
+                  <a:fillRect l="-2857" t="-8197" r="-1905" b="-24590"/>
+                </a:stretch>
+              </a:blipFill>
+            </p:spPr>
+            <p:txBody>
+              <a:bodyPr/>
+              <a:lstStyle/>
+              <a:p>
+                <a:r>
+                  <a:rPr lang="en-US">
+                    <a:noFill/>
+                  </a:rPr>
+                  <a:t> </a:t>
+                </a:r>
+              </a:p>
+            </p:txBody>
+          </p:sp>
+        </mc:Fallback>
+      </mc:AlternateContent>
     </p:spTree>
     <p:extLst>
       <p:ext uri="{BB962C8B-B14F-4D97-AF65-F5344CB8AC3E}">
@@ -10674,8 +11573,8 @@
           </a:p>
         </p:txBody>
       </p:sp>
-      <mc:AlternateContent xmlns:mc="http://schemas.openxmlformats.org/markup-compatibility/2006">
-        <mc:Choice xmlns:a14="http://schemas.microsoft.com/office/drawing/2010/main" Requires="a14">
+      <mc:AlternateContent xmlns:mc="http://schemas.openxmlformats.org/markup-compatibility/2006" xmlns:a14="http://schemas.microsoft.com/office/drawing/2010/main">
+        <mc:Choice Requires="a14">
           <p:sp>
             <p:nvSpPr>
               <p:cNvPr id="8" name="TextBox 7">
@@ -10879,7 +11778,7 @@
             </p:txBody>
           </p:sp>
         </mc:Choice>
-        <mc:Fallback>
+        <mc:Fallback xmlns="">
           <p:sp>
             <p:nvSpPr>
               <p:cNvPr id="8" name="TextBox 7">
@@ -10924,8 +11823,8 @@
           </p:sp>
         </mc:Fallback>
       </mc:AlternateContent>
-      <mc:AlternateContent xmlns:mc="http://schemas.openxmlformats.org/markup-compatibility/2006">
-        <mc:Choice xmlns:a14="http://schemas.microsoft.com/office/drawing/2010/main" Requires="a14">
+      <mc:AlternateContent xmlns:mc="http://schemas.openxmlformats.org/markup-compatibility/2006" xmlns:a14="http://schemas.microsoft.com/office/drawing/2010/main">
+        <mc:Choice Requires="a14">
           <p:sp>
             <p:nvSpPr>
               <p:cNvPr id="9" name="TextBox 8">
@@ -11129,7 +12028,7 @@
             </p:txBody>
           </p:sp>
         </mc:Choice>
-        <mc:Fallback>
+        <mc:Fallback xmlns="">
           <p:sp>
             <p:nvSpPr>
               <p:cNvPr id="9" name="TextBox 8">
@@ -11174,6 +12073,119 @@
           </p:sp>
         </mc:Fallback>
       </mc:AlternateContent>
+      <p:sp>
+        <p:nvSpPr>
+          <p:cNvPr id="2" name="TextBox 1">
+            <a:extLst>
+              <a:ext uri="{FF2B5EF4-FFF2-40B4-BE49-F238E27FC236}">
+                <a16:creationId xmlns:a16="http://schemas.microsoft.com/office/drawing/2014/main" id="{D25EF209-E5AD-342D-64D0-185DBE5C9E9D}"/>
+              </a:ext>
+            </a:extLst>
+          </p:cNvPr>
+          <p:cNvSpPr txBox="1"/>
+          <p:nvPr/>
+        </p:nvSpPr>
+        <p:spPr>
+          <a:xfrm rot="5400000">
+            <a:off x="9249989" y="3312606"/>
+            <a:ext cx="4532138" cy="461665"/>
+          </a:xfrm>
+          <a:prstGeom prst="rect">
+            <a:avLst/>
+          </a:prstGeom>
+          <a:noFill/>
+        </p:spPr>
+        <p:txBody>
+          <a:bodyPr wrap="none" rtlCol="0">
+            <a:spAutoFit/>
+          </a:bodyPr>
+          <a:lstStyle/>
+          <a:p>
+            <a:r>
+              <a:rPr lang="en-US" sz="2400" dirty="0"/>
+              <a:t>These cases a perfectly symmetric!</a:t>
+            </a:r>
+          </a:p>
+        </p:txBody>
+      </p:sp>
+      <p:cxnSp>
+        <p:nvCxnSpPr>
+          <p:cNvPr id="3" name="Straight Arrow Connector 2">
+            <a:extLst>
+              <a:ext uri="{FF2B5EF4-FFF2-40B4-BE49-F238E27FC236}">
+                <a16:creationId xmlns:a16="http://schemas.microsoft.com/office/drawing/2014/main" id="{A77A2242-771C-BCB0-22BF-341ED5BB5FC4}"/>
+              </a:ext>
+            </a:extLst>
+          </p:cNvPr>
+          <p:cNvCxnSpPr/>
+          <p:nvPr/>
+        </p:nvCxnSpPr>
+        <p:spPr>
+          <a:xfrm flipV="1">
+            <a:off x="8521209" y="793983"/>
+            <a:ext cx="0" cy="323165"/>
+          </a:xfrm>
+          <a:prstGeom prst="straightConnector1">
+            <a:avLst/>
+          </a:prstGeom>
+          <a:ln>
+            <a:tailEnd type="triangle"/>
+          </a:ln>
+        </p:spPr>
+        <p:style>
+          <a:lnRef idx="3">
+            <a:schemeClr val="accent2"/>
+          </a:lnRef>
+          <a:fillRef idx="0">
+            <a:schemeClr val="accent2"/>
+          </a:fillRef>
+          <a:effectRef idx="2">
+            <a:schemeClr val="accent2"/>
+          </a:effectRef>
+          <a:fontRef idx="minor">
+            <a:schemeClr val="tx1"/>
+          </a:fontRef>
+        </p:style>
+      </p:cxnSp>
+      <p:cxnSp>
+        <p:nvCxnSpPr>
+          <p:cNvPr id="4" name="Straight Arrow Connector 3">
+            <a:extLst>
+              <a:ext uri="{FF2B5EF4-FFF2-40B4-BE49-F238E27FC236}">
+                <a16:creationId xmlns:a16="http://schemas.microsoft.com/office/drawing/2014/main" id="{DE9B5137-CD31-0BBA-8B96-1A183C1741AF}"/>
+              </a:ext>
+            </a:extLst>
+          </p:cNvPr>
+          <p:cNvCxnSpPr/>
+          <p:nvPr/>
+        </p:nvCxnSpPr>
+        <p:spPr>
+          <a:xfrm flipV="1">
+            <a:off x="8455896" y="3724961"/>
+            <a:ext cx="0" cy="323165"/>
+          </a:xfrm>
+          <a:prstGeom prst="straightConnector1">
+            <a:avLst/>
+          </a:prstGeom>
+          <a:ln>
+            <a:tailEnd type="triangle"/>
+          </a:ln>
+        </p:spPr>
+        <p:style>
+          <a:lnRef idx="3">
+            <a:schemeClr val="accent2"/>
+          </a:lnRef>
+          <a:fillRef idx="0">
+            <a:schemeClr val="accent2"/>
+          </a:fillRef>
+          <a:effectRef idx="2">
+            <a:schemeClr val="accent2"/>
+          </a:effectRef>
+          <a:fontRef idx="minor">
+            <a:schemeClr val="tx1"/>
+          </a:fontRef>
+        </p:style>
+      </p:cxnSp>
     </p:spTree>
     <p:extLst>
       <p:ext uri="{BB962C8B-B14F-4D97-AF65-F5344CB8AC3E}">
@@ -11226,7 +12238,7 @@
         </p:blipFill>
         <p:spPr>
           <a:xfrm>
-            <a:off x="101923" y="85725"/>
+            <a:off x="101923" y="513793"/>
             <a:ext cx="7473305" cy="6148073"/>
           </a:xfrm>
           <a:prstGeom prst="rect">
@@ -11386,6 +12398,624 @@
             <a:r>
               <a:rPr lang="en-US" dirty="0"/>
               <a:t>() is similar with right and left switched.</a:t>
+            </a:r>
+          </a:p>
+        </p:txBody>
+      </p:sp>
+      <p:sp>
+        <p:nvSpPr>
+          <p:cNvPr id="2" name="TextBox 1">
+            <a:extLst>
+              <a:ext uri="{FF2B5EF4-FFF2-40B4-BE49-F238E27FC236}">
+                <a16:creationId xmlns:a16="http://schemas.microsoft.com/office/drawing/2014/main" id="{ED29B8E7-FAA7-09C4-0787-6EC3FFFE9EA7}"/>
+              </a:ext>
+            </a:extLst>
+          </p:cNvPr>
+          <p:cNvSpPr txBox="1"/>
+          <p:nvPr/>
+        </p:nvSpPr>
+        <p:spPr>
+          <a:xfrm>
+            <a:off x="3039125" y="4815010"/>
+            <a:ext cx="1301510" cy="276999"/>
+          </a:xfrm>
+          <a:prstGeom prst="rect">
+            <a:avLst/>
+          </a:prstGeom>
+          <a:noFill/>
+        </p:spPr>
+        <p:txBody>
+          <a:bodyPr wrap="none" rtlCol="0">
+            <a:spAutoFit/>
+          </a:bodyPr>
+          <a:lstStyle/>
+          <a:p>
+            <a:r>
+              <a:rPr lang="en-US" sz="1200" dirty="0">
+                <a:solidFill>
+                  <a:schemeClr val="bg2">
+                    <a:lumMod val="50000"/>
+                  </a:schemeClr>
+                </a:solidFill>
+              </a:rPr>
+              <a:t>// 1. move Y to k2</a:t>
+            </a:r>
+          </a:p>
+        </p:txBody>
+      </p:sp>
+      <p:sp>
+        <p:nvSpPr>
+          <p:cNvPr id="9" name="TextBox 8">
+            <a:extLst>
+              <a:ext uri="{FF2B5EF4-FFF2-40B4-BE49-F238E27FC236}">
+                <a16:creationId xmlns:a16="http://schemas.microsoft.com/office/drawing/2014/main" id="{19883538-29E4-EDD2-CAD5-8192C159E053}"/>
+              </a:ext>
+            </a:extLst>
+          </p:cNvPr>
+          <p:cNvSpPr txBox="1"/>
+          <p:nvPr/>
+        </p:nvSpPr>
+        <p:spPr>
+          <a:xfrm>
+            <a:off x="3073622" y="4559783"/>
+            <a:ext cx="764953" cy="276999"/>
+          </a:xfrm>
+          <a:prstGeom prst="rect">
+            <a:avLst/>
+          </a:prstGeom>
+          <a:noFill/>
+        </p:spPr>
+        <p:txBody>
+          <a:bodyPr wrap="none" rtlCol="0">
+            <a:spAutoFit/>
+          </a:bodyPr>
+          <a:lstStyle/>
+          <a:p>
+            <a:r>
+              <a:rPr lang="en-US" sz="1200" dirty="0">
+                <a:solidFill>
+                  <a:schemeClr val="bg2">
+                    <a:lumMod val="50000"/>
+                  </a:schemeClr>
+                </a:solidFill>
+              </a:rPr>
+              <a:t>// find k1</a:t>
+            </a:r>
+          </a:p>
+        </p:txBody>
+      </p:sp>
+      <p:sp>
+        <p:nvSpPr>
+          <p:cNvPr id="10" name="TextBox 9">
+            <a:extLst>
+              <a:ext uri="{FF2B5EF4-FFF2-40B4-BE49-F238E27FC236}">
+                <a16:creationId xmlns:a16="http://schemas.microsoft.com/office/drawing/2014/main" id="{B194A0AD-00BD-7AF0-FAF9-224B8A501C0B}"/>
+              </a:ext>
+            </a:extLst>
+          </p:cNvPr>
+          <p:cNvSpPr txBox="1"/>
+          <p:nvPr/>
+        </p:nvSpPr>
+        <p:spPr>
+          <a:xfrm>
+            <a:off x="3039125" y="5028534"/>
+            <a:ext cx="1260410" cy="276999"/>
+          </a:xfrm>
+          <a:prstGeom prst="rect">
+            <a:avLst/>
+          </a:prstGeom>
+          <a:noFill/>
+        </p:spPr>
+        <p:txBody>
+          <a:bodyPr wrap="none" rtlCol="0">
+            <a:spAutoFit/>
+          </a:bodyPr>
+          <a:lstStyle/>
+          <a:p>
+            <a:r>
+              <a:rPr lang="en-US" sz="1200" dirty="0">
+                <a:solidFill>
+                  <a:schemeClr val="bg2">
+                    <a:lumMod val="50000"/>
+                  </a:schemeClr>
+                </a:solidFill>
+              </a:rPr>
+              <a:t>// 2. add k2 to k1</a:t>
+            </a:r>
+          </a:p>
+        </p:txBody>
+      </p:sp>
+      <p:sp>
+        <p:nvSpPr>
+          <p:cNvPr id="11" name="TextBox 10">
+            <a:extLst>
+              <a:ext uri="{FF2B5EF4-FFF2-40B4-BE49-F238E27FC236}">
+                <a16:creationId xmlns:a16="http://schemas.microsoft.com/office/drawing/2014/main" id="{08D20D3F-3C20-6A0E-8CDC-0A0060F963CD}"/>
+              </a:ext>
+            </a:extLst>
+          </p:cNvPr>
+          <p:cNvSpPr txBox="1"/>
+          <p:nvPr/>
+        </p:nvSpPr>
+        <p:spPr>
+          <a:xfrm>
+            <a:off x="3036475" y="5738438"/>
+            <a:ext cx="4160370" cy="276999"/>
+          </a:xfrm>
+          <a:prstGeom prst="rect">
+            <a:avLst/>
+          </a:prstGeom>
+          <a:noFill/>
+        </p:spPr>
+        <p:txBody>
+          <a:bodyPr wrap="none" rtlCol="0">
+            <a:spAutoFit/>
+          </a:bodyPr>
+          <a:lstStyle/>
+          <a:p>
+            <a:r>
+              <a:rPr lang="en-US" sz="1200" dirty="0">
+                <a:solidFill>
+                  <a:schemeClr val="bg2">
+                    <a:lumMod val="50000"/>
+                  </a:schemeClr>
+                </a:solidFill>
+              </a:rPr>
+              <a:t>// 3. replace the subtree with k1 (note the reference passed on)</a:t>
+            </a:r>
+          </a:p>
+        </p:txBody>
+      </p:sp>
+      <p:sp>
+        <p:nvSpPr>
+          <p:cNvPr id="12" name="TextBox 11">
+            <a:extLst>
+              <a:ext uri="{FF2B5EF4-FFF2-40B4-BE49-F238E27FC236}">
+                <a16:creationId xmlns:a16="http://schemas.microsoft.com/office/drawing/2014/main" id="{5CFF083E-E0D8-2B2B-B0C9-4F7BF86515E5}"/>
+              </a:ext>
+            </a:extLst>
+          </p:cNvPr>
+          <p:cNvSpPr txBox="1"/>
+          <p:nvPr/>
+        </p:nvSpPr>
+        <p:spPr>
+          <a:xfrm>
+            <a:off x="6420679" y="5383486"/>
+            <a:ext cx="1207703" cy="276999"/>
+          </a:xfrm>
+          <a:prstGeom prst="rect">
+            <a:avLst/>
+          </a:prstGeom>
+          <a:noFill/>
+        </p:spPr>
+        <p:txBody>
+          <a:bodyPr wrap="none" rtlCol="0">
+            <a:spAutoFit/>
+          </a:bodyPr>
+          <a:lstStyle/>
+          <a:p>
+            <a:r>
+              <a:rPr lang="en-US" sz="1200" dirty="0">
+                <a:solidFill>
+                  <a:schemeClr val="bg2">
+                    <a:lumMod val="50000"/>
+                  </a:schemeClr>
+                </a:solidFill>
+              </a:rPr>
+              <a:t>// update height</a:t>
+            </a:r>
+          </a:p>
+        </p:txBody>
+      </p:sp>
+      <p:cxnSp>
+        <p:nvCxnSpPr>
+          <p:cNvPr id="13" name="Straight Arrow Connector 12">
+            <a:extLst>
+              <a:ext uri="{FF2B5EF4-FFF2-40B4-BE49-F238E27FC236}">
+                <a16:creationId xmlns:a16="http://schemas.microsoft.com/office/drawing/2014/main" id="{132F9EC0-981C-E595-C874-CE6CA7808CEE}"/>
+              </a:ext>
+            </a:extLst>
+          </p:cNvPr>
+          <p:cNvCxnSpPr/>
+          <p:nvPr/>
+        </p:nvCxnSpPr>
+        <p:spPr>
+          <a:xfrm flipV="1">
+            <a:off x="5397008" y="426671"/>
+            <a:ext cx="0" cy="323165"/>
+          </a:xfrm>
+          <a:prstGeom prst="straightConnector1">
+            <a:avLst/>
+          </a:prstGeom>
+          <a:ln>
+            <a:tailEnd type="triangle"/>
+          </a:ln>
+        </p:spPr>
+        <p:style>
+          <a:lnRef idx="3">
+            <a:schemeClr val="accent2"/>
+          </a:lnRef>
+          <a:fillRef idx="0">
+            <a:schemeClr val="accent2"/>
+          </a:fillRef>
+          <a:effectRef idx="2">
+            <a:schemeClr val="accent2"/>
+          </a:effectRef>
+          <a:fontRef idx="minor">
+            <a:schemeClr val="tx1"/>
+          </a:fontRef>
+        </p:style>
+      </p:cxnSp>
+      <p:cxnSp>
+        <p:nvCxnSpPr>
+          <p:cNvPr id="15" name="Straight Connector 14">
+            <a:extLst>
+              <a:ext uri="{FF2B5EF4-FFF2-40B4-BE49-F238E27FC236}">
+                <a16:creationId xmlns:a16="http://schemas.microsoft.com/office/drawing/2014/main" id="{014EFF3C-EBEF-BAF8-E7D8-514BAA08339C}"/>
+              </a:ext>
+            </a:extLst>
+          </p:cNvPr>
+          <p:cNvCxnSpPr>
+            <a:cxnSpLocks/>
+          </p:cNvCxnSpPr>
+          <p:nvPr/>
+        </p:nvCxnSpPr>
+        <p:spPr>
+          <a:xfrm flipV="1">
+            <a:off x="5910943" y="1328057"/>
+            <a:ext cx="381000" cy="261257"/>
+          </a:xfrm>
+          <a:prstGeom prst="line">
+            <a:avLst/>
+          </a:prstGeom>
+        </p:spPr>
+        <p:style>
+          <a:lnRef idx="3">
+            <a:schemeClr val="accent2"/>
+          </a:lnRef>
+          <a:fillRef idx="0">
+            <a:schemeClr val="accent2"/>
+          </a:fillRef>
+          <a:effectRef idx="2">
+            <a:schemeClr val="accent2"/>
+          </a:effectRef>
+          <a:fontRef idx="minor">
+            <a:schemeClr val="tx1"/>
+          </a:fontRef>
+        </p:style>
+      </p:cxnSp>
+      <p:cxnSp>
+        <p:nvCxnSpPr>
+          <p:cNvPr id="18" name="Straight Connector 17">
+            <a:extLst>
+              <a:ext uri="{FF2B5EF4-FFF2-40B4-BE49-F238E27FC236}">
+                <a16:creationId xmlns:a16="http://schemas.microsoft.com/office/drawing/2014/main" id="{976BC078-CFC5-6ABC-7B31-F7BC42EDEA33}"/>
+              </a:ext>
+            </a:extLst>
+          </p:cNvPr>
+          <p:cNvCxnSpPr/>
+          <p:nvPr/>
+        </p:nvCxnSpPr>
+        <p:spPr>
+          <a:xfrm>
+            <a:off x="5397008" y="979714"/>
+            <a:ext cx="513935" cy="609600"/>
+          </a:xfrm>
+          <a:prstGeom prst="line">
+            <a:avLst/>
+          </a:prstGeom>
+          <a:ln w="9525" cap="flat" cmpd="sng" algn="ctr">
+            <a:solidFill>
+              <a:schemeClr val="dk1"/>
+            </a:solidFill>
+            <a:prstDash val="dash"/>
+            <a:round/>
+            <a:headEnd type="none" w="med" len="med"/>
+            <a:tailEnd type="none" w="med" len="med"/>
+          </a:ln>
+        </p:spPr>
+        <p:style>
+          <a:lnRef idx="0">
+            <a:scrgbClr r="0" g="0" b="0"/>
+          </a:lnRef>
+          <a:fillRef idx="0">
+            <a:scrgbClr r="0" g="0" b="0"/>
+          </a:fillRef>
+          <a:effectRef idx="0">
+            <a:scrgbClr r="0" g="0" b="0"/>
+          </a:effectRef>
+          <a:fontRef idx="minor">
+            <a:schemeClr val="tx1"/>
+          </a:fontRef>
+        </p:style>
+      </p:cxnSp>
+      <p:cxnSp>
+        <p:nvCxnSpPr>
+          <p:cNvPr id="21" name="Straight Arrow Connector 20">
+            <a:extLst>
+              <a:ext uri="{FF2B5EF4-FFF2-40B4-BE49-F238E27FC236}">
+                <a16:creationId xmlns:a16="http://schemas.microsoft.com/office/drawing/2014/main" id="{AD60B55D-270B-7845-D20C-EC835DA4D200}"/>
+              </a:ext>
+            </a:extLst>
+          </p:cNvPr>
+          <p:cNvCxnSpPr>
+            <a:cxnSpLocks/>
+          </p:cNvCxnSpPr>
+          <p:nvPr/>
+        </p:nvCxnSpPr>
+        <p:spPr>
+          <a:xfrm>
+            <a:off x="5672616" y="1220618"/>
+            <a:ext cx="423384" cy="172753"/>
+          </a:xfrm>
+          <a:prstGeom prst="straightConnector1">
+            <a:avLst/>
+          </a:prstGeom>
+          <a:ln>
+            <a:tailEnd type="triangle"/>
+          </a:ln>
+        </p:spPr>
+        <p:style>
+          <a:lnRef idx="3">
+            <a:schemeClr val="accent2"/>
+          </a:lnRef>
+          <a:fillRef idx="0">
+            <a:schemeClr val="accent2"/>
+          </a:fillRef>
+          <a:effectRef idx="2">
+            <a:schemeClr val="accent2"/>
+          </a:effectRef>
+          <a:fontRef idx="minor">
+            <a:schemeClr val="tx1"/>
+          </a:fontRef>
+        </p:style>
+      </p:cxnSp>
+      <p:grpSp>
+        <p:nvGrpSpPr>
+          <p:cNvPr id="26" name="Group 25">
+            <a:extLst>
+              <a:ext uri="{FF2B5EF4-FFF2-40B4-BE49-F238E27FC236}">
+                <a16:creationId xmlns:a16="http://schemas.microsoft.com/office/drawing/2014/main" id="{3EC6190F-2B85-0759-61EC-E65CE48CC645}"/>
+              </a:ext>
+            </a:extLst>
+          </p:cNvPr>
+          <p:cNvGrpSpPr/>
+          <p:nvPr/>
+        </p:nvGrpSpPr>
+        <p:grpSpPr>
+          <a:xfrm>
+            <a:off x="5528846" y="1184923"/>
+            <a:ext cx="125129" cy="71390"/>
+            <a:chOff x="8298791" y="2709724"/>
+            <a:chExt cx="125129" cy="71390"/>
+          </a:xfrm>
+        </p:grpSpPr>
+        <p:cxnSp>
+          <p:nvCxnSpPr>
+            <p:cNvPr id="22" name="Straight Connector 21">
+              <a:extLst>
+                <a:ext uri="{FF2B5EF4-FFF2-40B4-BE49-F238E27FC236}">
+                  <a16:creationId xmlns:a16="http://schemas.microsoft.com/office/drawing/2014/main" id="{379A8B7B-0034-8B83-FFA1-00D69F7C2C25}"/>
+                </a:ext>
+              </a:extLst>
+            </p:cNvPr>
+            <p:cNvCxnSpPr>
+              <a:cxnSpLocks/>
+            </p:cNvCxnSpPr>
+            <p:nvPr/>
+          </p:nvCxnSpPr>
+          <p:spPr>
+            <a:xfrm>
+              <a:off x="8317090" y="2709724"/>
+              <a:ext cx="106830" cy="71390"/>
+            </a:xfrm>
+            <a:prstGeom prst="line">
+              <a:avLst/>
+            </a:prstGeom>
+          </p:spPr>
+          <p:style>
+            <a:lnRef idx="3">
+              <a:schemeClr val="accent2"/>
+            </a:lnRef>
+            <a:fillRef idx="0">
+              <a:schemeClr val="accent2"/>
+            </a:fillRef>
+            <a:effectRef idx="2">
+              <a:schemeClr val="accent2"/>
+            </a:effectRef>
+            <a:fontRef idx="minor">
+              <a:schemeClr val="tx1"/>
+            </a:fontRef>
+          </p:style>
+        </p:cxnSp>
+        <p:cxnSp>
+          <p:nvCxnSpPr>
+            <p:cNvPr id="23" name="Straight Connector 22">
+              <a:extLst>
+                <a:ext uri="{FF2B5EF4-FFF2-40B4-BE49-F238E27FC236}">
+                  <a16:creationId xmlns:a16="http://schemas.microsoft.com/office/drawing/2014/main" id="{C38B8ECD-2F07-EE43-0B7F-60B3FAEEC0BF}"/>
+                </a:ext>
+              </a:extLst>
+            </p:cNvPr>
+            <p:cNvCxnSpPr/>
+            <p:nvPr/>
+          </p:nvCxnSpPr>
+          <p:spPr>
+            <a:xfrm flipV="1">
+              <a:off x="8298791" y="2709724"/>
+              <a:ext cx="125129" cy="71390"/>
+            </a:xfrm>
+            <a:prstGeom prst="line">
+              <a:avLst/>
+            </a:prstGeom>
+          </p:spPr>
+          <p:style>
+            <a:lnRef idx="3">
+              <a:schemeClr val="accent2"/>
+            </a:lnRef>
+            <a:fillRef idx="0">
+              <a:schemeClr val="accent2"/>
+            </a:fillRef>
+            <a:effectRef idx="2">
+              <a:schemeClr val="accent2"/>
+            </a:effectRef>
+            <a:fontRef idx="minor">
+              <a:schemeClr val="tx1"/>
+            </a:fontRef>
+          </p:style>
+        </p:cxnSp>
+      </p:grpSp>
+      <p:cxnSp>
+        <p:nvCxnSpPr>
+          <p:cNvPr id="28" name="Straight Connector 27">
+            <a:extLst>
+              <a:ext uri="{FF2B5EF4-FFF2-40B4-BE49-F238E27FC236}">
+                <a16:creationId xmlns:a16="http://schemas.microsoft.com/office/drawing/2014/main" id="{1BCD1AEB-74D5-E04D-2E0A-FD0A966921D8}"/>
+              </a:ext>
+            </a:extLst>
+          </p:cNvPr>
+          <p:cNvCxnSpPr>
+            <a:cxnSpLocks/>
+          </p:cNvCxnSpPr>
+          <p:nvPr/>
+        </p:nvCxnSpPr>
+        <p:spPr>
+          <a:xfrm flipH="1" flipV="1">
+            <a:off x="5528846" y="879303"/>
+            <a:ext cx="763097" cy="341315"/>
+          </a:xfrm>
+          <a:prstGeom prst="line">
+            <a:avLst/>
+          </a:prstGeom>
+        </p:spPr>
+        <p:style>
+          <a:lnRef idx="3">
+            <a:schemeClr val="accent2"/>
+          </a:lnRef>
+          <a:fillRef idx="0">
+            <a:schemeClr val="accent2"/>
+          </a:fillRef>
+          <a:effectRef idx="2">
+            <a:schemeClr val="accent2"/>
+          </a:effectRef>
+          <a:fontRef idx="minor">
+            <a:schemeClr val="tx1"/>
+          </a:fontRef>
+        </p:style>
+      </p:cxnSp>
+      <p:sp>
+        <p:nvSpPr>
+          <p:cNvPr id="32" name="TextBox 31">
+            <a:extLst>
+              <a:ext uri="{FF2B5EF4-FFF2-40B4-BE49-F238E27FC236}">
+                <a16:creationId xmlns:a16="http://schemas.microsoft.com/office/drawing/2014/main" id="{2245999E-AB6F-D452-F3AB-041884ED42C6}"/>
+              </a:ext>
+            </a:extLst>
+          </p:cNvPr>
+          <p:cNvSpPr txBox="1"/>
+          <p:nvPr/>
+        </p:nvSpPr>
+        <p:spPr>
+          <a:xfrm>
+            <a:off x="5729764" y="1256313"/>
+            <a:ext cx="380999" cy="261610"/>
+          </a:xfrm>
+          <a:prstGeom prst="rect">
+            <a:avLst/>
+          </a:prstGeom>
+          <a:noFill/>
+        </p:spPr>
+        <p:txBody>
+          <a:bodyPr wrap="square" rtlCol="0">
+            <a:spAutoFit/>
+          </a:bodyPr>
+          <a:lstStyle/>
+          <a:p>
+            <a:r>
+              <a:rPr lang="en-US" sz="1100" dirty="0">
+                <a:solidFill>
+                  <a:schemeClr val="accent2"/>
+                </a:solidFill>
+              </a:rPr>
+              <a:t>1.</a:t>
+            </a:r>
+          </a:p>
+        </p:txBody>
+      </p:sp>
+      <p:sp>
+        <p:nvSpPr>
+          <p:cNvPr id="33" name="TextBox 32">
+            <a:extLst>
+              <a:ext uri="{FF2B5EF4-FFF2-40B4-BE49-F238E27FC236}">
+                <a16:creationId xmlns:a16="http://schemas.microsoft.com/office/drawing/2014/main" id="{D575DFFE-38D6-5741-A14C-5F3E35A9076E}"/>
+              </a:ext>
+            </a:extLst>
+          </p:cNvPr>
+          <p:cNvSpPr txBox="1"/>
+          <p:nvPr/>
+        </p:nvSpPr>
+        <p:spPr>
+          <a:xfrm>
+            <a:off x="5794207" y="766599"/>
+            <a:ext cx="380999" cy="261610"/>
+          </a:xfrm>
+          <a:prstGeom prst="rect">
+            <a:avLst/>
+          </a:prstGeom>
+          <a:noFill/>
+        </p:spPr>
+        <p:txBody>
+          <a:bodyPr wrap="square" rtlCol="0">
+            <a:spAutoFit/>
+          </a:bodyPr>
+          <a:lstStyle/>
+          <a:p>
+            <a:r>
+              <a:rPr lang="en-US" sz="1100" dirty="0">
+                <a:solidFill>
+                  <a:schemeClr val="accent2"/>
+                </a:solidFill>
+              </a:rPr>
+              <a:t>2.</a:t>
+            </a:r>
+          </a:p>
+        </p:txBody>
+      </p:sp>
+      <p:sp>
+        <p:nvSpPr>
+          <p:cNvPr id="34" name="TextBox 33">
+            <a:extLst>
+              <a:ext uri="{FF2B5EF4-FFF2-40B4-BE49-F238E27FC236}">
+                <a16:creationId xmlns:a16="http://schemas.microsoft.com/office/drawing/2014/main" id="{35F490B8-64B0-3A7C-3B80-2B01EE1578F5}"/>
+              </a:ext>
+            </a:extLst>
+          </p:cNvPr>
+          <p:cNvSpPr txBox="1"/>
+          <p:nvPr/>
+        </p:nvSpPr>
+        <p:spPr>
+          <a:xfrm>
+            <a:off x="5440355" y="386607"/>
+            <a:ext cx="380999" cy="261610"/>
+          </a:xfrm>
+          <a:prstGeom prst="rect">
+            <a:avLst/>
+          </a:prstGeom>
+          <a:noFill/>
+        </p:spPr>
+        <p:txBody>
+          <a:bodyPr wrap="square" rtlCol="0">
+            <a:spAutoFit/>
+          </a:bodyPr>
+          <a:lstStyle/>
+          <a:p>
+            <a:r>
+              <a:rPr lang="en-US" sz="1100" dirty="0">
+                <a:solidFill>
+                  <a:schemeClr val="accent2"/>
+                </a:solidFill>
+              </a:rPr>
+              <a:t>3.</a:t>
             </a:r>
           </a:p>
         </p:txBody>

--- a/Chapter4_Trees/slides/AVL_trees.pptx
+++ b/Chapter4_Trees/slides/AVL_trees.pptx
@@ -268,7 +268,7 @@
           <a:p>
             <a:fld id="{D5696C5B-346E-4BC6-9A1B-E8C7712A9423}" type="datetimeFigureOut">
               <a:rPr lang="en-US" smtClean="0"/>
-              <a:t>11/2/2022</a:t>
+              <a:t>11/4/2022</a:t>
             </a:fld>
             <a:endParaRPr lang="en-US"/>
           </a:p>
@@ -466,7 +466,7 @@
           <a:p>
             <a:fld id="{D5696C5B-346E-4BC6-9A1B-E8C7712A9423}" type="datetimeFigureOut">
               <a:rPr lang="en-US" smtClean="0"/>
-              <a:t>11/2/2022</a:t>
+              <a:t>11/4/2022</a:t>
             </a:fld>
             <a:endParaRPr lang="en-US"/>
           </a:p>
@@ -674,7 +674,7 @@
           <a:p>
             <a:fld id="{D5696C5B-346E-4BC6-9A1B-E8C7712A9423}" type="datetimeFigureOut">
               <a:rPr lang="en-US" smtClean="0"/>
-              <a:t>11/2/2022</a:t>
+              <a:t>11/4/2022</a:t>
             </a:fld>
             <a:endParaRPr lang="en-US"/>
           </a:p>
@@ -872,7 +872,7 @@
           <a:p>
             <a:fld id="{D5696C5B-346E-4BC6-9A1B-E8C7712A9423}" type="datetimeFigureOut">
               <a:rPr lang="en-US" smtClean="0"/>
-              <a:t>11/2/2022</a:t>
+              <a:t>11/4/2022</a:t>
             </a:fld>
             <a:endParaRPr lang="en-US"/>
           </a:p>
@@ -1147,7 +1147,7 @@
           <a:p>
             <a:fld id="{D5696C5B-346E-4BC6-9A1B-E8C7712A9423}" type="datetimeFigureOut">
               <a:rPr lang="en-US" smtClean="0"/>
-              <a:t>11/2/2022</a:t>
+              <a:t>11/4/2022</a:t>
             </a:fld>
             <a:endParaRPr lang="en-US"/>
           </a:p>
@@ -1412,7 +1412,7 @@
           <a:p>
             <a:fld id="{D5696C5B-346E-4BC6-9A1B-E8C7712A9423}" type="datetimeFigureOut">
               <a:rPr lang="en-US" smtClean="0"/>
-              <a:t>11/2/2022</a:t>
+              <a:t>11/4/2022</a:t>
             </a:fld>
             <a:endParaRPr lang="en-US"/>
           </a:p>
@@ -1824,7 +1824,7 @@
           <a:p>
             <a:fld id="{D5696C5B-346E-4BC6-9A1B-E8C7712A9423}" type="datetimeFigureOut">
               <a:rPr lang="en-US" smtClean="0"/>
-              <a:t>11/2/2022</a:t>
+              <a:t>11/4/2022</a:t>
             </a:fld>
             <a:endParaRPr lang="en-US"/>
           </a:p>
@@ -1965,7 +1965,7 @@
           <a:p>
             <a:fld id="{D5696C5B-346E-4BC6-9A1B-E8C7712A9423}" type="datetimeFigureOut">
               <a:rPr lang="en-US" smtClean="0"/>
-              <a:t>11/2/2022</a:t>
+              <a:t>11/4/2022</a:t>
             </a:fld>
             <a:endParaRPr lang="en-US"/>
           </a:p>
@@ -2078,7 +2078,7 @@
           <a:p>
             <a:fld id="{D5696C5B-346E-4BC6-9A1B-E8C7712A9423}" type="datetimeFigureOut">
               <a:rPr lang="en-US" smtClean="0"/>
-              <a:t>11/2/2022</a:t>
+              <a:t>11/4/2022</a:t>
             </a:fld>
             <a:endParaRPr lang="en-US"/>
           </a:p>
@@ -2389,7 +2389,7 @@
           <a:p>
             <a:fld id="{D5696C5B-346E-4BC6-9A1B-E8C7712A9423}" type="datetimeFigureOut">
               <a:rPr lang="en-US" smtClean="0"/>
-              <a:t>11/2/2022</a:t>
+              <a:t>11/4/2022</a:t>
             </a:fld>
             <a:endParaRPr lang="en-US"/>
           </a:p>
@@ -2677,7 +2677,7 @@
           <a:p>
             <a:fld id="{D5696C5B-346E-4BC6-9A1B-E8C7712A9423}" type="datetimeFigureOut">
               <a:rPr lang="en-US" smtClean="0"/>
-              <a:t>11/2/2022</a:t>
+              <a:t>11/4/2022</a:t>
             </a:fld>
             <a:endParaRPr lang="en-US"/>
           </a:p>
@@ -2918,7 +2918,7 @@
           <a:p>
             <a:fld id="{D5696C5B-346E-4BC6-9A1B-E8C7712A9423}" type="datetimeFigureOut">
               <a:rPr lang="en-US" smtClean="0"/>
-              <a:t>11/2/2022</a:t>
+              <a:t>11/4/2022</a:t>
             </a:fld>
             <a:endParaRPr lang="en-US"/>
           </a:p>
@@ -4526,7 +4526,7 @@
         <p:spPr>
           <a:xfrm>
             <a:off x="4857040" y="5196010"/>
-            <a:ext cx="1664110" cy="338554"/>
+            <a:ext cx="1866088" cy="338554"/>
           </a:xfrm>
           <a:prstGeom prst="rect">
             <a:avLst/>
@@ -4547,7 +4547,7 @@
                   </a:schemeClr>
                 </a:solidFill>
               </a:rPr>
-              <a:t>// swap k1 and k2</a:t>
+              <a:t>// 1. swap k1 and k2</a:t>
             </a:r>
           </a:p>
         </p:txBody>
@@ -4567,7 +4567,7 @@
         <p:spPr>
           <a:xfrm>
             <a:off x="4858118" y="5447476"/>
-            <a:ext cx="1664110" cy="338554"/>
+            <a:ext cx="1866088" cy="338554"/>
           </a:xfrm>
           <a:prstGeom prst="rect">
             <a:avLst/>
@@ -4588,7 +4588,126 @@
                   </a:schemeClr>
                 </a:solidFill>
               </a:rPr>
-              <a:t>// swap k2 and k3</a:t>
+              <a:t>// 2. swap k2 and k3</a:t>
+            </a:r>
+          </a:p>
+        </p:txBody>
+      </p:sp>
+      <p:cxnSp>
+        <p:nvCxnSpPr>
+          <p:cNvPr id="2" name="Straight Arrow Connector 1">
+            <a:extLst>
+              <a:ext uri="{FF2B5EF4-FFF2-40B4-BE49-F238E27FC236}">
+                <a16:creationId xmlns:a16="http://schemas.microsoft.com/office/drawing/2014/main" id="{BC931C18-7058-CDA4-1177-3859C9E3F414}"/>
+              </a:ext>
+            </a:extLst>
+          </p:cNvPr>
+          <p:cNvCxnSpPr>
+            <a:cxnSpLocks/>
+          </p:cNvCxnSpPr>
+          <p:nvPr/>
+        </p:nvCxnSpPr>
+        <p:spPr>
+          <a:xfrm flipV="1">
+            <a:off x="6499381" y="522514"/>
+            <a:ext cx="0" cy="383038"/>
+          </a:xfrm>
+          <a:prstGeom prst="straightConnector1">
+            <a:avLst/>
+          </a:prstGeom>
+          <a:ln>
+            <a:tailEnd type="triangle"/>
+          </a:ln>
+        </p:spPr>
+        <p:style>
+          <a:lnRef idx="3">
+            <a:schemeClr val="accent2"/>
+          </a:lnRef>
+          <a:fillRef idx="0">
+            <a:schemeClr val="accent2"/>
+          </a:fillRef>
+          <a:effectRef idx="2">
+            <a:schemeClr val="accent2"/>
+          </a:effectRef>
+          <a:fontRef idx="minor">
+            <a:schemeClr val="tx1"/>
+          </a:fontRef>
+        </p:style>
+      </p:cxnSp>
+      <p:sp>
+        <p:nvSpPr>
+          <p:cNvPr id="7" name="TextBox 6">
+            <a:extLst>
+              <a:ext uri="{FF2B5EF4-FFF2-40B4-BE49-F238E27FC236}">
+                <a16:creationId xmlns:a16="http://schemas.microsoft.com/office/drawing/2014/main" id="{E06C8C73-6812-B2FB-9937-F10F0E8DBB2F}"/>
+              </a:ext>
+            </a:extLst>
+          </p:cNvPr>
+          <p:cNvSpPr txBox="1"/>
+          <p:nvPr/>
+        </p:nvSpPr>
+        <p:spPr>
+          <a:xfrm>
+            <a:off x="2367563" y="1394204"/>
+            <a:ext cx="359394" cy="369332"/>
+          </a:xfrm>
+          <a:prstGeom prst="rect">
+            <a:avLst/>
+          </a:prstGeom>
+          <a:noFill/>
+        </p:spPr>
+        <p:txBody>
+          <a:bodyPr wrap="none" rtlCol="0">
+            <a:spAutoFit/>
+          </a:bodyPr>
+          <a:lstStyle/>
+          <a:p>
+            <a:r>
+              <a:rPr lang="en-US" dirty="0">
+                <a:solidFill>
+                  <a:schemeClr val="accent2"/>
+                </a:solidFill>
+              </a:rPr>
+              <a:t>1.</a:t>
+            </a:r>
+          </a:p>
+        </p:txBody>
+      </p:sp>
+      <p:sp>
+        <p:nvSpPr>
+          <p:cNvPr id="9" name="TextBox 8">
+            <a:extLst>
+              <a:ext uri="{FF2B5EF4-FFF2-40B4-BE49-F238E27FC236}">
+                <a16:creationId xmlns:a16="http://schemas.microsoft.com/office/drawing/2014/main" id="{AA263122-7813-1A8E-66EF-94FC1A4D6C0B}"/>
+              </a:ext>
+            </a:extLst>
+          </p:cNvPr>
+          <p:cNvSpPr txBox="1"/>
+          <p:nvPr/>
+        </p:nvSpPr>
+        <p:spPr>
+          <a:xfrm>
+            <a:off x="2187866" y="881112"/>
+            <a:ext cx="359394" cy="369332"/>
+          </a:xfrm>
+          <a:prstGeom prst="rect">
+            <a:avLst/>
+          </a:prstGeom>
+          <a:noFill/>
+        </p:spPr>
+        <p:txBody>
+          <a:bodyPr wrap="none" rtlCol="0">
+            <a:spAutoFit/>
+          </a:bodyPr>
+          <a:lstStyle/>
+          <a:p>
+            <a:r>
+              <a:rPr lang="en-US" dirty="0">
+                <a:solidFill>
+                  <a:schemeClr val="accent2"/>
+                </a:solidFill>
+              </a:rPr>
+              <a:t>2.</a:t>
             </a:r>
           </a:p>
         </p:txBody>
@@ -4651,8 +4770,8 @@
           </a:p>
         </p:txBody>
       </p:sp>
-      <mc:AlternateContent xmlns:mc="http://schemas.openxmlformats.org/markup-compatibility/2006">
-        <mc:Choice xmlns:a14="http://schemas.microsoft.com/office/drawing/2010/main" Requires="a14">
+      <mc:AlternateContent xmlns:mc="http://schemas.openxmlformats.org/markup-compatibility/2006" xmlns:a14="http://schemas.microsoft.com/office/drawing/2010/main">
+        <mc:Choice Requires="a14">
           <p:sp>
             <p:nvSpPr>
               <p:cNvPr id="3" name="Content Placeholder 2">
@@ -4964,7 +5083,7 @@
             </p:txBody>
           </p:sp>
         </mc:Choice>
-        <mc:Fallback>
+        <mc:Fallback xmlns="">
           <p:sp>
             <p:nvSpPr>
               <p:cNvPr id="3" name="Content Placeholder 2">
@@ -5497,7 +5616,7 @@
         </p:nvSpPr>
         <p:spPr>
           <a:xfrm>
-            <a:off x="2694190" y="4645205"/>
+            <a:off x="2587651" y="4782340"/>
             <a:ext cx="753732" cy="261610"/>
           </a:xfrm>
           <a:prstGeom prst="rect">
@@ -5575,7 +5694,7 @@
         </p:nvSpPr>
         <p:spPr>
           <a:xfrm>
-            <a:off x="4395797" y="5672906"/>
+            <a:off x="838200" y="2388899"/>
             <a:ext cx="1947969" cy="261610"/>
           </a:xfrm>
           <a:prstGeom prst="rect">
@@ -5653,8 +5772,8 @@
         </p:nvSpPr>
         <p:spPr>
           <a:xfrm>
-            <a:off x="4966445" y="4371072"/>
-            <a:ext cx="457200" cy="307777"/>
+            <a:off x="4767459" y="4474070"/>
+            <a:ext cx="925770" cy="261610"/>
           </a:xfrm>
           <a:prstGeom prst="rect">
             <a:avLst/>
@@ -5668,54 +5787,14 @@
           <a:lstStyle/>
           <a:p>
             <a:r>
-              <a:rPr lang="en-US" sz="1400" dirty="0">
+              <a:rPr lang="en-US" sz="1100" dirty="0">
                 <a:solidFill>
                   <a:schemeClr val="accent2"/>
                 </a:solidFill>
               </a:rPr>
-              <a:t>-1</a:t>
-            </a:r>
-            <a:endParaRPr lang="en-US" sz="1400" dirty="0"/>
-          </a:p>
-        </p:txBody>
-      </p:sp>
-      <p:sp>
-        <p:nvSpPr>
-          <p:cNvPr id="15" name="TextBox 14">
-            <a:extLst>
-              <a:ext uri="{FF2B5EF4-FFF2-40B4-BE49-F238E27FC236}">
-                <a16:creationId xmlns:a16="http://schemas.microsoft.com/office/drawing/2014/main" id="{17425134-731B-261A-AF38-B992E971BFD0}"/>
-              </a:ext>
-            </a:extLst>
-          </p:cNvPr>
-          <p:cNvSpPr txBox="1"/>
-          <p:nvPr/>
-        </p:nvSpPr>
-        <p:spPr>
-          <a:xfrm>
-            <a:off x="3886786" y="5273357"/>
-            <a:ext cx="457200" cy="307777"/>
-          </a:xfrm>
-          <a:prstGeom prst="rect">
-            <a:avLst/>
-          </a:prstGeom>
-          <a:noFill/>
-        </p:spPr>
-        <p:txBody>
-          <a:bodyPr wrap="square">
-            <a:spAutoFit/>
-          </a:bodyPr>
-          <a:lstStyle/>
-          <a:p>
-            <a:r>
-              <a:rPr lang="en-US" sz="1400" dirty="0">
-                <a:solidFill>
-                  <a:schemeClr val="accent2"/>
-                </a:solidFill>
-              </a:rPr>
-              <a:t>-1</a:t>
-            </a:r>
-            <a:endParaRPr lang="en-US" sz="1400" dirty="0"/>
+              <a:t>height = -1</a:t>
+            </a:r>
+            <a:endParaRPr lang="en-US" sz="1100" dirty="0"/>
           </a:p>
         </p:txBody>
       </p:sp>
@@ -5813,6 +5892,125 @@
           </a:fontRef>
         </p:style>
       </p:cxnSp>
+      <p:sp>
+        <p:nvSpPr>
+          <p:cNvPr id="10" name="TextBox 9">
+            <a:extLst>
+              <a:ext uri="{FF2B5EF4-FFF2-40B4-BE49-F238E27FC236}">
+                <a16:creationId xmlns:a16="http://schemas.microsoft.com/office/drawing/2014/main" id="{8444BCA8-5D75-32F8-271D-8BE72A3F6566}"/>
+              </a:ext>
+            </a:extLst>
+          </p:cNvPr>
+          <p:cNvSpPr txBox="1"/>
+          <p:nvPr/>
+        </p:nvSpPr>
+        <p:spPr>
+          <a:xfrm>
+            <a:off x="1934826" y="3896844"/>
+            <a:ext cx="753732" cy="261610"/>
+          </a:xfrm>
+          <a:prstGeom prst="rect">
+            <a:avLst/>
+          </a:prstGeom>
+          <a:noFill/>
+        </p:spPr>
+        <p:txBody>
+          <a:bodyPr wrap="none" rtlCol="0">
+            <a:spAutoFit/>
+          </a:bodyPr>
+          <a:lstStyle/>
+          <a:p>
+            <a:r>
+              <a:rPr lang="en-US" sz="1100" dirty="0">
+                <a:solidFill>
+                  <a:schemeClr val="accent2"/>
+                </a:solidFill>
+              </a:rPr>
+              <a:t>height = 2</a:t>
+            </a:r>
+          </a:p>
+        </p:txBody>
+      </p:sp>
+      <p:sp>
+        <p:nvSpPr>
+          <p:cNvPr id="11" name="TextBox 10">
+            <a:extLst>
+              <a:ext uri="{FF2B5EF4-FFF2-40B4-BE49-F238E27FC236}">
+                <a16:creationId xmlns:a16="http://schemas.microsoft.com/office/drawing/2014/main" id="{E831A94B-84E6-2AE4-9DB8-FE5F79E2FAC5}"/>
+              </a:ext>
+            </a:extLst>
+          </p:cNvPr>
+          <p:cNvSpPr txBox="1"/>
+          <p:nvPr/>
+        </p:nvSpPr>
+        <p:spPr>
+          <a:xfrm>
+            <a:off x="3705863" y="5325819"/>
+            <a:ext cx="925770" cy="261610"/>
+          </a:xfrm>
+          <a:prstGeom prst="rect">
+            <a:avLst/>
+          </a:prstGeom>
+          <a:noFill/>
+        </p:spPr>
+        <p:txBody>
+          <a:bodyPr wrap="square">
+            <a:spAutoFit/>
+          </a:bodyPr>
+          <a:lstStyle/>
+          <a:p>
+            <a:r>
+              <a:rPr lang="en-US" sz="1100" dirty="0">
+                <a:solidFill>
+                  <a:schemeClr val="accent2"/>
+                </a:solidFill>
+              </a:rPr>
+              <a:t>height = -1</a:t>
+            </a:r>
+            <a:endParaRPr lang="en-US" sz="1100" dirty="0"/>
+          </a:p>
+        </p:txBody>
+      </p:sp>
+      <p:sp>
+        <p:nvSpPr>
+          <p:cNvPr id="17" name="TextBox 16">
+            <a:extLst>
+              <a:ext uri="{FF2B5EF4-FFF2-40B4-BE49-F238E27FC236}">
+                <a16:creationId xmlns:a16="http://schemas.microsoft.com/office/drawing/2014/main" id="{8010BBFF-63BA-EB1D-B801-6ACDCED8F162}"/>
+              </a:ext>
+            </a:extLst>
+          </p:cNvPr>
+          <p:cNvSpPr txBox="1"/>
+          <p:nvPr/>
+        </p:nvSpPr>
+        <p:spPr>
+          <a:xfrm>
+            <a:off x="4808628" y="3901506"/>
+            <a:ext cx="925770" cy="261610"/>
+          </a:xfrm>
+          <a:prstGeom prst="rect">
+            <a:avLst/>
+          </a:prstGeom>
+          <a:noFill/>
+        </p:spPr>
+        <p:txBody>
+          <a:bodyPr wrap="square">
+            <a:spAutoFit/>
+          </a:bodyPr>
+          <a:lstStyle/>
+          <a:p>
+            <a:r>
+              <a:rPr lang="en-US" sz="1100" dirty="0">
+                <a:solidFill>
+                  <a:schemeClr val="accent2"/>
+                </a:solidFill>
+              </a:rPr>
+              <a:t>height = 1</a:t>
+            </a:r>
+            <a:endParaRPr lang="en-US" sz="1100" dirty="0"/>
+          </a:p>
+        </p:txBody>
+      </p:sp>
     </p:spTree>
     <p:extLst>
       <p:ext uri="{BB962C8B-B14F-4D97-AF65-F5344CB8AC3E}">
@@ -7398,8 +7596,8 @@
           </a:p>
         </p:txBody>
       </p:sp>
-      <mc:AlternateContent xmlns:mc="http://schemas.openxmlformats.org/markup-compatibility/2006" xmlns:a14="http://schemas.microsoft.com/office/drawing/2010/main">
-        <mc:Choice Requires="a14">
+      <mc:AlternateContent xmlns:mc="http://schemas.openxmlformats.org/markup-compatibility/2006">
+        <mc:Choice xmlns:a14="http://schemas.microsoft.com/office/drawing/2010/main" Requires="a14">
           <p:sp>
             <p:nvSpPr>
               <p:cNvPr id="20" name="TextBox 19">
@@ -7414,8 +7612,8 @@
             </p:nvSpPr>
             <p:spPr>
               <a:xfrm>
-                <a:off x="6201359" y="474335"/>
-                <a:ext cx="1815366" cy="923330"/>
+                <a:off x="5684972" y="551233"/>
+                <a:ext cx="2618763" cy="646331"/>
               </a:xfrm>
               <a:prstGeom prst="rect">
                 <a:avLst/>
@@ -7464,40 +7662,7 @@
                 </a14:m>
                 <a:r>
                   <a:rPr lang="en-US" dirty="0"/>
-                  <a:t> and </a:t>
-                </a:r>
-                <a14:m>
-                  <m:oMath xmlns:m="http://schemas.openxmlformats.org/officeDocument/2006/math">
-                    <m:sSub>
-                      <m:sSubPr>
-                        <m:ctrlPr>
-                          <a:rPr lang="en-US" b="0" i="1" smtClean="0">
-                            <a:latin typeface="Cambria Math" panose="02040503050406030204" pitchFamily="18" charset="0"/>
-                          </a:rPr>
-                        </m:ctrlPr>
-                      </m:sSubPr>
-                      <m:e>
-                        <m:r>
-                          <a:rPr lang="en-US" b="0" i="1" smtClean="0">
-                            <a:latin typeface="Cambria Math" panose="02040503050406030204" pitchFamily="18" charset="0"/>
-                          </a:rPr>
-                          <m:t>𝑘</m:t>
-                        </m:r>
-                      </m:e>
-                      <m:sub>
-                        <m:r>
-                          <a:rPr lang="en-US" b="0" i="1" smtClean="0">
-                            <a:latin typeface="Cambria Math" panose="02040503050406030204" pitchFamily="18" charset="0"/>
-                          </a:rPr>
-                          <m:t>1</m:t>
-                        </m:r>
-                      </m:sub>
-                    </m:sSub>
-                  </m:oMath>
-                </a14:m>
-                <a:r>
-                  <a:rPr lang="en-US" dirty="0"/>
-                  <a:t> </a:t>
+                  <a:t> with left child</a:t>
                 </a:r>
               </a:p>
               <a:p>
@@ -7537,20 +7702,13 @@
                 </a14:m>
                 <a:r>
                   <a:rPr lang="en-US" b="0" dirty="0"/>
-                  <a:t> </a:t>
-                </a:r>
-                <a:br>
-                  <a:rPr lang="en-US" b="0" dirty="0"/>
-                </a:br>
-                <a:r>
-                  <a:rPr lang="en-US" b="0" dirty="0"/>
                   <a:t>+ fix Y</a:t>
                 </a:r>
               </a:p>
             </p:txBody>
           </p:sp>
         </mc:Choice>
-        <mc:Fallback xmlns="">
+        <mc:Fallback>
           <p:sp>
             <p:nvSpPr>
               <p:cNvPr id="20" name="TextBox 19">
@@ -7567,8 +7725,8 @@
             </p:nvSpPr>
             <p:spPr>
               <a:xfrm>
-                <a:off x="6201359" y="474335"/>
-                <a:ext cx="1815366" cy="923330"/>
+                <a:off x="5684972" y="551233"/>
+                <a:ext cx="2618763" cy="646331"/>
               </a:xfrm>
               <a:prstGeom prst="rect">
                 <a:avLst/>
@@ -7576,7 +7734,7 @@
               <a:blipFill>
                 <a:blip r:embed="rId4"/>
                 <a:stretch>
-                  <a:fillRect l="-1007" t="-3974" b="-9934"/>
+                  <a:fillRect t="-4717" b="-14151"/>
                 </a:stretch>
               </a:blipFill>
             </p:spPr>
@@ -7595,8 +7753,8 @@
           </p:sp>
         </mc:Fallback>
       </mc:AlternateContent>
-      <mc:AlternateContent xmlns:mc="http://schemas.openxmlformats.org/markup-compatibility/2006" xmlns:a14="http://schemas.microsoft.com/office/drawing/2010/main">
-        <mc:Choice Requires="a14">
+      <mc:AlternateContent xmlns:mc="http://schemas.openxmlformats.org/markup-compatibility/2006">
+        <mc:Choice xmlns:a14="http://schemas.microsoft.com/office/drawing/2010/main" Requires="a14">
           <p:sp>
             <p:nvSpPr>
               <p:cNvPr id="21" name="TextBox 20">
@@ -7611,8 +7769,8 @@
             </p:nvSpPr>
             <p:spPr>
               <a:xfrm>
-                <a:off x="6100362" y="3882666"/>
-                <a:ext cx="1220635" cy="646331"/>
+                <a:off x="6092794" y="3875753"/>
+                <a:ext cx="1628495" cy="646331"/>
               </a:xfrm>
               <a:prstGeom prst="rect">
                 <a:avLst/>
@@ -7661,46 +7819,13 @@
                 </a14:m>
                 <a:r>
                   <a:rPr lang="en-US" dirty="0"/>
-                  <a:t> and </a:t>
-                </a:r>
-                <a14:m>
-                  <m:oMath xmlns:m="http://schemas.openxmlformats.org/officeDocument/2006/math">
-                    <m:sSub>
-                      <m:sSubPr>
-                        <m:ctrlPr>
-                          <a:rPr lang="en-US" b="0" i="1" smtClean="0">
-                            <a:latin typeface="Cambria Math" panose="02040503050406030204" pitchFamily="18" charset="0"/>
-                          </a:rPr>
-                        </m:ctrlPr>
-                      </m:sSubPr>
-                      <m:e>
-                        <m:r>
-                          <a:rPr lang="en-US" b="0" i="1" smtClean="0">
-                            <a:latin typeface="Cambria Math" panose="02040503050406030204" pitchFamily="18" charset="0"/>
-                          </a:rPr>
-                          <m:t>𝑘</m:t>
-                        </m:r>
-                      </m:e>
-                      <m:sub>
-                        <m:r>
-                          <a:rPr lang="en-US" b="0" i="1" smtClean="0">
-                            <a:latin typeface="Cambria Math" panose="02040503050406030204" pitchFamily="18" charset="0"/>
-                          </a:rPr>
-                          <m:t>2</m:t>
-                        </m:r>
-                      </m:sub>
-                    </m:sSub>
-                  </m:oMath>
-                </a14:m>
-                <a:r>
-                  <a:rPr lang="en-US" dirty="0"/>
-                  <a:t> </a:t>
+                  <a:t> with right child</a:t>
                 </a:r>
               </a:p>
             </p:txBody>
           </p:sp>
         </mc:Choice>
-        <mc:Fallback xmlns="">
+        <mc:Fallback>
           <p:sp>
             <p:nvSpPr>
               <p:cNvPr id="21" name="TextBox 20">
@@ -7717,8 +7842,8 @@
             </p:nvSpPr>
             <p:spPr>
               <a:xfrm>
-                <a:off x="6100362" y="3882666"/>
-                <a:ext cx="1220635" cy="646331"/>
+                <a:off x="6092794" y="3875753"/>
+                <a:ext cx="1628495" cy="646331"/>
               </a:xfrm>
               <a:prstGeom prst="rect">
                 <a:avLst/>
@@ -7726,7 +7851,7 @@
               <a:blipFill>
                 <a:blip r:embed="rId5"/>
                 <a:stretch>
-                  <a:fillRect t="-5660" b="-14151"/>
+                  <a:fillRect l="-373" t="-5660" r="-2985" b="-14151"/>
                 </a:stretch>
               </a:blipFill>
             </p:spPr>
@@ -8029,7 +8154,7 @@
           </a:prstGeom>
           <a:ln w="9525" cap="flat" cmpd="sng" algn="ctr">
             <a:solidFill>
-              <a:schemeClr val="dk1"/>
+              <a:schemeClr val="accent2"/>
             </a:solidFill>
             <a:prstDash val="dash"/>
             <a:round/>
@@ -8194,7 +8319,11 @@
           <a:lstStyle/>
           <a:p>
             <a:r>
-              <a:rPr lang="en-US" sz="1100" dirty="0"/>
+              <a:rPr lang="en-US" sz="1100" dirty="0">
+                <a:solidFill>
+                  <a:schemeClr val="accent2"/>
+                </a:solidFill>
+              </a:rPr>
               <a:t>height = 1</a:t>
             </a:r>
           </a:p>
@@ -8229,7 +8358,11 @@
           <a:lstStyle/>
           <a:p>
             <a:r>
-              <a:rPr lang="en-US" sz="1100" dirty="0"/>
+              <a:rPr lang="en-US" sz="1100" dirty="0">
+                <a:solidFill>
+                  <a:schemeClr val="accent2"/>
+                </a:solidFill>
+              </a:rPr>
               <a:t>height = 2</a:t>
             </a:r>
           </a:p>
@@ -8264,7 +8397,11 @@
           <a:lstStyle/>
           <a:p>
             <a:r>
-              <a:rPr lang="en-US" sz="1100" dirty="0"/>
+              <a:rPr lang="en-US" sz="1100" dirty="0">
+                <a:solidFill>
+                  <a:schemeClr val="accent2"/>
+                </a:solidFill>
+              </a:rPr>
               <a:t>height = 3</a:t>
             </a:r>
           </a:p>
@@ -8299,7 +8436,11 @@
           <a:lstStyle/>
           <a:p>
             <a:r>
-              <a:rPr lang="en-US" sz="1100" dirty="0"/>
+              <a:rPr lang="en-US" sz="1100" dirty="0">
+                <a:solidFill>
+                  <a:schemeClr val="accent2"/>
+                </a:solidFill>
+              </a:rPr>
               <a:t>height = 2</a:t>
             </a:r>
           </a:p>
@@ -8661,7 +8802,7 @@
             <a:pPr algn="ctr"/>
             <a:r>
               <a:rPr lang="en-US" dirty="0"/>
-              <a:t>Diff(2, -1) &gt; 1</a:t>
+              <a:t>Diff(1, -1) &gt; 1</a:t>
             </a:r>
           </a:p>
         </p:txBody>
@@ -8721,8 +8862,8 @@
         </p:nvSpPr>
         <p:spPr>
           <a:xfrm>
-            <a:off x="4549743" y="3699675"/>
-            <a:ext cx="1546257" cy="646331"/>
+            <a:off x="4586601" y="3731244"/>
+            <a:ext cx="1491755" cy="923330"/>
           </a:xfrm>
           <a:prstGeom prst="rect">
             <a:avLst/>
@@ -8735,9 +8876,17 @@
           </a:bodyPr>
           <a:lstStyle/>
           <a:p>
+            <a:pPr algn="ctr"/>
             <a:r>
               <a:rPr lang="en-US" dirty="0"/>
-              <a:t>Rotate 8 and 7</a:t>
+              <a:t>Rotate 8 with </a:t>
+            </a:r>
+          </a:p>
+          <a:p>
+            <a:pPr algn="ctr"/>
+            <a:r>
+              <a:rPr lang="en-US" dirty="0"/>
+              <a:t>right child</a:t>
             </a:r>
           </a:p>
           <a:p>
@@ -9113,38 +9262,9 @@
                   <a:rPr lang="en-US" b="0" dirty="0"/>
                 </a:br>
                 <a:r>
-                  <a:rPr lang="en-US" b="0" dirty="0"/>
-                  <a:t>and </a:t>
+                  <a:rPr lang="en-US" dirty="0"/>
+                  <a:t>with right child</a:t>
                 </a:r>
-                <a14:m>
-                  <m:oMath xmlns:m="http://schemas.openxmlformats.org/officeDocument/2006/math">
-                    <m:sSub>
-                      <m:sSubPr>
-                        <m:ctrlPr>
-                          <a:rPr lang="en-US" b="0" i="1" smtClean="0">
-                            <a:latin typeface="Cambria Math" panose="02040503050406030204" pitchFamily="18" charset="0"/>
-                          </a:rPr>
-                        </m:ctrlPr>
-                      </m:sSubPr>
-                      <m:e>
-                        <m:r>
-                          <a:rPr lang="en-US" b="0" i="1" smtClean="0">
-                            <a:latin typeface="Cambria Math" panose="02040503050406030204" pitchFamily="18" charset="0"/>
-                          </a:rPr>
-                          <m:t>𝑘</m:t>
-                        </m:r>
-                      </m:e>
-                      <m:sub>
-                        <m:r>
-                          <a:rPr lang="en-US" b="0" i="1" smtClean="0">
-                            <a:latin typeface="Cambria Math" panose="02040503050406030204" pitchFamily="18" charset="0"/>
-                          </a:rPr>
-                          <m:t>2</m:t>
-                        </m:r>
-                      </m:sub>
-                    </m:sSub>
-                  </m:oMath>
-                </a14:m>
                 <a:endParaRPr lang="en-US" b="0" dirty="0"/>
               </a:p>
             </p:txBody>
@@ -9237,8 +9357,8 @@
           </a:p>
         </p:txBody>
       </p:sp>
-      <mc:AlternateContent xmlns:mc="http://schemas.openxmlformats.org/markup-compatibility/2006" xmlns:a14="http://schemas.microsoft.com/office/drawing/2010/main">
-        <mc:Choice Requires="a14">
+      <mc:AlternateContent xmlns:mc="http://schemas.openxmlformats.org/markup-compatibility/2006">
+        <mc:Choice xmlns:a14="http://schemas.microsoft.com/office/drawing/2010/main" Requires="a14">
           <p:sp>
             <p:nvSpPr>
               <p:cNvPr id="11" name="TextBox 10">
@@ -9253,8 +9373,8 @@
             </p:nvSpPr>
             <p:spPr>
               <a:xfrm>
-                <a:off x="5366773" y="619495"/>
-                <a:ext cx="1220635" cy="646331"/>
+                <a:off x="5411937" y="418735"/>
+                <a:ext cx="1220635" cy="923330"/>
               </a:xfrm>
               <a:prstGeom prst="rect">
                 <a:avLst/>
@@ -9303,46 +9423,13 @@
                 </a14:m>
                 <a:r>
                   <a:rPr lang="en-US" dirty="0"/>
-                  <a:t> and </a:t>
-                </a:r>
-                <a14:m>
-                  <m:oMath xmlns:m="http://schemas.openxmlformats.org/officeDocument/2006/math">
-                    <m:sSub>
-                      <m:sSubPr>
-                        <m:ctrlPr>
-                          <a:rPr lang="en-US" b="0" i="1" smtClean="0">
-                            <a:latin typeface="Cambria Math" panose="02040503050406030204" pitchFamily="18" charset="0"/>
-                          </a:rPr>
-                        </m:ctrlPr>
-                      </m:sSubPr>
-                      <m:e>
-                        <m:r>
-                          <a:rPr lang="en-US" b="0" i="1" smtClean="0">
-                            <a:latin typeface="Cambria Math" panose="02040503050406030204" pitchFamily="18" charset="0"/>
-                          </a:rPr>
-                          <m:t>𝑘</m:t>
-                        </m:r>
-                      </m:e>
-                      <m:sub>
-                        <m:r>
-                          <a:rPr lang="en-US" b="0" i="1" smtClean="0">
-                            <a:latin typeface="Cambria Math" panose="02040503050406030204" pitchFamily="18" charset="0"/>
-                          </a:rPr>
-                          <m:t>1</m:t>
-                        </m:r>
-                      </m:sub>
-                    </m:sSub>
-                  </m:oMath>
-                </a14:m>
-                <a:r>
-                  <a:rPr lang="en-US" dirty="0"/>
-                  <a:t> </a:t>
+                  <a:t> with left child</a:t>
                 </a:r>
               </a:p>
             </p:txBody>
           </p:sp>
         </mc:Choice>
-        <mc:Fallback xmlns="">
+        <mc:Fallback>
           <p:sp>
             <p:nvSpPr>
               <p:cNvPr id="11" name="TextBox 10">
@@ -9359,8 +9446,8 @@
             </p:nvSpPr>
             <p:spPr>
               <a:xfrm>
-                <a:off x="5366773" y="619495"/>
-                <a:ext cx="1220635" cy="646331"/>
+                <a:off x="5411937" y="418735"/>
+                <a:ext cx="1220635" cy="923330"/>
               </a:xfrm>
               <a:prstGeom prst="rect">
                 <a:avLst/>
@@ -9368,7 +9455,7 @@
               <a:blipFill>
                 <a:blip r:embed="rId4"/>
                 <a:stretch>
-                  <a:fillRect t="-5660" b="-14151"/>
+                  <a:fillRect t="-3974" b="-9934"/>
                 </a:stretch>
               </a:blipFill>
             </p:spPr>
@@ -9387,8 +9474,8 @@
           </p:sp>
         </mc:Fallback>
       </mc:AlternateContent>
-      <mc:AlternateContent xmlns:mc="http://schemas.openxmlformats.org/markup-compatibility/2006">
-        <mc:Choice xmlns:a14="http://schemas.microsoft.com/office/drawing/2010/main" Requires="a14">
+      <mc:AlternateContent xmlns:mc="http://schemas.openxmlformats.org/markup-compatibility/2006" xmlns:a14="http://schemas.microsoft.com/office/drawing/2010/main">
+        <mc:Choice Requires="a14">
           <p:sp>
             <p:nvSpPr>
               <p:cNvPr id="14" name="Oval 13">
@@ -9474,7 +9561,7 @@
             </p:txBody>
           </p:sp>
         </mc:Choice>
-        <mc:Fallback>
+        <mc:Fallback xmlns="">
           <p:sp>
             <p:nvSpPr>
               <p:cNvPr id="14" name="Oval 13">
@@ -9519,8 +9606,8 @@
           </p:sp>
         </mc:Fallback>
       </mc:AlternateContent>
-      <mc:AlternateContent xmlns:mc="http://schemas.openxmlformats.org/markup-compatibility/2006">
-        <mc:Choice xmlns:a14="http://schemas.microsoft.com/office/drawing/2010/main" Requires="a14">
+      <mc:AlternateContent xmlns:mc="http://schemas.openxmlformats.org/markup-compatibility/2006" xmlns:a14="http://schemas.microsoft.com/office/drawing/2010/main">
+        <mc:Choice Requires="a14">
           <p:sp>
             <p:nvSpPr>
               <p:cNvPr id="15" name="Oval 14">
@@ -9606,7 +9693,7 @@
             </p:txBody>
           </p:sp>
         </mc:Choice>
-        <mc:Fallback>
+        <mc:Fallback xmlns="">
           <p:sp>
             <p:nvSpPr>
               <p:cNvPr id="15" name="Oval 14">
@@ -9651,8 +9738,8 @@
           </p:sp>
         </mc:Fallback>
       </mc:AlternateContent>
-      <mc:AlternateContent xmlns:mc="http://schemas.openxmlformats.org/markup-compatibility/2006">
-        <mc:Choice xmlns:a14="http://schemas.microsoft.com/office/drawing/2010/main" Requires="a14">
+      <mc:AlternateContent xmlns:mc="http://schemas.openxmlformats.org/markup-compatibility/2006" xmlns:a14="http://schemas.microsoft.com/office/drawing/2010/main">
+        <mc:Choice Requires="a14">
           <p:sp>
             <p:nvSpPr>
               <p:cNvPr id="16" name="Oval 15">
@@ -9738,7 +9825,7 @@
             </p:txBody>
           </p:sp>
         </mc:Choice>
-        <mc:Fallback>
+        <mc:Fallback xmlns="">
           <p:sp>
             <p:nvSpPr>
               <p:cNvPr id="16" name="Oval 15">
@@ -9783,8 +9870,8 @@
           </p:sp>
         </mc:Fallback>
       </mc:AlternateContent>
-      <mc:AlternateContent xmlns:mc="http://schemas.openxmlformats.org/markup-compatibility/2006">
-        <mc:Choice xmlns:a14="http://schemas.microsoft.com/office/drawing/2010/main" Requires="a14">
+      <mc:AlternateContent xmlns:mc="http://schemas.openxmlformats.org/markup-compatibility/2006" xmlns:a14="http://schemas.microsoft.com/office/drawing/2010/main">
+        <mc:Choice Requires="a14">
           <p:sp>
             <p:nvSpPr>
               <p:cNvPr id="17" name="Isosceles Triangle 16">
@@ -9845,7 +9932,7 @@
             </p:txBody>
           </p:sp>
         </mc:Choice>
-        <mc:Fallback>
+        <mc:Fallback xmlns="">
           <p:sp>
             <p:nvSpPr>
               <p:cNvPr id="17" name="Isosceles Triangle 16">
@@ -9890,8 +9977,8 @@
           </p:sp>
         </mc:Fallback>
       </mc:AlternateContent>
-      <mc:AlternateContent xmlns:mc="http://schemas.openxmlformats.org/markup-compatibility/2006">
-        <mc:Choice xmlns:a14="http://schemas.microsoft.com/office/drawing/2010/main" Requires="a14">
+      <mc:AlternateContent xmlns:mc="http://schemas.openxmlformats.org/markup-compatibility/2006" xmlns:a14="http://schemas.microsoft.com/office/drawing/2010/main">
+        <mc:Choice Requires="a14">
           <p:sp>
             <p:nvSpPr>
               <p:cNvPr id="18" name="Isosceles Triangle 17">
@@ -9952,7 +10039,7 @@
             </p:txBody>
           </p:sp>
         </mc:Choice>
-        <mc:Fallback>
+        <mc:Fallback xmlns="">
           <p:sp>
             <p:nvSpPr>
               <p:cNvPr id="18" name="Isosceles Triangle 17">
@@ -9997,8 +10084,8 @@
           </p:sp>
         </mc:Fallback>
       </mc:AlternateContent>
-      <mc:AlternateContent xmlns:mc="http://schemas.openxmlformats.org/markup-compatibility/2006">
-        <mc:Choice xmlns:a14="http://schemas.microsoft.com/office/drawing/2010/main" Requires="a14">
+      <mc:AlternateContent xmlns:mc="http://schemas.openxmlformats.org/markup-compatibility/2006" xmlns:a14="http://schemas.microsoft.com/office/drawing/2010/main">
+        <mc:Choice Requires="a14">
           <p:sp>
             <p:nvSpPr>
               <p:cNvPr id="19" name="Isosceles Triangle 18">
@@ -10059,7 +10146,7 @@
             </p:txBody>
           </p:sp>
         </mc:Choice>
-        <mc:Fallback>
+        <mc:Fallback xmlns="">
           <p:sp>
             <p:nvSpPr>
               <p:cNvPr id="19" name="Isosceles Triangle 18">
@@ -10104,8 +10191,8 @@
           </p:sp>
         </mc:Fallback>
       </mc:AlternateContent>
-      <mc:AlternateContent xmlns:mc="http://schemas.openxmlformats.org/markup-compatibility/2006">
-        <mc:Choice xmlns:a14="http://schemas.microsoft.com/office/drawing/2010/main" Requires="a14">
+      <mc:AlternateContent xmlns:mc="http://schemas.openxmlformats.org/markup-compatibility/2006" xmlns:a14="http://schemas.microsoft.com/office/drawing/2010/main">
+        <mc:Choice Requires="a14">
           <p:sp>
             <p:nvSpPr>
               <p:cNvPr id="20" name="Isosceles Triangle 19">
@@ -10166,7 +10253,7 @@
             </p:txBody>
           </p:sp>
         </mc:Choice>
-        <mc:Fallback>
+        <mc:Fallback xmlns="">
           <p:sp>
             <p:nvSpPr>
               <p:cNvPr id="20" name="Isosceles Triangle 19">
@@ -10376,39 +10463,9 @@
                   <a:rPr lang="en-US" b="0" dirty="0"/>
                 </a:br>
                 <a:r>
-                  <a:rPr lang="en-US" b="0" dirty="0"/>
-                  <a:t>and </a:t>
+                  <a:rPr lang="en-US" dirty="0"/>
+                  <a:t>with left child</a:t>
                 </a:r>
-                <a14:m>
-                  <m:oMath xmlns:m="http://schemas.openxmlformats.org/officeDocument/2006/math">
-                    <m:sSub>
-                      <m:sSubPr>
-                        <m:ctrlPr>
-                          <a:rPr lang="en-US" b="0" i="1" smtClean="0">
-                            <a:latin typeface="Cambria Math" panose="02040503050406030204" pitchFamily="18" charset="0"/>
-                          </a:rPr>
-                        </m:ctrlPr>
-                      </m:sSubPr>
-                      <m:e>
-                        <m:r>
-                          <a:rPr lang="en-US" b="0" i="1" smtClean="0">
-                            <a:latin typeface="Cambria Math" panose="02040503050406030204" pitchFamily="18" charset="0"/>
-                          </a:rPr>
-                          <m:t>𝑘</m:t>
-                        </m:r>
-                      </m:e>
-                      <m:sub>
-                        <m:r>
-                          <a:rPr lang="en-US" b="0" i="1" smtClean="0">
-                            <a:latin typeface="Cambria Math" panose="02040503050406030204" pitchFamily="18" charset="0"/>
-                          </a:rPr>
-                          <m:t>2</m:t>
-                        </m:r>
-                      </m:sub>
-                    </m:sSub>
-                  </m:oMath>
-                </a14:m>
-                <a:endParaRPr lang="en-US" dirty="0"/>
               </a:p>
             </p:txBody>
           </p:sp>
@@ -10785,7 +10842,7 @@
         <p:spPr>
           <a:xfrm>
             <a:off x="1908267" y="3469283"/>
-            <a:ext cx="5742085" cy="369332"/>
+            <a:ext cx="2761205" cy="369332"/>
           </a:xfrm>
           <a:prstGeom prst="rect">
             <a:avLst/>
@@ -10800,7 +10857,7 @@
           <a:p>
             <a:r>
               <a:rPr lang="en-US" dirty="0"/>
-              <a:t>We need a left-right double rotation: lifts up B by one level.</a:t>
+              <a:t>We need a double rotation.</a:t>
             </a:r>
           </a:p>
         </p:txBody>
@@ -10891,7 +10948,11 @@
           <a:lstStyle/>
           <a:p>
             <a:r>
-              <a:rPr lang="en-US" sz="1100" dirty="0"/>
+              <a:rPr lang="en-US" sz="1100" dirty="0">
+                <a:solidFill>
+                  <a:schemeClr val="accent2"/>
+                </a:solidFill>
+              </a:rPr>
               <a:t>height = 3</a:t>
             </a:r>
           </a:p>
@@ -10926,7 +10987,11 @@
           <a:lstStyle/>
           <a:p>
             <a:r>
-              <a:rPr lang="en-US" sz="1100" dirty="0"/>
+              <a:rPr lang="en-US" sz="1100" dirty="0">
+                <a:solidFill>
+                  <a:schemeClr val="accent2"/>
+                </a:solidFill>
+              </a:rPr>
               <a:t>height = 1</a:t>
             </a:r>
           </a:p>
@@ -10961,7 +11026,11 @@
           <a:lstStyle/>
           <a:p>
             <a:r>
-              <a:rPr lang="en-US" sz="1100" dirty="0"/>
+              <a:rPr lang="en-US" sz="1100" dirty="0">
+                <a:solidFill>
+                  <a:schemeClr val="accent2"/>
+                </a:solidFill>
+              </a:rPr>
               <a:t>height = 1</a:t>
             </a:r>
           </a:p>
@@ -10996,7 +11065,11 @@
           <a:lstStyle/>
           <a:p>
             <a:r>
-              <a:rPr lang="en-US" sz="1100" dirty="0"/>
+              <a:rPr lang="en-US" sz="1100" dirty="0">
+                <a:solidFill>
+                  <a:schemeClr val="accent2"/>
+                </a:solidFill>
+              </a:rPr>
               <a:t>height = 3</a:t>
             </a:r>
           </a:p>
@@ -11156,6 +11229,635 @@
         <p:spPr>
           <a:xfrm flipV="1">
             <a:off x="7650352" y="403950"/>
+            <a:ext cx="0" cy="323165"/>
+          </a:xfrm>
+          <a:prstGeom prst="straightConnector1">
+            <a:avLst/>
+          </a:prstGeom>
+          <a:ln>
+            <a:tailEnd type="triangle"/>
+          </a:ln>
+        </p:spPr>
+        <p:style>
+          <a:lnRef idx="3">
+            <a:schemeClr val="accent2"/>
+          </a:lnRef>
+          <a:fillRef idx="0">
+            <a:schemeClr val="accent2"/>
+          </a:fillRef>
+          <a:effectRef idx="2">
+            <a:schemeClr val="accent2"/>
+          </a:effectRef>
+          <a:fontRef idx="minor">
+            <a:schemeClr val="tx1"/>
+          </a:fontRef>
+        </p:style>
+      </p:cxnSp>
+      <p:cxnSp>
+        <p:nvCxnSpPr>
+          <p:cNvPr id="12" name="Straight Arrow Connector 11">
+            <a:extLst>
+              <a:ext uri="{FF2B5EF4-FFF2-40B4-BE49-F238E27FC236}">
+                <a16:creationId xmlns:a16="http://schemas.microsoft.com/office/drawing/2014/main" id="{5C332A3A-09F0-230D-E96B-CA89CE303BEB}"/>
+              </a:ext>
+            </a:extLst>
+          </p:cNvPr>
+          <p:cNvCxnSpPr/>
+          <p:nvPr/>
+        </p:nvCxnSpPr>
+        <p:spPr>
+          <a:xfrm flipV="1">
+            <a:off x="6335303" y="4558362"/>
+            <a:ext cx="0" cy="323165"/>
+          </a:xfrm>
+          <a:prstGeom prst="straightConnector1">
+            <a:avLst/>
+          </a:prstGeom>
+          <a:ln>
+            <a:tailEnd type="triangle"/>
+          </a:ln>
+        </p:spPr>
+        <p:style>
+          <a:lnRef idx="3">
+            <a:schemeClr val="accent2"/>
+          </a:lnRef>
+          <a:fillRef idx="0">
+            <a:schemeClr val="accent2"/>
+          </a:fillRef>
+          <a:effectRef idx="2">
+            <a:schemeClr val="accent2"/>
+          </a:effectRef>
+          <a:fontRef idx="minor">
+            <a:schemeClr val="tx1"/>
+          </a:fontRef>
+        </p:style>
+      </p:cxnSp>
+      <p:cxnSp>
+        <p:nvCxnSpPr>
+          <p:cNvPr id="13" name="Straight Arrow Connector 12">
+            <a:extLst>
+              <a:ext uri="{FF2B5EF4-FFF2-40B4-BE49-F238E27FC236}">
+                <a16:creationId xmlns:a16="http://schemas.microsoft.com/office/drawing/2014/main" id="{57C73D4D-225F-C9D2-57A6-8F007E1C0559}"/>
+              </a:ext>
+            </a:extLst>
+          </p:cNvPr>
+          <p:cNvCxnSpPr/>
+          <p:nvPr/>
+        </p:nvCxnSpPr>
+        <p:spPr>
+          <a:xfrm flipV="1">
+            <a:off x="9903695" y="4235197"/>
+            <a:ext cx="0" cy="323165"/>
+          </a:xfrm>
+          <a:prstGeom prst="straightConnector1">
+            <a:avLst/>
+          </a:prstGeom>
+          <a:ln>
+            <a:tailEnd type="triangle"/>
+          </a:ln>
+        </p:spPr>
+        <p:style>
+          <a:lnRef idx="3">
+            <a:schemeClr val="accent2"/>
+          </a:lnRef>
+          <a:fillRef idx="0">
+            <a:schemeClr val="accent2"/>
+          </a:fillRef>
+          <a:effectRef idx="2">
+            <a:schemeClr val="accent2"/>
+          </a:effectRef>
+          <a:fontRef idx="minor">
+            <a:schemeClr val="tx1"/>
+          </a:fontRef>
+        </p:style>
+      </p:cxnSp>
+      <p:sp>
+        <p:nvSpPr>
+          <p:cNvPr id="3" name="Isosceles Triangle 2">
+            <a:extLst>
+              <a:ext uri="{FF2B5EF4-FFF2-40B4-BE49-F238E27FC236}">
+                <a16:creationId xmlns:a16="http://schemas.microsoft.com/office/drawing/2014/main" id="{81E3DCD2-49E0-EF12-1510-FC6A06A45D0A}"/>
+              </a:ext>
+            </a:extLst>
+          </p:cNvPr>
+          <p:cNvSpPr/>
+          <p:nvPr/>
+        </p:nvSpPr>
+        <p:spPr>
+          <a:xfrm>
+            <a:off x="2020036" y="4961252"/>
+            <a:ext cx="2148700" cy="1385891"/>
+          </a:xfrm>
+          <a:prstGeom prst="triangle">
+            <a:avLst/>
+          </a:prstGeom>
+          <a:noFill/>
+          <a:ln w="9525" cap="flat" cmpd="sng" algn="ctr">
+            <a:solidFill>
+              <a:schemeClr val="accent2"/>
+            </a:solidFill>
+            <a:prstDash val="solid"/>
+            <a:round/>
+            <a:headEnd type="none" w="med" len="med"/>
+            <a:tailEnd type="none" w="med" len="med"/>
+          </a:ln>
+        </p:spPr>
+        <p:style>
+          <a:lnRef idx="0">
+            <a:scrgbClr r="0" g="0" b="0"/>
+          </a:lnRef>
+          <a:fillRef idx="0">
+            <a:scrgbClr r="0" g="0" b="0"/>
+          </a:fillRef>
+          <a:effectRef idx="0">
+            <a:scrgbClr r="0" g="0" b="0"/>
+          </a:effectRef>
+          <a:fontRef idx="minor">
+            <a:schemeClr val="accent2"/>
+          </a:fontRef>
+        </p:style>
+        <p:txBody>
+          <a:bodyPr rtlCol="0" anchor="ctr"/>
+          <a:lstStyle/>
+          <a:p>
+            <a:pPr algn="ctr"/>
+            <a:endParaRPr lang="en-US"/>
+          </a:p>
+        </p:txBody>
+      </p:sp>
+      <p:sp>
+        <p:nvSpPr>
+          <p:cNvPr id="25" name="TextBox 24">
+            <a:extLst>
+              <a:ext uri="{FF2B5EF4-FFF2-40B4-BE49-F238E27FC236}">
+                <a16:creationId xmlns:a16="http://schemas.microsoft.com/office/drawing/2014/main" id="{FBEB360E-3D93-A69C-86E2-6E14D4A73D45}"/>
+              </a:ext>
+            </a:extLst>
+          </p:cNvPr>
+          <p:cNvSpPr txBox="1"/>
+          <p:nvPr/>
+        </p:nvSpPr>
+        <p:spPr>
+          <a:xfrm>
+            <a:off x="2911398" y="4944426"/>
+            <a:ext cx="312906" cy="369332"/>
+          </a:xfrm>
+          <a:prstGeom prst="rect">
+            <a:avLst/>
+          </a:prstGeom>
+          <a:noFill/>
+        </p:spPr>
+        <p:txBody>
+          <a:bodyPr wrap="none" rtlCol="0">
+            <a:spAutoFit/>
+          </a:bodyPr>
+          <a:lstStyle/>
+          <a:p>
+            <a:r>
+              <a:rPr lang="en-US" i="1" dirty="0">
+                <a:solidFill>
+                  <a:schemeClr val="accent2"/>
+                </a:solidFill>
+                <a:latin typeface="Times New Roman" panose="02020603050405020304" pitchFamily="18" charset="0"/>
+                <a:cs typeface="Times New Roman" panose="02020603050405020304" pitchFamily="18" charset="0"/>
+              </a:rPr>
+              <a:t>Y</a:t>
+            </a:r>
+          </a:p>
+        </p:txBody>
+      </p:sp>
+      <p:sp>
+        <p:nvSpPr>
+          <p:cNvPr id="27" name="Arrow: Right 26">
+            <a:extLst>
+              <a:ext uri="{FF2B5EF4-FFF2-40B4-BE49-F238E27FC236}">
+                <a16:creationId xmlns:a16="http://schemas.microsoft.com/office/drawing/2014/main" id="{D79B0CD1-5203-9CEB-0672-67E3E5C793FA}"/>
+              </a:ext>
+            </a:extLst>
+          </p:cNvPr>
+          <p:cNvSpPr/>
+          <p:nvPr/>
+        </p:nvSpPr>
+        <p:spPr>
+          <a:xfrm>
+            <a:off x="1023258" y="3491055"/>
+            <a:ext cx="816429" cy="344652"/>
+          </a:xfrm>
+          <a:prstGeom prst="rightArrow">
+            <a:avLst/>
+          </a:prstGeom>
+        </p:spPr>
+        <p:style>
+          <a:lnRef idx="2">
+            <a:schemeClr val="accent2">
+              <a:shade val="50000"/>
+            </a:schemeClr>
+          </a:lnRef>
+          <a:fillRef idx="1">
+            <a:schemeClr val="accent2"/>
+          </a:fillRef>
+          <a:effectRef idx="0">
+            <a:schemeClr val="accent2"/>
+          </a:effectRef>
+          <a:fontRef idx="minor">
+            <a:schemeClr val="lt1"/>
+          </a:fontRef>
+        </p:style>
+        <p:txBody>
+          <a:bodyPr rtlCol="0" anchor="ctr"/>
+          <a:lstStyle/>
+          <a:p>
+            <a:pPr algn="ctr"/>
+            <a:endParaRPr lang="en-US"/>
+          </a:p>
+        </p:txBody>
+      </p:sp>
+    </p:spTree>
+    <p:extLst>
+      <p:ext uri="{BB962C8B-B14F-4D97-AF65-F5344CB8AC3E}">
+        <p14:creationId xmlns:p14="http://schemas.microsoft.com/office/powerpoint/2010/main" val="2195474165"/>
+      </p:ext>
+    </p:extLst>
+  </p:cSld>
+  <p:clrMapOvr>
+    <a:masterClrMapping/>
+  </p:clrMapOvr>
+</p:sld>
+</file>
+
+<file path=ppt/slides/slide8.xml><?xml version="1.0" encoding="utf-8"?>
+<p:sld xmlns:a="http://schemas.openxmlformats.org/drawingml/2006/main" xmlns:r="http://schemas.openxmlformats.org/officeDocument/2006/relationships" xmlns:p="http://schemas.openxmlformats.org/presentationml/2006/main">
+  <p:cSld>
+    <p:spTree>
+      <p:nvGrpSpPr>
+        <p:cNvPr id="1" name=""/>
+        <p:cNvGrpSpPr/>
+        <p:nvPr/>
+      </p:nvGrpSpPr>
+      <p:grpSpPr>
+        <a:xfrm>
+          <a:off x="0" y="0"/>
+          <a:ext cx="0" cy="0"/>
+          <a:chOff x="0" y="0"/>
+          <a:chExt cx="0" cy="0"/>
+        </a:xfrm>
+      </p:grpSpPr>
+      <p:pic>
+        <p:nvPicPr>
+          <p:cNvPr id="5" name="Picture 4">
+            <a:extLst>
+              <a:ext uri="{FF2B5EF4-FFF2-40B4-BE49-F238E27FC236}">
+                <a16:creationId xmlns:a16="http://schemas.microsoft.com/office/drawing/2014/main" id="{C644422D-79F6-0C44-206E-71BEF041BF42}"/>
+              </a:ext>
+            </a:extLst>
+          </p:cNvPr>
+          <p:cNvPicPr>
+            <a:picLocks noChangeAspect="1"/>
+          </p:cNvPicPr>
+          <p:nvPr/>
+        </p:nvPicPr>
+        <p:blipFill>
+          <a:blip r:embed="rId2"/>
+          <a:stretch>
+            <a:fillRect/>
+          </a:stretch>
+        </p:blipFill>
+        <p:spPr>
+          <a:xfrm>
+            <a:off x="2366612" y="3746733"/>
+            <a:ext cx="8305800" cy="2790825"/>
+          </a:xfrm>
+          <a:prstGeom prst="rect">
+            <a:avLst/>
+          </a:prstGeom>
+        </p:spPr>
+      </p:pic>
+      <p:pic>
+        <p:nvPicPr>
+          <p:cNvPr id="6" name="Picture 5">
+            <a:extLst>
+              <a:ext uri="{FF2B5EF4-FFF2-40B4-BE49-F238E27FC236}">
+                <a16:creationId xmlns:a16="http://schemas.microsoft.com/office/drawing/2014/main" id="{DF92E04A-0C03-7819-87EC-BD382AC22593}"/>
+              </a:ext>
+            </a:extLst>
+          </p:cNvPr>
+          <p:cNvPicPr>
+            <a:picLocks noChangeAspect="1"/>
+          </p:cNvPicPr>
+          <p:nvPr/>
+        </p:nvPicPr>
+        <p:blipFill rotWithShape="1">
+          <a:blip r:embed="rId3"/>
+          <a:srcRect t="56585"/>
+          <a:stretch/>
+        </p:blipFill>
+        <p:spPr>
+          <a:xfrm>
+            <a:off x="2442812" y="906479"/>
+            <a:ext cx="8229600" cy="2522521"/>
+          </a:xfrm>
+          <a:prstGeom prst="rect">
+            <a:avLst/>
+          </a:prstGeom>
+        </p:spPr>
+      </p:pic>
+      <p:sp>
+        <p:nvSpPr>
+          <p:cNvPr id="7" name="Title 22">
+            <a:extLst>
+              <a:ext uri="{FF2B5EF4-FFF2-40B4-BE49-F238E27FC236}">
+                <a16:creationId xmlns:a16="http://schemas.microsoft.com/office/drawing/2014/main" id="{3F70F00F-6D25-B1F0-E17E-BF8C52416E2D}"/>
+              </a:ext>
+            </a:extLst>
+          </p:cNvPr>
+          <p:cNvSpPr txBox="1">
+            <a:spLocks/>
+          </p:cNvSpPr>
+          <p:nvPr/>
+        </p:nvSpPr>
+        <p:spPr>
+          <a:xfrm>
+            <a:off x="272158" y="245708"/>
+            <a:ext cx="2182004" cy="1325563"/>
+          </a:xfrm>
+          <a:prstGeom prst="rect">
+            <a:avLst/>
+          </a:prstGeom>
+        </p:spPr>
+        <p:txBody>
+          <a:bodyPr/>
+          <a:lstStyle>
+            <a:lvl1pPr algn="l" defTabSz="914400" rtl="0" eaLnBrk="1" latinLnBrk="0" hangingPunct="1">
+              <a:lnSpc>
+                <a:spcPct val="90000"/>
+              </a:lnSpc>
+              <a:spcBef>
+                <a:spcPct val="0"/>
+              </a:spcBef>
+              <a:buNone/>
+              <a:defRPr sz="4400" kern="1200">
+                <a:solidFill>
+                  <a:schemeClr val="tx1"/>
+                </a:solidFill>
+                <a:latin typeface="+mj-lt"/>
+                <a:ea typeface="+mj-ea"/>
+                <a:cs typeface="+mj-cs"/>
+              </a:defRPr>
+            </a:lvl1pPr>
+          </a:lstStyle>
+          <a:p>
+            <a:r>
+              <a:rPr lang="en-US" dirty="0"/>
+              <a:t>Double Rotation</a:t>
+            </a:r>
+          </a:p>
+        </p:txBody>
+      </p:sp>
+      <mc:AlternateContent xmlns:mc="http://schemas.openxmlformats.org/markup-compatibility/2006">
+        <mc:Choice xmlns:a14="http://schemas.microsoft.com/office/drawing/2010/main" Requires="a14">
+          <p:sp>
+            <p:nvSpPr>
+              <p:cNvPr id="8" name="TextBox 7">
+                <a:extLst>
+                  <a:ext uri="{FF2B5EF4-FFF2-40B4-BE49-F238E27FC236}">
+                    <a16:creationId xmlns:a16="http://schemas.microsoft.com/office/drawing/2014/main" id="{345AF420-CBB3-05DB-CA8D-60B3BE69D5E4}"/>
+                  </a:ext>
+                </a:extLst>
+              </p:cNvPr>
+              <p:cNvSpPr txBox="1"/>
+              <p:nvPr/>
+            </p:nvSpPr>
+            <p:spPr>
+              <a:xfrm>
+                <a:off x="4227424" y="875686"/>
+                <a:ext cx="4293785" cy="923330"/>
+              </a:xfrm>
+              <a:prstGeom prst="rect">
+                <a:avLst/>
+              </a:prstGeom>
+              <a:noFill/>
+            </p:spPr>
+            <p:txBody>
+              <a:bodyPr wrap="square" rtlCol="0">
+                <a:spAutoFit/>
+              </a:bodyPr>
+              <a:lstStyle/>
+              <a:p>
+                <a:pPr algn="ctr"/>
+                <a:r>
+                  <a:rPr lang="en-US" dirty="0"/>
+                  <a:t>r</a:t>
+                </a:r>
+                <a14:m>
+                  <m:oMath xmlns:m="http://schemas.openxmlformats.org/officeDocument/2006/math">
+                    <m:r>
+                      <m:rPr>
+                        <m:sty m:val="p"/>
+                      </m:rPr>
+                      <a:rPr lang="en-US">
+                        <a:latin typeface="Cambria Math" panose="02040503050406030204" pitchFamily="18" charset="0"/>
+                      </a:rPr>
+                      <m:t>otate</m:t>
+                    </m:r>
+                    <m:r>
+                      <a:rPr lang="en-US">
+                        <a:latin typeface="Cambria Math" panose="02040503050406030204" pitchFamily="18" charset="0"/>
+                      </a:rPr>
+                      <m:t> </m:t>
+                    </m:r>
+                    <m:sSub>
+                      <m:sSubPr>
+                        <m:ctrlPr>
+                          <a:rPr lang="en-US" i="1">
+                            <a:latin typeface="Cambria Math" panose="02040503050406030204" pitchFamily="18" charset="0"/>
+                          </a:rPr>
+                        </m:ctrlPr>
+                      </m:sSubPr>
+                      <m:e>
+                        <m:r>
+                          <a:rPr lang="en-US" i="1">
+                            <a:latin typeface="Cambria Math" panose="02040503050406030204" pitchFamily="18" charset="0"/>
+                          </a:rPr>
+                          <m:t>𝑘</m:t>
+                        </m:r>
+                      </m:e>
+                      <m:sub>
+                        <m:r>
+                          <a:rPr lang="en-US" i="1">
+                            <a:latin typeface="Cambria Math" panose="02040503050406030204" pitchFamily="18" charset="0"/>
+                          </a:rPr>
+                          <m:t>1</m:t>
+                        </m:r>
+                      </m:sub>
+                    </m:sSub>
+                  </m:oMath>
+                </a14:m>
+                <a:r>
+                  <a:rPr lang="en-US" dirty="0"/>
+                  <a:t>with right child</a:t>
+                </a:r>
+              </a:p>
+              <a:p>
+                <a:pPr algn="ctr"/>
+                <a:r>
+                  <a:rPr lang="en-US" b="0" dirty="0"/>
+                  <a:t>+ </a:t>
+                </a:r>
+                <a:r>
+                  <a:rPr lang="en-US" dirty="0"/>
+                  <a:t>R</a:t>
+                </a:r>
+                <a14:m>
+                  <m:oMath xmlns:m="http://schemas.openxmlformats.org/officeDocument/2006/math">
+                    <m:r>
+                      <m:rPr>
+                        <m:sty m:val="p"/>
+                      </m:rPr>
+                      <a:rPr lang="en-US">
+                        <a:latin typeface="Cambria Math" panose="02040503050406030204" pitchFamily="18" charset="0"/>
+                      </a:rPr>
+                      <m:t>otate</m:t>
+                    </m:r>
+                    <m:r>
+                      <a:rPr lang="en-US">
+                        <a:latin typeface="Cambria Math" panose="02040503050406030204" pitchFamily="18" charset="0"/>
+                      </a:rPr>
+                      <m:t> </m:t>
+                    </m:r>
+                    <m:sSub>
+                      <m:sSubPr>
+                        <m:ctrlPr>
+                          <a:rPr lang="en-US" i="1">
+                            <a:latin typeface="Cambria Math" panose="02040503050406030204" pitchFamily="18" charset="0"/>
+                          </a:rPr>
+                        </m:ctrlPr>
+                      </m:sSubPr>
+                      <m:e>
+                        <m:r>
+                          <a:rPr lang="en-US" i="1">
+                            <a:latin typeface="Cambria Math" panose="02040503050406030204" pitchFamily="18" charset="0"/>
+                          </a:rPr>
+                          <m:t>𝑘</m:t>
+                        </m:r>
+                      </m:e>
+                      <m:sub>
+                        <m:r>
+                          <a:rPr lang="en-US" i="1">
+                            <a:latin typeface="Cambria Math" panose="02040503050406030204" pitchFamily="18" charset="0"/>
+                          </a:rPr>
+                          <m:t>3</m:t>
+                        </m:r>
+                      </m:sub>
+                    </m:sSub>
+                  </m:oMath>
+                </a14:m>
+                <a:r>
+                  <a:rPr lang="en-US" dirty="0"/>
+                  <a:t>with left child</a:t>
+                </a:r>
+              </a:p>
+              <a:p>
+                <a:pPr algn="ctr"/>
+                <a:endParaRPr lang="en-US" b="0" dirty="0"/>
+              </a:p>
+            </p:txBody>
+          </p:sp>
+        </mc:Choice>
+        <mc:Fallback>
+          <p:sp>
+            <p:nvSpPr>
+              <p:cNvPr id="8" name="TextBox 7">
+                <a:extLst>
+                  <a:ext uri="{FF2B5EF4-FFF2-40B4-BE49-F238E27FC236}">
+                    <a16:creationId xmlns:a16="http://schemas.microsoft.com/office/drawing/2014/main" id="{345AF420-CBB3-05DB-CA8D-60B3BE69D5E4}"/>
+                  </a:ext>
+                </a:extLst>
+              </p:cNvPr>
+              <p:cNvSpPr txBox="1">
+                <a:spLocks noRot="1" noChangeAspect="1" noMove="1" noResize="1" noEditPoints="1" noAdjustHandles="1" noChangeArrowheads="1" noChangeShapeType="1" noTextEdit="1"/>
+              </p:cNvSpPr>
+              <p:nvPr/>
+            </p:nvSpPr>
+            <p:spPr>
+              <a:xfrm>
+                <a:off x="4227424" y="875686"/>
+                <a:ext cx="4293785" cy="923330"/>
+              </a:xfrm>
+              <a:prstGeom prst="rect">
+                <a:avLst/>
+              </a:prstGeom>
+              <a:blipFill>
+                <a:blip r:embed="rId4"/>
+                <a:stretch>
+                  <a:fillRect t="-3974"/>
+                </a:stretch>
+              </a:blipFill>
+            </p:spPr>
+            <p:txBody>
+              <a:bodyPr/>
+              <a:lstStyle/>
+              <a:p>
+                <a:r>
+                  <a:rPr lang="en-US">
+                    <a:noFill/>
+                  </a:rPr>
+                  <a:t> </a:t>
+                </a:r>
+              </a:p>
+            </p:txBody>
+          </p:sp>
+        </mc:Fallback>
+      </mc:AlternateContent>
+      <p:sp>
+        <p:nvSpPr>
+          <p:cNvPr id="2" name="TextBox 1">
+            <a:extLst>
+              <a:ext uri="{FF2B5EF4-FFF2-40B4-BE49-F238E27FC236}">
+                <a16:creationId xmlns:a16="http://schemas.microsoft.com/office/drawing/2014/main" id="{D25EF209-E5AD-342D-64D0-185DBE5C9E9D}"/>
+              </a:ext>
+            </a:extLst>
+          </p:cNvPr>
+          <p:cNvSpPr txBox="1"/>
+          <p:nvPr/>
+        </p:nvSpPr>
+        <p:spPr>
+          <a:xfrm rot="5400000">
+            <a:off x="9249989" y="3312606"/>
+            <a:ext cx="4532138" cy="461665"/>
+          </a:xfrm>
+          <a:prstGeom prst="rect">
+            <a:avLst/>
+          </a:prstGeom>
+          <a:noFill/>
+        </p:spPr>
+        <p:txBody>
+          <a:bodyPr wrap="none" rtlCol="0">
+            <a:spAutoFit/>
+          </a:bodyPr>
+          <a:lstStyle/>
+          <a:p>
+            <a:r>
+              <a:rPr lang="en-US" sz="2400" dirty="0"/>
+              <a:t>These cases a perfectly symmetric!</a:t>
+            </a:r>
+          </a:p>
+        </p:txBody>
+      </p:sp>
+      <p:cxnSp>
+        <p:nvCxnSpPr>
+          <p:cNvPr id="3" name="Straight Arrow Connector 2">
+            <a:extLst>
+              <a:ext uri="{FF2B5EF4-FFF2-40B4-BE49-F238E27FC236}">
+                <a16:creationId xmlns:a16="http://schemas.microsoft.com/office/drawing/2014/main" id="{A77A2242-771C-BCB0-22BF-341ED5BB5FC4}"/>
+              </a:ext>
+            </a:extLst>
+          </p:cNvPr>
+          <p:cNvCxnSpPr/>
+          <p:nvPr/>
+        </p:nvCxnSpPr>
+        <p:spPr>
+          <a:xfrm flipV="1">
+            <a:off x="8521209" y="793983"/>
             <a:ext cx="0" cy="323165"/>
           </a:xfrm>
           <a:prstGeom prst="straightConnector1">
@@ -11185,48 +11887,7 @@
           <p:cNvPr id="4" name="Straight Arrow Connector 3">
             <a:extLst>
               <a:ext uri="{FF2B5EF4-FFF2-40B4-BE49-F238E27FC236}">
-                <a16:creationId xmlns:a16="http://schemas.microsoft.com/office/drawing/2014/main" id="{9BCDDF26-1E8B-4DB5-3E30-47912C9987D8}"/>
-              </a:ext>
-            </a:extLst>
-          </p:cNvPr>
-          <p:cNvCxnSpPr>
-            <a:endCxn id="50" idx="1"/>
-          </p:cNvCxnSpPr>
-          <p:nvPr/>
-        </p:nvCxnSpPr>
-        <p:spPr>
-          <a:xfrm>
-            <a:off x="1360714" y="3650335"/>
-            <a:ext cx="547553" cy="3614"/>
-          </a:xfrm>
-          <a:prstGeom prst="straightConnector1">
-            <a:avLst/>
-          </a:prstGeom>
-          <a:ln>
-            <a:tailEnd type="triangle"/>
-          </a:ln>
-        </p:spPr>
-        <p:style>
-          <a:lnRef idx="1">
-            <a:schemeClr val="accent1"/>
-          </a:lnRef>
-          <a:fillRef idx="0">
-            <a:schemeClr val="accent1"/>
-          </a:fillRef>
-          <a:effectRef idx="0">
-            <a:schemeClr val="accent1"/>
-          </a:effectRef>
-          <a:fontRef idx="minor">
-            <a:schemeClr val="tx1"/>
-          </a:fontRef>
-        </p:style>
-      </p:cxnSp>
-      <p:cxnSp>
-        <p:nvCxnSpPr>
-          <p:cNvPr id="12" name="Straight Arrow Connector 11">
-            <a:extLst>
-              <a:ext uri="{FF2B5EF4-FFF2-40B4-BE49-F238E27FC236}">
-                <a16:creationId xmlns:a16="http://schemas.microsoft.com/office/drawing/2014/main" id="{5C332A3A-09F0-230D-E96B-CA89CE303BEB}"/>
+                <a16:creationId xmlns:a16="http://schemas.microsoft.com/office/drawing/2014/main" id="{DE9B5137-CD31-0BBA-8B96-1A183C1741AF}"/>
               </a:ext>
             </a:extLst>
           </p:cNvPr>
@@ -11235,46 +11896,7 @@
         </p:nvCxnSpPr>
         <p:spPr>
           <a:xfrm flipV="1">
-            <a:off x="6335303" y="4558362"/>
-            <a:ext cx="0" cy="323165"/>
-          </a:xfrm>
-          <a:prstGeom prst="straightConnector1">
-            <a:avLst/>
-          </a:prstGeom>
-          <a:ln>
-            <a:tailEnd type="triangle"/>
-          </a:ln>
-        </p:spPr>
-        <p:style>
-          <a:lnRef idx="3">
-            <a:schemeClr val="accent2"/>
-          </a:lnRef>
-          <a:fillRef idx="0">
-            <a:schemeClr val="accent2"/>
-          </a:fillRef>
-          <a:effectRef idx="2">
-            <a:schemeClr val="accent2"/>
-          </a:effectRef>
-          <a:fontRef idx="minor">
-            <a:schemeClr val="tx1"/>
-          </a:fontRef>
-        </p:style>
-      </p:cxnSp>
-      <p:cxnSp>
-        <p:nvCxnSpPr>
-          <p:cNvPr id="13" name="Straight Arrow Connector 12">
-            <a:extLst>
-              <a:ext uri="{FF2B5EF4-FFF2-40B4-BE49-F238E27FC236}">
-                <a16:creationId xmlns:a16="http://schemas.microsoft.com/office/drawing/2014/main" id="{57C73D4D-225F-C9D2-57A6-8F007E1C0559}"/>
-              </a:ext>
-            </a:extLst>
-          </p:cNvPr>
-          <p:cNvCxnSpPr/>
-          <p:nvPr/>
-        </p:nvCxnSpPr>
-        <p:spPr>
-          <a:xfrm flipV="1">
-            <a:off x="9903695" y="4235197"/>
+            <a:off x="8455896" y="3724961"/>
             <a:ext cx="0" cy="323165"/>
           </a:xfrm>
           <a:prstGeom prst="straightConnector1">
@@ -11303,10 +11925,10 @@
         <mc:Choice xmlns:a14="http://schemas.microsoft.com/office/drawing/2010/main" Requires="a14">
           <p:sp>
             <p:nvSpPr>
-              <p:cNvPr id="23" name="TextBox 22">
+              <p:cNvPr id="10" name="TextBox 9">
                 <a:extLst>
                   <a:ext uri="{FF2B5EF4-FFF2-40B4-BE49-F238E27FC236}">
-                    <a16:creationId xmlns:a16="http://schemas.microsoft.com/office/drawing/2014/main" id="{666E9B36-5D92-BE7E-2DB1-AFA1C4C71A33}"/>
+                    <a16:creationId xmlns:a16="http://schemas.microsoft.com/office/drawing/2014/main" id="{1F8F2B3C-7259-2F14-204C-1B4D62D4C724}"/>
                   </a:ext>
                 </a:extLst>
               </p:cNvPr>
@@ -11315,8 +11937,203 @@
             </p:nvSpPr>
             <p:spPr>
               <a:xfrm>
-                <a:off x="2108326" y="6335926"/>
-                <a:ext cx="1919051" cy="369332"/>
+                <a:off x="4092488" y="3870589"/>
+                <a:ext cx="4293785" cy="923330"/>
+              </a:xfrm>
+              <a:prstGeom prst="rect">
+                <a:avLst/>
+              </a:prstGeom>
+              <a:noFill/>
+            </p:spPr>
+            <p:txBody>
+              <a:bodyPr wrap="square" rtlCol="0">
+                <a:spAutoFit/>
+              </a:bodyPr>
+              <a:lstStyle/>
+              <a:p>
+                <a:pPr algn="ctr"/>
+                <a:r>
+                  <a:rPr lang="en-US" dirty="0"/>
+                  <a:t>r</a:t>
+                </a:r>
+                <a14:m>
+                  <m:oMath xmlns:m="http://schemas.openxmlformats.org/officeDocument/2006/math">
+                    <m:r>
+                      <m:rPr>
+                        <m:sty m:val="p"/>
+                      </m:rPr>
+                      <a:rPr lang="en-US">
+                        <a:latin typeface="Cambria Math" panose="02040503050406030204" pitchFamily="18" charset="0"/>
+                      </a:rPr>
+                      <m:t>otate</m:t>
+                    </m:r>
+                    <m:r>
+                      <a:rPr lang="en-US">
+                        <a:latin typeface="Cambria Math" panose="02040503050406030204" pitchFamily="18" charset="0"/>
+                      </a:rPr>
+                      <m:t> </m:t>
+                    </m:r>
+                    <m:sSub>
+                      <m:sSubPr>
+                        <m:ctrlPr>
+                          <a:rPr lang="en-US" i="1">
+                            <a:latin typeface="Cambria Math" panose="02040503050406030204" pitchFamily="18" charset="0"/>
+                          </a:rPr>
+                        </m:ctrlPr>
+                      </m:sSubPr>
+                      <m:e>
+                        <m:r>
+                          <a:rPr lang="en-US" i="1">
+                            <a:latin typeface="Cambria Math" panose="02040503050406030204" pitchFamily="18" charset="0"/>
+                          </a:rPr>
+                          <m:t>𝑘</m:t>
+                        </m:r>
+                      </m:e>
+                      <m:sub>
+                        <m:r>
+                          <a:rPr lang="en-US" b="0" i="1" smtClean="0">
+                            <a:latin typeface="Cambria Math" panose="02040503050406030204" pitchFamily="18" charset="0"/>
+                          </a:rPr>
+                          <m:t>3</m:t>
+                        </m:r>
+                      </m:sub>
+                    </m:sSub>
+                  </m:oMath>
+                </a14:m>
+                <a:r>
+                  <a:rPr lang="en-US" dirty="0"/>
+                  <a:t>with left child</a:t>
+                </a:r>
+              </a:p>
+              <a:p>
+                <a:pPr algn="ctr"/>
+                <a:r>
+                  <a:rPr lang="en-US" b="0" dirty="0"/>
+                  <a:t>+ </a:t>
+                </a:r>
+                <a:r>
+                  <a:rPr lang="en-US" dirty="0"/>
+                  <a:t>R</a:t>
+                </a:r>
+                <a14:m>
+                  <m:oMath xmlns:m="http://schemas.openxmlformats.org/officeDocument/2006/math">
+                    <m:r>
+                      <m:rPr>
+                        <m:sty m:val="p"/>
+                      </m:rPr>
+                      <a:rPr lang="en-US">
+                        <a:latin typeface="Cambria Math" panose="02040503050406030204" pitchFamily="18" charset="0"/>
+                      </a:rPr>
+                      <m:t>otate</m:t>
+                    </m:r>
+                    <m:r>
+                      <a:rPr lang="en-US">
+                        <a:latin typeface="Cambria Math" panose="02040503050406030204" pitchFamily="18" charset="0"/>
+                      </a:rPr>
+                      <m:t> </m:t>
+                    </m:r>
+                    <m:sSub>
+                      <m:sSubPr>
+                        <m:ctrlPr>
+                          <a:rPr lang="en-US" i="1">
+                            <a:latin typeface="Cambria Math" panose="02040503050406030204" pitchFamily="18" charset="0"/>
+                          </a:rPr>
+                        </m:ctrlPr>
+                      </m:sSubPr>
+                      <m:e>
+                        <m:r>
+                          <a:rPr lang="en-US" i="1">
+                            <a:latin typeface="Cambria Math" panose="02040503050406030204" pitchFamily="18" charset="0"/>
+                          </a:rPr>
+                          <m:t>𝑘</m:t>
+                        </m:r>
+                      </m:e>
+                      <m:sub>
+                        <m:r>
+                          <a:rPr lang="en-US" b="0" i="1" smtClean="0">
+                            <a:latin typeface="Cambria Math" panose="02040503050406030204" pitchFamily="18" charset="0"/>
+                          </a:rPr>
+                          <m:t>1</m:t>
+                        </m:r>
+                      </m:sub>
+                    </m:sSub>
+                  </m:oMath>
+                </a14:m>
+                <a:r>
+                  <a:rPr lang="en-US" dirty="0"/>
+                  <a:t>with right child</a:t>
+                </a:r>
+              </a:p>
+              <a:p>
+                <a:pPr algn="ctr"/>
+                <a:endParaRPr lang="en-US" b="0" dirty="0"/>
+              </a:p>
+            </p:txBody>
+          </p:sp>
+        </mc:Choice>
+        <mc:Fallback>
+          <p:sp>
+            <p:nvSpPr>
+              <p:cNvPr id="10" name="TextBox 9">
+                <a:extLst>
+                  <a:ext uri="{FF2B5EF4-FFF2-40B4-BE49-F238E27FC236}">
+                    <a16:creationId xmlns:a16="http://schemas.microsoft.com/office/drawing/2014/main" id="{1F8F2B3C-7259-2F14-204C-1B4D62D4C724}"/>
+                  </a:ext>
+                </a:extLst>
+              </p:cNvPr>
+              <p:cNvSpPr txBox="1">
+                <a:spLocks noRot="1" noChangeAspect="1" noMove="1" noResize="1" noEditPoints="1" noAdjustHandles="1" noChangeArrowheads="1" noChangeShapeType="1" noTextEdit="1"/>
+              </p:cNvSpPr>
+              <p:nvPr/>
+            </p:nvSpPr>
+            <p:spPr>
+              <a:xfrm>
+                <a:off x="4092488" y="3870589"/>
+                <a:ext cx="4293785" cy="923330"/>
+              </a:xfrm>
+              <a:prstGeom prst="rect">
+                <a:avLst/>
+              </a:prstGeom>
+              <a:blipFill>
+                <a:blip r:embed="rId5"/>
+                <a:stretch>
+                  <a:fillRect t="-3974"/>
+                </a:stretch>
+              </a:blipFill>
+            </p:spPr>
+            <p:txBody>
+              <a:bodyPr/>
+              <a:lstStyle/>
+              <a:p>
+                <a:r>
+                  <a:rPr lang="en-US">
+                    <a:noFill/>
+                  </a:rPr>
+                  <a:t> </a:t>
+                </a:r>
+              </a:p>
+            </p:txBody>
+          </p:sp>
+        </mc:Fallback>
+      </mc:AlternateContent>
+      <mc:AlternateContent xmlns:mc="http://schemas.openxmlformats.org/markup-compatibility/2006">
+        <mc:Choice xmlns:a14="http://schemas.microsoft.com/office/drawing/2010/main" Requires="a14">
+          <p:sp>
+            <p:nvSpPr>
+              <p:cNvPr id="11" name="TextBox 10">
+                <a:extLst>
+                  <a:ext uri="{FF2B5EF4-FFF2-40B4-BE49-F238E27FC236}">
+                    <a16:creationId xmlns:a16="http://schemas.microsoft.com/office/drawing/2014/main" id="{AAAC5942-F655-42BA-32FC-AE0F9D2AD156}"/>
+                  </a:ext>
+                </a:extLst>
+              </p:cNvPr>
+              <p:cNvSpPr txBox="1"/>
+              <p:nvPr/>
+            </p:nvSpPr>
+            <p:spPr>
+              <a:xfrm>
+                <a:off x="8521209" y="3678794"/>
+                <a:ext cx="1870961" cy="369332"/>
               </a:xfrm>
               <a:prstGeom prst="rect">
                 <a:avLst/>
@@ -11335,7 +12152,7 @@
                       <a:schemeClr val="accent2"/>
                     </a:solidFill>
                   </a:rPr>
-                  <a:t>= Pull up </a:t>
+                  <a:t>“pull </a:t>
                 </a:r>
                 <a14:m>
                   <m:oMath xmlns:m="http://schemas.openxmlformats.org/officeDocument/2006/math">
@@ -11381,7 +12198,7 @@
                       <a:schemeClr val="accent2"/>
                     </a:solidFill>
                   </a:rPr>
-                  <a:t> twice!</a:t>
+                  <a:t> up twice”</a:t>
                 </a:r>
               </a:p>
             </p:txBody>
@@ -11390,10 +12207,10 @@
         <mc:Fallback>
           <p:sp>
             <p:nvSpPr>
-              <p:cNvPr id="23" name="TextBox 22">
+              <p:cNvPr id="11" name="TextBox 10">
                 <a:extLst>
                   <a:ext uri="{FF2B5EF4-FFF2-40B4-BE49-F238E27FC236}">
-                    <a16:creationId xmlns:a16="http://schemas.microsoft.com/office/drawing/2014/main" id="{666E9B36-5D92-BE7E-2DB1-AFA1C4C71A33}"/>
+                    <a16:creationId xmlns:a16="http://schemas.microsoft.com/office/drawing/2014/main" id="{AAAC5942-F655-42BA-32FC-AE0F9D2AD156}"/>
                   </a:ext>
                 </a:extLst>
               </p:cNvPr>
@@ -11404,16 +12221,16 @@
             </p:nvSpPr>
             <p:spPr>
               <a:xfrm>
-                <a:off x="2108326" y="6335926"/>
-                <a:ext cx="1919051" cy="369332"/>
+                <a:off x="8521209" y="3678794"/>
+                <a:ext cx="1870961" cy="369332"/>
               </a:xfrm>
               <a:prstGeom prst="rect">
                 <a:avLst/>
               </a:prstGeom>
               <a:blipFill>
-                <a:blip r:embed="rId13"/>
+                <a:blip r:embed="rId6"/>
                 <a:stretch>
-                  <a:fillRect l="-2857" t="-8197" r="-1905" b="-24590"/>
+                  <a:fillRect l="-2932" t="-8197" r="-2280" b="-24590"/>
                 </a:stretch>
               </a:blipFill>
             </p:spPr>
@@ -11432,155 +12249,14 @@
           </p:sp>
         </mc:Fallback>
       </mc:AlternateContent>
-    </p:spTree>
-    <p:extLst>
-      <p:ext uri="{BB962C8B-B14F-4D97-AF65-F5344CB8AC3E}">
-        <p14:creationId xmlns:p14="http://schemas.microsoft.com/office/powerpoint/2010/main" val="2195474165"/>
-      </p:ext>
-    </p:extLst>
-  </p:cSld>
-  <p:clrMapOvr>
-    <a:masterClrMapping/>
-  </p:clrMapOvr>
-</p:sld>
-</file>
-
-<file path=ppt/slides/slide8.xml><?xml version="1.0" encoding="utf-8"?>
-<p:sld xmlns:a="http://schemas.openxmlformats.org/drawingml/2006/main" xmlns:r="http://schemas.openxmlformats.org/officeDocument/2006/relationships" xmlns:p="http://schemas.openxmlformats.org/presentationml/2006/main">
-  <p:cSld>
-    <p:spTree>
-      <p:nvGrpSpPr>
-        <p:cNvPr id="1" name=""/>
-        <p:cNvGrpSpPr/>
-        <p:nvPr/>
-      </p:nvGrpSpPr>
-      <p:grpSpPr>
-        <a:xfrm>
-          <a:off x="0" y="0"/>
-          <a:ext cx="0" cy="0"/>
-          <a:chOff x="0" y="0"/>
-          <a:chExt cx="0" cy="0"/>
-        </a:xfrm>
-      </p:grpSpPr>
-      <p:pic>
-        <p:nvPicPr>
-          <p:cNvPr id="5" name="Picture 4">
-            <a:extLst>
-              <a:ext uri="{FF2B5EF4-FFF2-40B4-BE49-F238E27FC236}">
-                <a16:creationId xmlns:a16="http://schemas.microsoft.com/office/drawing/2014/main" id="{C644422D-79F6-0C44-206E-71BEF041BF42}"/>
-              </a:ext>
-            </a:extLst>
-          </p:cNvPr>
-          <p:cNvPicPr>
-            <a:picLocks noChangeAspect="1"/>
-          </p:cNvPicPr>
-          <p:nvPr/>
-        </p:nvPicPr>
-        <p:blipFill>
-          <a:blip r:embed="rId2"/>
-          <a:stretch>
-            <a:fillRect/>
-          </a:stretch>
-        </p:blipFill>
-        <p:spPr>
-          <a:xfrm>
-            <a:off x="2366612" y="3746733"/>
-            <a:ext cx="8305800" cy="2790825"/>
-          </a:xfrm>
-          <a:prstGeom prst="rect">
-            <a:avLst/>
-          </a:prstGeom>
-        </p:spPr>
-      </p:pic>
-      <p:pic>
-        <p:nvPicPr>
-          <p:cNvPr id="6" name="Picture 5">
-            <a:extLst>
-              <a:ext uri="{FF2B5EF4-FFF2-40B4-BE49-F238E27FC236}">
-                <a16:creationId xmlns:a16="http://schemas.microsoft.com/office/drawing/2014/main" id="{DF92E04A-0C03-7819-87EC-BD382AC22593}"/>
-              </a:ext>
-            </a:extLst>
-          </p:cNvPr>
-          <p:cNvPicPr>
-            <a:picLocks noChangeAspect="1"/>
-          </p:cNvPicPr>
-          <p:nvPr/>
-        </p:nvPicPr>
-        <p:blipFill rotWithShape="1">
-          <a:blip r:embed="rId3"/>
-          <a:srcRect t="56585"/>
-          <a:stretch/>
-        </p:blipFill>
-        <p:spPr>
-          <a:xfrm>
-            <a:off x="2442812" y="906479"/>
-            <a:ext cx="8229600" cy="2522521"/>
-          </a:xfrm>
-          <a:prstGeom prst="rect">
-            <a:avLst/>
-          </a:prstGeom>
-        </p:spPr>
-      </p:pic>
-      <p:sp>
-        <p:nvSpPr>
-          <p:cNvPr id="7" name="Title 22">
-            <a:extLst>
-              <a:ext uri="{FF2B5EF4-FFF2-40B4-BE49-F238E27FC236}">
-                <a16:creationId xmlns:a16="http://schemas.microsoft.com/office/drawing/2014/main" id="{3F70F00F-6D25-B1F0-E17E-BF8C52416E2D}"/>
-              </a:ext>
-            </a:extLst>
-          </p:cNvPr>
-          <p:cNvSpPr txBox="1">
-            <a:spLocks/>
-          </p:cNvSpPr>
-          <p:nvPr/>
-        </p:nvSpPr>
-        <p:spPr>
-          <a:xfrm>
-            <a:off x="272158" y="245708"/>
-            <a:ext cx="2182004" cy="1325563"/>
-          </a:xfrm>
-          <a:prstGeom prst="rect">
-            <a:avLst/>
-          </a:prstGeom>
-        </p:spPr>
-        <p:txBody>
-          <a:bodyPr/>
-          <a:lstStyle>
-            <a:lvl1pPr algn="l" defTabSz="914400" rtl="0" eaLnBrk="1" latinLnBrk="0" hangingPunct="1">
-              <a:lnSpc>
-                <a:spcPct val="90000"/>
-              </a:lnSpc>
-              <a:spcBef>
-                <a:spcPct val="0"/>
-              </a:spcBef>
-              <a:buNone/>
-              <a:defRPr sz="4400" kern="1200">
-                <a:solidFill>
-                  <a:schemeClr val="tx1"/>
-                </a:solidFill>
-                <a:latin typeface="+mj-lt"/>
-                <a:ea typeface="+mj-ea"/>
-                <a:cs typeface="+mj-cs"/>
-              </a:defRPr>
-            </a:lvl1pPr>
-          </a:lstStyle>
-          <a:p>
-            <a:r>
-              <a:rPr lang="en-US" dirty="0"/>
-              <a:t>Double Rotation</a:t>
-            </a:r>
-          </a:p>
-        </p:txBody>
-      </p:sp>
-      <mc:AlternateContent xmlns:mc="http://schemas.openxmlformats.org/markup-compatibility/2006" xmlns:a14="http://schemas.microsoft.com/office/drawing/2010/main">
-        <mc:Choice Requires="a14">
+      <mc:AlternateContent xmlns:mc="http://schemas.openxmlformats.org/markup-compatibility/2006">
+        <mc:Choice xmlns:a14="http://schemas.microsoft.com/office/drawing/2010/main" Requires="a14">
           <p:sp>
             <p:nvSpPr>
-              <p:cNvPr id="8" name="TextBox 7">
+              <p:cNvPr id="12" name="TextBox 11">
                 <a:extLst>
                   <a:ext uri="{FF2B5EF4-FFF2-40B4-BE49-F238E27FC236}">
-                    <a16:creationId xmlns:a16="http://schemas.microsoft.com/office/drawing/2014/main" id="{345AF420-CBB3-05DB-CA8D-60B3BE69D5E4}"/>
+                    <a16:creationId xmlns:a16="http://schemas.microsoft.com/office/drawing/2014/main" id="{C4FD3A26-22E7-4EC5-53C8-4512EEA17036}"/>
                   </a:ext>
                 </a:extLst>
               </p:cNvPr>
@@ -11589,8 +12265,8 @@
             </p:nvSpPr>
             <p:spPr>
               <a:xfrm>
-                <a:off x="5187672" y="793983"/>
-                <a:ext cx="2169740" cy="646331"/>
+                <a:off x="8521209" y="650376"/>
+                <a:ext cx="1870961" cy="369332"/>
               </a:xfrm>
               <a:prstGeom prst="rect">
                 <a:avLst/>
@@ -11598,37 +12274,28 @@
               <a:noFill/>
             </p:spPr>
             <p:txBody>
-              <a:bodyPr wrap="square" rtlCol="0">
+              <a:bodyPr wrap="none" rtlCol="0">
                 <a:spAutoFit/>
               </a:bodyPr>
               <a:lstStyle/>
               <a:p>
-                <a:pPr algn="ctr"/>
                 <a:r>
-                  <a:rPr lang="en-US" dirty="0"/>
-                  <a:t>R</a:t>
+                  <a:rPr lang="en-US" dirty="0">
+                    <a:solidFill>
+                      <a:schemeClr val="accent2"/>
+                    </a:solidFill>
+                  </a:rPr>
+                  <a:t>“pull </a:t>
                 </a:r>
                 <a14:m>
                   <m:oMath xmlns:m="http://schemas.openxmlformats.org/officeDocument/2006/math">
-                    <m:r>
-                      <m:rPr>
-                        <m:sty m:val="p"/>
-                      </m:rPr>
-                      <a:rPr lang="en-US" b="0" i="0" smtClean="0">
-                        <a:latin typeface="Cambria Math" panose="02040503050406030204" pitchFamily="18" charset="0"/>
-                      </a:rPr>
-                      <m:t>otate</m:t>
-                    </m:r>
-                    <m:r>
-                      <a:rPr lang="en-US" b="0" i="0" smtClean="0">
-                        <a:latin typeface="Cambria Math" panose="02040503050406030204" pitchFamily="18" charset="0"/>
-                      </a:rPr>
-                      <m:t> </m:t>
-                    </m:r>
                     <m:sSub>
                       <m:sSubPr>
                         <m:ctrlPr>
                           <a:rPr lang="en-US" b="0" i="1" smtClean="0">
+                            <a:solidFill>
+                              <a:schemeClr val="accent2"/>
+                            </a:solidFill>
                             <a:latin typeface="Cambria Math" panose="02040503050406030204" pitchFamily="18" charset="0"/>
                           </a:rPr>
                         </m:ctrlPr>
@@ -11636,6 +12303,9 @@
                       <m:e>
                         <m:r>
                           <a:rPr lang="en-US" b="0" i="1" smtClean="0">
+                            <a:solidFill>
+                              <a:schemeClr val="accent2"/>
+                            </a:solidFill>
                             <a:latin typeface="Cambria Math" panose="02040503050406030204" pitchFamily="18" charset="0"/>
                           </a:rPr>
                           <m:t>𝑘</m:t>
@@ -11644,39 +12314,9 @@
                       <m:sub>
                         <m:r>
                           <a:rPr lang="en-US" b="0" i="1" smtClean="0">
-                            <a:latin typeface="Cambria Math" panose="02040503050406030204" pitchFamily="18" charset="0"/>
-                          </a:rPr>
-                          <m:t>1</m:t>
-                        </m:r>
-                      </m:sub>
-                    </m:sSub>
-                  </m:oMath>
-                </a14:m>
-                <a:r>
-                  <a:rPr lang="en-US" b="0" dirty="0"/>
-                  <a:t> and </a:t>
-                </a:r>
-                <a14:m>
-                  <m:oMath xmlns:m="http://schemas.openxmlformats.org/officeDocument/2006/math">
-                    <m:sSub>
-                      <m:sSubPr>
-                        <m:ctrlPr>
-                          <a:rPr lang="en-US" b="0" i="1" smtClean="0">
-                            <a:latin typeface="Cambria Math" panose="02040503050406030204" pitchFamily="18" charset="0"/>
-                          </a:rPr>
-                        </m:ctrlPr>
-                      </m:sSubPr>
-                      <m:e>
-                        <m:r>
-                          <a:rPr lang="en-US" b="0" i="1" smtClean="0">
-                            <a:latin typeface="Cambria Math" panose="02040503050406030204" pitchFamily="18" charset="0"/>
-                          </a:rPr>
-                          <m:t>𝑘</m:t>
-                        </m:r>
-                      </m:e>
-                      <m:sub>
-                        <m:r>
-                          <a:rPr lang="en-US" b="0" i="1" smtClean="0">
+                            <a:solidFill>
+                              <a:schemeClr val="accent2"/>
+                            </a:solidFill>
                             <a:latin typeface="Cambria Math" panose="02040503050406030204" pitchFamily="18" charset="0"/>
                           </a:rPr>
                           <m:t>2</m:t>
@@ -11685,106 +12325,25 @@
                     </m:sSub>
                   </m:oMath>
                 </a14:m>
-                <a:br>
-                  <a:rPr lang="en-US" b="0" dirty="0"/>
-                </a:br>
                 <a:r>
-                  <a:rPr lang="en-US" b="0" dirty="0"/>
-                  <a:t>+ </a:t>
+                  <a:rPr lang="en-US" dirty="0">
+                    <a:solidFill>
+                      <a:schemeClr val="accent2"/>
+                    </a:solidFill>
+                  </a:rPr>
+                  <a:t> up twice”</a:t>
                 </a:r>
-                <a:r>
-                  <a:rPr lang="en-US" dirty="0"/>
-                  <a:t>r</a:t>
-                </a:r>
-                <a14:m>
-                  <m:oMath xmlns:m="http://schemas.openxmlformats.org/officeDocument/2006/math">
-                    <m:r>
-                      <m:rPr>
-                        <m:sty m:val="p"/>
-                      </m:rPr>
-                      <a:rPr lang="en-US" b="0" i="0" smtClean="0">
-                        <a:latin typeface="Cambria Math" panose="02040503050406030204" pitchFamily="18" charset="0"/>
-                      </a:rPr>
-                      <m:t>otate</m:t>
-                    </m:r>
-                    <m:r>
-                      <a:rPr lang="en-US" b="0" i="0" smtClean="0">
-                        <a:latin typeface="Cambria Math" panose="02040503050406030204" pitchFamily="18" charset="0"/>
-                      </a:rPr>
-                      <m:t> </m:t>
-                    </m:r>
-                    <m:sSub>
-                      <m:sSubPr>
-                        <m:ctrlPr>
-                          <a:rPr lang="en-US" b="0" i="1" smtClean="0">
-                            <a:latin typeface="Cambria Math" panose="02040503050406030204" pitchFamily="18" charset="0"/>
-                          </a:rPr>
-                        </m:ctrlPr>
-                      </m:sSubPr>
-                      <m:e>
-                        <m:r>
-                          <a:rPr lang="en-US" b="0" i="1" smtClean="0">
-                            <a:latin typeface="Cambria Math" panose="02040503050406030204" pitchFamily="18" charset="0"/>
-                          </a:rPr>
-                          <m:t>𝑘</m:t>
-                        </m:r>
-                      </m:e>
-                      <m:sub>
-                        <m:r>
-                          <a:rPr lang="en-US" b="0" i="1" smtClean="0">
-                            <a:latin typeface="Cambria Math" panose="02040503050406030204" pitchFamily="18" charset="0"/>
-                          </a:rPr>
-                          <m:t>3</m:t>
-                        </m:r>
-                      </m:sub>
-                    </m:sSub>
-                  </m:oMath>
-                </a14:m>
-                <a:r>
-                  <a:rPr lang="en-US" b="0" dirty="0"/>
-                  <a:t> and </a:t>
-                </a:r>
-                <a14:m>
-                  <m:oMath xmlns:m="http://schemas.openxmlformats.org/officeDocument/2006/math">
-                    <m:sSub>
-                      <m:sSubPr>
-                        <m:ctrlPr>
-                          <a:rPr lang="en-US" b="0" i="1" smtClean="0">
-                            <a:latin typeface="Cambria Math" panose="02040503050406030204" pitchFamily="18" charset="0"/>
-                          </a:rPr>
-                        </m:ctrlPr>
-                      </m:sSubPr>
-                      <m:e>
-                        <m:r>
-                          <a:rPr lang="en-US" b="0" i="1" smtClean="0">
-                            <a:latin typeface="Cambria Math" panose="02040503050406030204" pitchFamily="18" charset="0"/>
-                          </a:rPr>
-                          <m:t>𝑘</m:t>
-                        </m:r>
-                      </m:e>
-                      <m:sub>
-                        <m:r>
-                          <a:rPr lang="en-US" b="0" i="1" smtClean="0">
-                            <a:latin typeface="Cambria Math" panose="02040503050406030204" pitchFamily="18" charset="0"/>
-                          </a:rPr>
-                          <m:t>2</m:t>
-                        </m:r>
-                      </m:sub>
-                    </m:sSub>
-                  </m:oMath>
-                </a14:m>
-                <a:endParaRPr lang="en-US" b="0" dirty="0"/>
               </a:p>
             </p:txBody>
           </p:sp>
         </mc:Choice>
-        <mc:Fallback xmlns="">
+        <mc:Fallback>
           <p:sp>
             <p:nvSpPr>
-              <p:cNvPr id="8" name="TextBox 7">
+              <p:cNvPr id="12" name="TextBox 11">
                 <a:extLst>
                   <a:ext uri="{FF2B5EF4-FFF2-40B4-BE49-F238E27FC236}">
-                    <a16:creationId xmlns:a16="http://schemas.microsoft.com/office/drawing/2014/main" id="{345AF420-CBB3-05DB-CA8D-60B3BE69D5E4}"/>
+                    <a16:creationId xmlns:a16="http://schemas.microsoft.com/office/drawing/2014/main" id="{C4FD3A26-22E7-4EC5-53C8-4512EEA17036}"/>
                   </a:ext>
                 </a:extLst>
               </p:cNvPr>
@@ -11795,16 +12354,16 @@
             </p:nvSpPr>
             <p:spPr>
               <a:xfrm>
-                <a:off x="5187672" y="793983"/>
-                <a:ext cx="2169740" cy="646331"/>
+                <a:off x="8521209" y="650376"/>
+                <a:ext cx="1870961" cy="369332"/>
               </a:xfrm>
               <a:prstGeom prst="rect">
                 <a:avLst/>
               </a:prstGeom>
               <a:blipFill>
-                <a:blip r:embed="rId4"/>
+                <a:blip r:embed="rId7"/>
                 <a:stretch>
-                  <a:fillRect t="-4717" b="-14151"/>
+                  <a:fillRect l="-2932" t="-10000" r="-2280" b="-26667"/>
                 </a:stretch>
               </a:blipFill>
             </p:spPr>
@@ -11823,369 +12382,6 @@
           </p:sp>
         </mc:Fallback>
       </mc:AlternateContent>
-      <mc:AlternateContent xmlns:mc="http://schemas.openxmlformats.org/markup-compatibility/2006" xmlns:a14="http://schemas.microsoft.com/office/drawing/2010/main">
-        <mc:Choice Requires="a14">
-          <p:sp>
-            <p:nvSpPr>
-              <p:cNvPr id="9" name="TextBox 8">
-                <a:extLst>
-                  <a:ext uri="{FF2B5EF4-FFF2-40B4-BE49-F238E27FC236}">
-                    <a16:creationId xmlns:a16="http://schemas.microsoft.com/office/drawing/2014/main" id="{444488D7-A40B-AC9C-6F7C-168AA690E1FB}"/>
-                  </a:ext>
-                </a:extLst>
-              </p:cNvPr>
-              <p:cNvSpPr txBox="1"/>
-              <p:nvPr/>
-            </p:nvSpPr>
-            <p:spPr>
-              <a:xfrm>
-                <a:off x="5187672" y="3766605"/>
-                <a:ext cx="2169740" cy="646331"/>
-              </a:xfrm>
-              <a:prstGeom prst="rect">
-                <a:avLst/>
-              </a:prstGeom>
-              <a:noFill/>
-            </p:spPr>
-            <p:txBody>
-              <a:bodyPr wrap="square" rtlCol="0">
-                <a:spAutoFit/>
-              </a:bodyPr>
-              <a:lstStyle/>
-              <a:p>
-                <a:pPr algn="ctr"/>
-                <a:r>
-                  <a:rPr lang="en-US" dirty="0"/>
-                  <a:t>R</a:t>
-                </a:r>
-                <a14:m>
-                  <m:oMath xmlns:m="http://schemas.openxmlformats.org/officeDocument/2006/math">
-                    <m:r>
-                      <m:rPr>
-                        <m:sty m:val="p"/>
-                      </m:rPr>
-                      <a:rPr lang="en-US" b="0" i="0" smtClean="0">
-                        <a:latin typeface="Cambria Math" panose="02040503050406030204" pitchFamily="18" charset="0"/>
-                      </a:rPr>
-                      <m:t>otate</m:t>
-                    </m:r>
-                    <m:r>
-                      <a:rPr lang="en-US" b="0" i="0" smtClean="0">
-                        <a:latin typeface="Cambria Math" panose="02040503050406030204" pitchFamily="18" charset="0"/>
-                      </a:rPr>
-                      <m:t> </m:t>
-                    </m:r>
-                    <m:sSub>
-                      <m:sSubPr>
-                        <m:ctrlPr>
-                          <a:rPr lang="en-US" b="0" i="1" smtClean="0">
-                            <a:latin typeface="Cambria Math" panose="02040503050406030204" pitchFamily="18" charset="0"/>
-                          </a:rPr>
-                        </m:ctrlPr>
-                      </m:sSubPr>
-                      <m:e>
-                        <m:r>
-                          <a:rPr lang="en-US" b="0" i="1" smtClean="0">
-                            <a:latin typeface="Cambria Math" panose="02040503050406030204" pitchFamily="18" charset="0"/>
-                          </a:rPr>
-                          <m:t>𝑘</m:t>
-                        </m:r>
-                      </m:e>
-                      <m:sub>
-                        <m:r>
-                          <a:rPr lang="en-US" b="0" i="1" smtClean="0">
-                            <a:latin typeface="Cambria Math" panose="02040503050406030204" pitchFamily="18" charset="0"/>
-                          </a:rPr>
-                          <m:t>3</m:t>
-                        </m:r>
-                      </m:sub>
-                    </m:sSub>
-                  </m:oMath>
-                </a14:m>
-                <a:r>
-                  <a:rPr lang="en-US" b="0" dirty="0"/>
-                  <a:t> and </a:t>
-                </a:r>
-                <a14:m>
-                  <m:oMath xmlns:m="http://schemas.openxmlformats.org/officeDocument/2006/math">
-                    <m:sSub>
-                      <m:sSubPr>
-                        <m:ctrlPr>
-                          <a:rPr lang="en-US" b="0" i="1" smtClean="0">
-                            <a:latin typeface="Cambria Math" panose="02040503050406030204" pitchFamily="18" charset="0"/>
-                          </a:rPr>
-                        </m:ctrlPr>
-                      </m:sSubPr>
-                      <m:e>
-                        <m:r>
-                          <a:rPr lang="en-US" b="0" i="1" smtClean="0">
-                            <a:latin typeface="Cambria Math" panose="02040503050406030204" pitchFamily="18" charset="0"/>
-                          </a:rPr>
-                          <m:t>𝑘</m:t>
-                        </m:r>
-                      </m:e>
-                      <m:sub>
-                        <m:r>
-                          <a:rPr lang="en-US" b="0" i="1" smtClean="0">
-                            <a:latin typeface="Cambria Math" panose="02040503050406030204" pitchFamily="18" charset="0"/>
-                          </a:rPr>
-                          <m:t>2</m:t>
-                        </m:r>
-                      </m:sub>
-                    </m:sSub>
-                  </m:oMath>
-                </a14:m>
-                <a:br>
-                  <a:rPr lang="en-US" b="0" dirty="0"/>
-                </a:br>
-                <a:r>
-                  <a:rPr lang="en-US" b="0" dirty="0"/>
-                  <a:t>+ </a:t>
-                </a:r>
-                <a:r>
-                  <a:rPr lang="en-US" dirty="0"/>
-                  <a:t>r</a:t>
-                </a:r>
-                <a14:m>
-                  <m:oMath xmlns:m="http://schemas.openxmlformats.org/officeDocument/2006/math">
-                    <m:r>
-                      <m:rPr>
-                        <m:sty m:val="p"/>
-                      </m:rPr>
-                      <a:rPr lang="en-US" b="0" i="0" smtClean="0">
-                        <a:latin typeface="Cambria Math" panose="02040503050406030204" pitchFamily="18" charset="0"/>
-                      </a:rPr>
-                      <m:t>otate</m:t>
-                    </m:r>
-                    <m:r>
-                      <a:rPr lang="en-US" b="0" i="0" smtClean="0">
-                        <a:latin typeface="Cambria Math" panose="02040503050406030204" pitchFamily="18" charset="0"/>
-                      </a:rPr>
-                      <m:t> </m:t>
-                    </m:r>
-                    <m:sSub>
-                      <m:sSubPr>
-                        <m:ctrlPr>
-                          <a:rPr lang="en-US" b="0" i="1" smtClean="0">
-                            <a:latin typeface="Cambria Math" panose="02040503050406030204" pitchFamily="18" charset="0"/>
-                          </a:rPr>
-                        </m:ctrlPr>
-                      </m:sSubPr>
-                      <m:e>
-                        <m:r>
-                          <a:rPr lang="en-US" b="0" i="1" smtClean="0">
-                            <a:latin typeface="Cambria Math" panose="02040503050406030204" pitchFamily="18" charset="0"/>
-                          </a:rPr>
-                          <m:t>𝑘</m:t>
-                        </m:r>
-                      </m:e>
-                      <m:sub>
-                        <m:r>
-                          <a:rPr lang="en-US" b="0" i="1" smtClean="0">
-                            <a:latin typeface="Cambria Math" panose="02040503050406030204" pitchFamily="18" charset="0"/>
-                          </a:rPr>
-                          <m:t>1</m:t>
-                        </m:r>
-                      </m:sub>
-                    </m:sSub>
-                  </m:oMath>
-                </a14:m>
-                <a:r>
-                  <a:rPr lang="en-US" b="0" dirty="0"/>
-                  <a:t> and </a:t>
-                </a:r>
-                <a14:m>
-                  <m:oMath xmlns:m="http://schemas.openxmlformats.org/officeDocument/2006/math">
-                    <m:sSub>
-                      <m:sSubPr>
-                        <m:ctrlPr>
-                          <a:rPr lang="en-US" b="0" i="1" smtClean="0">
-                            <a:latin typeface="Cambria Math" panose="02040503050406030204" pitchFamily="18" charset="0"/>
-                          </a:rPr>
-                        </m:ctrlPr>
-                      </m:sSubPr>
-                      <m:e>
-                        <m:r>
-                          <a:rPr lang="en-US" b="0" i="1" smtClean="0">
-                            <a:latin typeface="Cambria Math" panose="02040503050406030204" pitchFamily="18" charset="0"/>
-                          </a:rPr>
-                          <m:t>𝑘</m:t>
-                        </m:r>
-                      </m:e>
-                      <m:sub>
-                        <m:r>
-                          <a:rPr lang="en-US" b="0" i="1" smtClean="0">
-                            <a:latin typeface="Cambria Math" panose="02040503050406030204" pitchFamily="18" charset="0"/>
-                          </a:rPr>
-                          <m:t>2</m:t>
-                        </m:r>
-                      </m:sub>
-                    </m:sSub>
-                  </m:oMath>
-                </a14:m>
-                <a:endParaRPr lang="en-US" b="0" dirty="0"/>
-              </a:p>
-            </p:txBody>
-          </p:sp>
-        </mc:Choice>
-        <mc:Fallback xmlns="">
-          <p:sp>
-            <p:nvSpPr>
-              <p:cNvPr id="9" name="TextBox 8">
-                <a:extLst>
-                  <a:ext uri="{FF2B5EF4-FFF2-40B4-BE49-F238E27FC236}">
-                    <a16:creationId xmlns:a16="http://schemas.microsoft.com/office/drawing/2014/main" id="{444488D7-A40B-AC9C-6F7C-168AA690E1FB}"/>
-                  </a:ext>
-                </a:extLst>
-              </p:cNvPr>
-              <p:cNvSpPr txBox="1">
-                <a:spLocks noRot="1" noChangeAspect="1" noMove="1" noResize="1" noEditPoints="1" noAdjustHandles="1" noChangeArrowheads="1" noChangeShapeType="1" noTextEdit="1"/>
-              </p:cNvSpPr>
-              <p:nvPr/>
-            </p:nvSpPr>
-            <p:spPr>
-              <a:xfrm>
-                <a:off x="5187672" y="3766605"/>
-                <a:ext cx="2169740" cy="646331"/>
-              </a:xfrm>
-              <a:prstGeom prst="rect">
-                <a:avLst/>
-              </a:prstGeom>
-              <a:blipFill>
-                <a:blip r:embed="rId5"/>
-                <a:stretch>
-                  <a:fillRect t="-5660" b="-14151"/>
-                </a:stretch>
-              </a:blipFill>
-            </p:spPr>
-            <p:txBody>
-              <a:bodyPr/>
-              <a:lstStyle/>
-              <a:p>
-                <a:r>
-                  <a:rPr lang="en-US">
-                    <a:noFill/>
-                  </a:rPr>
-                  <a:t> </a:t>
-                </a:r>
-              </a:p>
-            </p:txBody>
-          </p:sp>
-        </mc:Fallback>
-      </mc:AlternateContent>
-      <p:sp>
-        <p:nvSpPr>
-          <p:cNvPr id="2" name="TextBox 1">
-            <a:extLst>
-              <a:ext uri="{FF2B5EF4-FFF2-40B4-BE49-F238E27FC236}">
-                <a16:creationId xmlns:a16="http://schemas.microsoft.com/office/drawing/2014/main" id="{D25EF209-E5AD-342D-64D0-185DBE5C9E9D}"/>
-              </a:ext>
-            </a:extLst>
-          </p:cNvPr>
-          <p:cNvSpPr txBox="1"/>
-          <p:nvPr/>
-        </p:nvSpPr>
-        <p:spPr>
-          <a:xfrm rot="5400000">
-            <a:off x="9249989" y="3312606"/>
-            <a:ext cx="4532138" cy="461665"/>
-          </a:xfrm>
-          <a:prstGeom prst="rect">
-            <a:avLst/>
-          </a:prstGeom>
-          <a:noFill/>
-        </p:spPr>
-        <p:txBody>
-          <a:bodyPr wrap="none" rtlCol="0">
-            <a:spAutoFit/>
-          </a:bodyPr>
-          <a:lstStyle/>
-          <a:p>
-            <a:r>
-              <a:rPr lang="en-US" sz="2400" dirty="0"/>
-              <a:t>These cases a perfectly symmetric!</a:t>
-            </a:r>
-          </a:p>
-        </p:txBody>
-      </p:sp>
-      <p:cxnSp>
-        <p:nvCxnSpPr>
-          <p:cNvPr id="3" name="Straight Arrow Connector 2">
-            <a:extLst>
-              <a:ext uri="{FF2B5EF4-FFF2-40B4-BE49-F238E27FC236}">
-                <a16:creationId xmlns:a16="http://schemas.microsoft.com/office/drawing/2014/main" id="{A77A2242-771C-BCB0-22BF-341ED5BB5FC4}"/>
-              </a:ext>
-            </a:extLst>
-          </p:cNvPr>
-          <p:cNvCxnSpPr/>
-          <p:nvPr/>
-        </p:nvCxnSpPr>
-        <p:spPr>
-          <a:xfrm flipV="1">
-            <a:off x="8521209" y="793983"/>
-            <a:ext cx="0" cy="323165"/>
-          </a:xfrm>
-          <a:prstGeom prst="straightConnector1">
-            <a:avLst/>
-          </a:prstGeom>
-          <a:ln>
-            <a:tailEnd type="triangle"/>
-          </a:ln>
-        </p:spPr>
-        <p:style>
-          <a:lnRef idx="3">
-            <a:schemeClr val="accent2"/>
-          </a:lnRef>
-          <a:fillRef idx="0">
-            <a:schemeClr val="accent2"/>
-          </a:fillRef>
-          <a:effectRef idx="2">
-            <a:schemeClr val="accent2"/>
-          </a:effectRef>
-          <a:fontRef idx="minor">
-            <a:schemeClr val="tx1"/>
-          </a:fontRef>
-        </p:style>
-      </p:cxnSp>
-      <p:cxnSp>
-        <p:nvCxnSpPr>
-          <p:cNvPr id="4" name="Straight Arrow Connector 3">
-            <a:extLst>
-              <a:ext uri="{FF2B5EF4-FFF2-40B4-BE49-F238E27FC236}">
-                <a16:creationId xmlns:a16="http://schemas.microsoft.com/office/drawing/2014/main" id="{DE9B5137-CD31-0BBA-8B96-1A183C1741AF}"/>
-              </a:ext>
-            </a:extLst>
-          </p:cNvPr>
-          <p:cNvCxnSpPr/>
-          <p:nvPr/>
-        </p:nvCxnSpPr>
-        <p:spPr>
-          <a:xfrm flipV="1">
-            <a:off x="8455896" y="3724961"/>
-            <a:ext cx="0" cy="323165"/>
-          </a:xfrm>
-          <a:prstGeom prst="straightConnector1">
-            <a:avLst/>
-          </a:prstGeom>
-          <a:ln>
-            <a:tailEnd type="triangle"/>
-          </a:ln>
-        </p:spPr>
-        <p:style>
-          <a:lnRef idx="3">
-            <a:schemeClr val="accent2"/>
-          </a:lnRef>
-          <a:fillRef idx="0">
-            <a:schemeClr val="accent2"/>
-          </a:fillRef>
-          <a:effectRef idx="2">
-            <a:schemeClr val="accent2"/>
-          </a:effectRef>
-          <a:fontRef idx="minor">
-            <a:schemeClr val="tx1"/>
-          </a:fontRef>
-        </p:style>
-      </p:cxnSp>
     </p:spTree>
     <p:extLst>
       <p:ext uri="{BB962C8B-B14F-4D97-AF65-F5344CB8AC3E}">
@@ -12706,7 +12902,7 @@
           </a:prstGeom>
           <a:ln w="9525" cap="flat" cmpd="sng" algn="ctr">
             <a:solidFill>
-              <a:schemeClr val="dk1"/>
+              <a:schemeClr val="accent2"/>
             </a:solidFill>
             <a:prstDash val="dash"/>
             <a:round/>

--- a/Chapter4_Trees/slides/AVL_trees.pptx
+++ b/Chapter4_Trees/slides/AVL_trees.pptx
@@ -268,7 +268,7 @@
           <a:p>
             <a:fld id="{D5696C5B-346E-4BC6-9A1B-E8C7712A9423}" type="datetimeFigureOut">
               <a:rPr lang="en-US" smtClean="0"/>
-              <a:t>11/4/2022</a:t>
+              <a:t>4/10/2023</a:t>
             </a:fld>
             <a:endParaRPr lang="en-US"/>
           </a:p>
@@ -466,7 +466,7 @@
           <a:p>
             <a:fld id="{D5696C5B-346E-4BC6-9A1B-E8C7712A9423}" type="datetimeFigureOut">
               <a:rPr lang="en-US" smtClean="0"/>
-              <a:t>11/4/2022</a:t>
+              <a:t>4/10/2023</a:t>
             </a:fld>
             <a:endParaRPr lang="en-US"/>
           </a:p>
@@ -674,7 +674,7 @@
           <a:p>
             <a:fld id="{D5696C5B-346E-4BC6-9A1B-E8C7712A9423}" type="datetimeFigureOut">
               <a:rPr lang="en-US" smtClean="0"/>
-              <a:t>11/4/2022</a:t>
+              <a:t>4/10/2023</a:t>
             </a:fld>
             <a:endParaRPr lang="en-US"/>
           </a:p>
@@ -872,7 +872,7 @@
           <a:p>
             <a:fld id="{D5696C5B-346E-4BC6-9A1B-E8C7712A9423}" type="datetimeFigureOut">
               <a:rPr lang="en-US" smtClean="0"/>
-              <a:t>11/4/2022</a:t>
+              <a:t>4/10/2023</a:t>
             </a:fld>
             <a:endParaRPr lang="en-US"/>
           </a:p>
@@ -1147,7 +1147,7 @@
           <a:p>
             <a:fld id="{D5696C5B-346E-4BC6-9A1B-E8C7712A9423}" type="datetimeFigureOut">
               <a:rPr lang="en-US" smtClean="0"/>
-              <a:t>11/4/2022</a:t>
+              <a:t>4/10/2023</a:t>
             </a:fld>
             <a:endParaRPr lang="en-US"/>
           </a:p>
@@ -1412,7 +1412,7 @@
           <a:p>
             <a:fld id="{D5696C5B-346E-4BC6-9A1B-E8C7712A9423}" type="datetimeFigureOut">
               <a:rPr lang="en-US" smtClean="0"/>
-              <a:t>11/4/2022</a:t>
+              <a:t>4/10/2023</a:t>
             </a:fld>
             <a:endParaRPr lang="en-US"/>
           </a:p>
@@ -1824,7 +1824,7 @@
           <a:p>
             <a:fld id="{D5696C5B-346E-4BC6-9A1B-E8C7712A9423}" type="datetimeFigureOut">
               <a:rPr lang="en-US" smtClean="0"/>
-              <a:t>11/4/2022</a:t>
+              <a:t>4/10/2023</a:t>
             </a:fld>
             <a:endParaRPr lang="en-US"/>
           </a:p>
@@ -1965,7 +1965,7 @@
           <a:p>
             <a:fld id="{D5696C5B-346E-4BC6-9A1B-E8C7712A9423}" type="datetimeFigureOut">
               <a:rPr lang="en-US" smtClean="0"/>
-              <a:t>11/4/2022</a:t>
+              <a:t>4/10/2023</a:t>
             </a:fld>
             <a:endParaRPr lang="en-US"/>
           </a:p>
@@ -2078,7 +2078,7 @@
           <a:p>
             <a:fld id="{D5696C5B-346E-4BC6-9A1B-E8C7712A9423}" type="datetimeFigureOut">
               <a:rPr lang="en-US" smtClean="0"/>
-              <a:t>11/4/2022</a:t>
+              <a:t>4/10/2023</a:t>
             </a:fld>
             <a:endParaRPr lang="en-US"/>
           </a:p>
@@ -2389,7 +2389,7 @@
           <a:p>
             <a:fld id="{D5696C5B-346E-4BC6-9A1B-E8C7712A9423}" type="datetimeFigureOut">
               <a:rPr lang="en-US" smtClean="0"/>
-              <a:t>11/4/2022</a:t>
+              <a:t>4/10/2023</a:t>
             </a:fld>
             <a:endParaRPr lang="en-US"/>
           </a:p>
@@ -2677,7 +2677,7 @@
           <a:p>
             <a:fld id="{D5696C5B-346E-4BC6-9A1B-E8C7712A9423}" type="datetimeFigureOut">
               <a:rPr lang="en-US" smtClean="0"/>
-              <a:t>11/4/2022</a:t>
+              <a:t>4/10/2023</a:t>
             </a:fld>
             <a:endParaRPr lang="en-US"/>
           </a:p>
@@ -2918,7 +2918,7 @@
           <a:p>
             <a:fld id="{D5696C5B-346E-4BC6-9A1B-E8C7712A9423}" type="datetimeFigureOut">
               <a:rPr lang="en-US" smtClean="0"/>
-              <a:t>11/4/2022</a:t>
+              <a:t>4/10/2023</a:t>
             </a:fld>
             <a:endParaRPr lang="en-US"/>
           </a:p>
@@ -7596,8 +7596,8 @@
           </a:p>
         </p:txBody>
       </p:sp>
-      <mc:AlternateContent xmlns:mc="http://schemas.openxmlformats.org/markup-compatibility/2006">
-        <mc:Choice xmlns:a14="http://schemas.microsoft.com/office/drawing/2010/main" Requires="a14">
+      <mc:AlternateContent xmlns:mc="http://schemas.openxmlformats.org/markup-compatibility/2006" xmlns:a14="http://schemas.microsoft.com/office/drawing/2010/main">
+        <mc:Choice Requires="a14">
           <p:sp>
             <p:nvSpPr>
               <p:cNvPr id="20" name="TextBox 19">
@@ -7708,7 +7708,7 @@
             </p:txBody>
           </p:sp>
         </mc:Choice>
-        <mc:Fallback>
+        <mc:Fallback xmlns="">
           <p:sp>
             <p:nvSpPr>
               <p:cNvPr id="20" name="TextBox 19">
@@ -7753,8 +7753,8 @@
           </p:sp>
         </mc:Fallback>
       </mc:AlternateContent>
-      <mc:AlternateContent xmlns:mc="http://schemas.openxmlformats.org/markup-compatibility/2006">
-        <mc:Choice xmlns:a14="http://schemas.microsoft.com/office/drawing/2010/main" Requires="a14">
+      <mc:AlternateContent xmlns:mc="http://schemas.openxmlformats.org/markup-compatibility/2006" xmlns:a14="http://schemas.microsoft.com/office/drawing/2010/main">
+        <mc:Choice Requires="a14">
           <p:sp>
             <p:nvSpPr>
               <p:cNvPr id="21" name="TextBox 20">
@@ -7825,7 +7825,7 @@
             </p:txBody>
           </p:sp>
         </mc:Choice>
-        <mc:Fallback>
+        <mc:Fallback xmlns="">
           <p:sp>
             <p:nvSpPr>
               <p:cNvPr id="21" name="TextBox 20">
@@ -8886,7 +8886,7 @@
             <a:pPr algn="ctr"/>
             <a:r>
               <a:rPr lang="en-US" dirty="0"/>
-              <a:t>right child</a:t>
+              <a:t>left child</a:t>
             </a:r>
           </a:p>
           <a:p>
@@ -8913,7 +8913,7 @@
         <p:spPr>
           <a:xfrm>
             <a:off x="2935705" y="5998117"/>
-            <a:ext cx="5388270" cy="369332"/>
+            <a:ext cx="7148624" cy="369332"/>
           </a:xfrm>
           <a:prstGeom prst="rect">
             <a:avLst/>
@@ -8928,7 +8928,7 @@
           <a:p>
             <a:r>
               <a:rPr lang="en-US" dirty="0"/>
-              <a:t>Note: There is no Y to fix since 7 has only a single child.</a:t>
+              <a:t>Note: There is no Y (right subtree of 7) to fix since 7 has only a single child.</a:t>
             </a:r>
           </a:p>
         </p:txBody>
@@ -9179,8 +9179,8 @@
           </a:p>
         </p:txBody>
       </p:sp>
-      <mc:AlternateContent xmlns:mc="http://schemas.openxmlformats.org/markup-compatibility/2006">
-        <mc:Choice xmlns:a14="http://schemas.microsoft.com/office/drawing/2010/main" Requires="a14">
+      <mc:AlternateContent xmlns:mc="http://schemas.openxmlformats.org/markup-compatibility/2006" xmlns:a14="http://schemas.microsoft.com/office/drawing/2010/main">
+        <mc:Choice Requires="a14">
           <p:sp>
             <p:nvSpPr>
               <p:cNvPr id="8" name="TextBox 7">
@@ -9270,7 +9270,7 @@
             </p:txBody>
           </p:sp>
         </mc:Choice>
-        <mc:Fallback>
+        <mc:Fallback xmlns="">
           <p:sp>
             <p:nvSpPr>
               <p:cNvPr id="8" name="TextBox 7">
@@ -9357,8 +9357,8 @@
           </a:p>
         </p:txBody>
       </p:sp>
-      <mc:AlternateContent xmlns:mc="http://schemas.openxmlformats.org/markup-compatibility/2006">
-        <mc:Choice xmlns:a14="http://schemas.microsoft.com/office/drawing/2010/main" Requires="a14">
+      <mc:AlternateContent xmlns:mc="http://schemas.openxmlformats.org/markup-compatibility/2006" xmlns:a14="http://schemas.microsoft.com/office/drawing/2010/main">
+        <mc:Choice Requires="a14">
           <p:sp>
             <p:nvSpPr>
               <p:cNvPr id="11" name="TextBox 10">
@@ -9429,7 +9429,7 @@
             </p:txBody>
           </p:sp>
         </mc:Choice>
-        <mc:Fallback>
+        <mc:Fallback xmlns="">
           <p:sp>
             <p:nvSpPr>
               <p:cNvPr id="11" name="TextBox 10">
@@ -10380,8 +10380,8 @@
           </a:p>
         </p:txBody>
       </p:sp>
-      <mc:AlternateContent xmlns:mc="http://schemas.openxmlformats.org/markup-compatibility/2006">
-        <mc:Choice xmlns:a14="http://schemas.microsoft.com/office/drawing/2010/main" Requires="a14">
+      <mc:AlternateContent xmlns:mc="http://schemas.openxmlformats.org/markup-compatibility/2006" xmlns:a14="http://schemas.microsoft.com/office/drawing/2010/main">
+        <mc:Choice Requires="a14">
           <p:sp>
             <p:nvSpPr>
               <p:cNvPr id="24" name="TextBox 23">
@@ -10470,7 +10470,7 @@
             </p:txBody>
           </p:sp>
         </mc:Choice>
-        <mc:Fallback>
+        <mc:Fallback xmlns="">
           <p:sp>
             <p:nvSpPr>
               <p:cNvPr id="24" name="TextBox 23">
@@ -10841,8 +10841,8 @@
         </p:nvSpPr>
         <p:spPr>
           <a:xfrm>
-            <a:off x="1908267" y="3469283"/>
-            <a:ext cx="2761205" cy="369332"/>
+            <a:off x="1925557" y="3488700"/>
+            <a:ext cx="2756396" cy="369332"/>
           </a:xfrm>
           <a:prstGeom prst="rect">
             <a:avLst/>
@@ -10857,7 +10857,7 @@
           <a:p>
             <a:r>
               <a:rPr lang="en-US" dirty="0"/>
-              <a:t>We need a double rotation.</a:t>
+              <a:t>We need a double rotation</a:t>
             </a:r>
           </a:p>
         </p:txBody>
@@ -11613,8 +11613,8 @@
           </a:p>
         </p:txBody>
       </p:sp>
-      <mc:AlternateContent xmlns:mc="http://schemas.openxmlformats.org/markup-compatibility/2006">
-        <mc:Choice xmlns:a14="http://schemas.microsoft.com/office/drawing/2010/main" Requires="a14">
+      <mc:AlternateContent xmlns:mc="http://schemas.openxmlformats.org/markup-compatibility/2006" xmlns:a14="http://schemas.microsoft.com/office/drawing/2010/main">
+        <mc:Choice Requires="a14">
           <p:sp>
             <p:nvSpPr>
               <p:cNvPr id="8" name="TextBox 7">
@@ -11763,7 +11763,7 @@
             </p:txBody>
           </p:sp>
         </mc:Choice>
-        <mc:Fallback>
+        <mc:Fallback xmlns="">
           <p:sp>
             <p:nvSpPr>
               <p:cNvPr id="8" name="TextBox 7">
@@ -11921,8 +11921,8 @@
           </a:fontRef>
         </p:style>
       </p:cxnSp>
-      <mc:AlternateContent xmlns:mc="http://schemas.openxmlformats.org/markup-compatibility/2006">
-        <mc:Choice xmlns:a14="http://schemas.microsoft.com/office/drawing/2010/main" Requires="a14">
+      <mc:AlternateContent xmlns:mc="http://schemas.openxmlformats.org/markup-compatibility/2006" xmlns:a14="http://schemas.microsoft.com/office/drawing/2010/main">
+        <mc:Choice Requires="a14">
           <p:sp>
             <p:nvSpPr>
               <p:cNvPr id="10" name="TextBox 9">
@@ -12071,7 +12071,7 @@
             </p:txBody>
           </p:sp>
         </mc:Choice>
-        <mc:Fallback>
+        <mc:Fallback xmlns="">
           <p:sp>
             <p:nvSpPr>
               <p:cNvPr id="10" name="TextBox 9">
@@ -12116,8 +12116,8 @@
           </p:sp>
         </mc:Fallback>
       </mc:AlternateContent>
-      <mc:AlternateContent xmlns:mc="http://schemas.openxmlformats.org/markup-compatibility/2006">
-        <mc:Choice xmlns:a14="http://schemas.microsoft.com/office/drawing/2010/main" Requires="a14">
+      <mc:AlternateContent xmlns:mc="http://schemas.openxmlformats.org/markup-compatibility/2006" xmlns:a14="http://schemas.microsoft.com/office/drawing/2010/main">
+        <mc:Choice Requires="a14">
           <p:sp>
             <p:nvSpPr>
               <p:cNvPr id="11" name="TextBox 10">
@@ -12204,7 +12204,7 @@
             </p:txBody>
           </p:sp>
         </mc:Choice>
-        <mc:Fallback>
+        <mc:Fallback xmlns="">
           <p:sp>
             <p:nvSpPr>
               <p:cNvPr id="11" name="TextBox 10">
@@ -12249,8 +12249,8 @@
           </p:sp>
         </mc:Fallback>
       </mc:AlternateContent>
-      <mc:AlternateContent xmlns:mc="http://schemas.openxmlformats.org/markup-compatibility/2006">
-        <mc:Choice xmlns:a14="http://schemas.microsoft.com/office/drawing/2010/main" Requires="a14">
+      <mc:AlternateContent xmlns:mc="http://schemas.openxmlformats.org/markup-compatibility/2006" xmlns:a14="http://schemas.microsoft.com/office/drawing/2010/main">
+        <mc:Choice Requires="a14">
           <p:sp>
             <p:nvSpPr>
               <p:cNvPr id="12" name="TextBox 11">
@@ -12337,7 +12337,7 @@
             </p:txBody>
           </p:sp>
         </mc:Choice>
-        <mc:Fallback>
+        <mc:Fallback xmlns="">
           <p:sp>
             <p:nvSpPr>
               <p:cNvPr id="12" name="TextBox 11">

--- a/Chapter4_Trees/slides/AVL_trees.pptx
+++ b/Chapter4_Trees/slides/AVL_trees.pptx
@@ -268,7 +268,7 @@
           <a:p>
             <a:fld id="{D5696C5B-346E-4BC6-9A1B-E8C7712A9423}" type="datetimeFigureOut">
               <a:rPr lang="en-US" smtClean="0"/>
-              <a:t>4/10/2023</a:t>
+              <a:t>4/12/2023</a:t>
             </a:fld>
             <a:endParaRPr lang="en-US"/>
           </a:p>
@@ -466,7 +466,7 @@
           <a:p>
             <a:fld id="{D5696C5B-346E-4BC6-9A1B-E8C7712A9423}" type="datetimeFigureOut">
               <a:rPr lang="en-US" smtClean="0"/>
-              <a:t>4/10/2023</a:t>
+              <a:t>4/12/2023</a:t>
             </a:fld>
             <a:endParaRPr lang="en-US"/>
           </a:p>
@@ -674,7 +674,7 @@
           <a:p>
             <a:fld id="{D5696C5B-346E-4BC6-9A1B-E8C7712A9423}" type="datetimeFigureOut">
               <a:rPr lang="en-US" smtClean="0"/>
-              <a:t>4/10/2023</a:t>
+              <a:t>4/12/2023</a:t>
             </a:fld>
             <a:endParaRPr lang="en-US"/>
           </a:p>
@@ -872,7 +872,7 @@
           <a:p>
             <a:fld id="{D5696C5B-346E-4BC6-9A1B-E8C7712A9423}" type="datetimeFigureOut">
               <a:rPr lang="en-US" smtClean="0"/>
-              <a:t>4/10/2023</a:t>
+              <a:t>4/12/2023</a:t>
             </a:fld>
             <a:endParaRPr lang="en-US"/>
           </a:p>
@@ -1147,7 +1147,7 @@
           <a:p>
             <a:fld id="{D5696C5B-346E-4BC6-9A1B-E8C7712A9423}" type="datetimeFigureOut">
               <a:rPr lang="en-US" smtClean="0"/>
-              <a:t>4/10/2023</a:t>
+              <a:t>4/12/2023</a:t>
             </a:fld>
             <a:endParaRPr lang="en-US"/>
           </a:p>
@@ -1412,7 +1412,7 @@
           <a:p>
             <a:fld id="{D5696C5B-346E-4BC6-9A1B-E8C7712A9423}" type="datetimeFigureOut">
               <a:rPr lang="en-US" smtClean="0"/>
-              <a:t>4/10/2023</a:t>
+              <a:t>4/12/2023</a:t>
             </a:fld>
             <a:endParaRPr lang="en-US"/>
           </a:p>
@@ -1824,7 +1824,7 @@
           <a:p>
             <a:fld id="{D5696C5B-346E-4BC6-9A1B-E8C7712A9423}" type="datetimeFigureOut">
               <a:rPr lang="en-US" smtClean="0"/>
-              <a:t>4/10/2023</a:t>
+              <a:t>4/12/2023</a:t>
             </a:fld>
             <a:endParaRPr lang="en-US"/>
           </a:p>
@@ -1965,7 +1965,7 @@
           <a:p>
             <a:fld id="{D5696C5B-346E-4BC6-9A1B-E8C7712A9423}" type="datetimeFigureOut">
               <a:rPr lang="en-US" smtClean="0"/>
-              <a:t>4/10/2023</a:t>
+              <a:t>4/12/2023</a:t>
             </a:fld>
             <a:endParaRPr lang="en-US"/>
           </a:p>
@@ -2078,7 +2078,7 @@
           <a:p>
             <a:fld id="{D5696C5B-346E-4BC6-9A1B-E8C7712A9423}" type="datetimeFigureOut">
               <a:rPr lang="en-US" smtClean="0"/>
-              <a:t>4/10/2023</a:t>
+              <a:t>4/12/2023</a:t>
             </a:fld>
             <a:endParaRPr lang="en-US"/>
           </a:p>
@@ -2389,7 +2389,7 @@
           <a:p>
             <a:fld id="{D5696C5B-346E-4BC6-9A1B-E8C7712A9423}" type="datetimeFigureOut">
               <a:rPr lang="en-US" smtClean="0"/>
-              <a:t>4/10/2023</a:t>
+              <a:t>4/12/2023</a:t>
             </a:fld>
             <a:endParaRPr lang="en-US"/>
           </a:p>
@@ -2677,7 +2677,7 @@
           <a:p>
             <a:fld id="{D5696C5B-346E-4BC6-9A1B-E8C7712A9423}" type="datetimeFigureOut">
               <a:rPr lang="en-US" smtClean="0"/>
-              <a:t>4/10/2023</a:t>
+              <a:t>4/12/2023</a:t>
             </a:fld>
             <a:endParaRPr lang="en-US"/>
           </a:p>
@@ -2918,7 +2918,7 @@
           <a:p>
             <a:fld id="{D5696C5B-346E-4BC6-9A1B-E8C7712A9423}" type="datetimeFigureOut">
               <a:rPr lang="en-US" smtClean="0"/>
-              <a:t>4/10/2023</a:t>
+              <a:t>4/12/2023</a:t>
             </a:fld>
             <a:endParaRPr lang="en-US"/>
           </a:p>
@@ -7884,8 +7884,8 @@
         </p:nvSpPr>
         <p:spPr>
           <a:xfrm rot="5400000">
-            <a:off x="9249989" y="3312606"/>
-            <a:ext cx="4532138" cy="461665"/>
+            <a:off x="9249989" y="3127940"/>
+            <a:ext cx="4532138" cy="830997"/>
           </a:xfrm>
           <a:prstGeom prst="rect">
             <a:avLst/>
@@ -7897,6 +7897,17 @@
             <a:spAutoFit/>
           </a:bodyPr>
           <a:lstStyle/>
+          <a:p>
+            <a:pPr algn="ctr"/>
+            <a:r>
+              <a:rPr lang="en-US" sz="2400" b="1" dirty="0">
+                <a:solidFill>
+                  <a:schemeClr val="accent2"/>
+                </a:solidFill>
+              </a:rPr>
+              <a:t>Outside Insertion</a:t>
+            </a:r>
+          </a:p>
           <a:p>
             <a:r>
               <a:rPr lang="en-US" sz="2400" dirty="0"/>
@@ -11822,8 +11833,8 @@
         </p:nvSpPr>
         <p:spPr>
           <a:xfrm rot="5400000">
-            <a:off x="9249989" y="3312606"/>
-            <a:ext cx="4532138" cy="461665"/>
+            <a:off x="9249989" y="3127940"/>
+            <a:ext cx="4532138" cy="830997"/>
           </a:xfrm>
           <a:prstGeom prst="rect">
             <a:avLst/>
@@ -11836,6 +11847,18 @@
           </a:bodyPr>
           <a:lstStyle/>
           <a:p>
+            <a:pPr algn="ctr"/>
+            <a:r>
+              <a:rPr lang="en-US" sz="2400" b="1" dirty="0">
+                <a:solidFill>
+                  <a:schemeClr val="accent2"/>
+                </a:solidFill>
+              </a:rPr>
+              <a:t>Inside Insertion</a:t>
+            </a:r>
+          </a:p>
+          <a:p>
+            <a:pPr algn="ctr"/>
             <a:r>
               <a:rPr lang="en-US" sz="2400" dirty="0"/>
               <a:t>These cases a perfectly symmetric!</a:t>

--- a/Chapter4_Trees/slides/AVL_trees.pptx
+++ b/Chapter4_Trees/slides/AVL_trees.pptx
@@ -268,7 +268,7 @@
           <a:p>
             <a:fld id="{D5696C5B-346E-4BC6-9A1B-E8C7712A9423}" type="datetimeFigureOut">
               <a:rPr lang="en-US" smtClean="0"/>
-              <a:t>4/12/2023</a:t>
+              <a:t>10/23/2023</a:t>
             </a:fld>
             <a:endParaRPr lang="en-US"/>
           </a:p>
@@ -466,7 +466,7 @@
           <a:p>
             <a:fld id="{D5696C5B-346E-4BC6-9A1B-E8C7712A9423}" type="datetimeFigureOut">
               <a:rPr lang="en-US" smtClean="0"/>
-              <a:t>4/12/2023</a:t>
+              <a:t>10/23/2023</a:t>
             </a:fld>
             <a:endParaRPr lang="en-US"/>
           </a:p>
@@ -674,7 +674,7 @@
           <a:p>
             <a:fld id="{D5696C5B-346E-4BC6-9A1B-E8C7712A9423}" type="datetimeFigureOut">
               <a:rPr lang="en-US" smtClean="0"/>
-              <a:t>4/12/2023</a:t>
+              <a:t>10/23/2023</a:t>
             </a:fld>
             <a:endParaRPr lang="en-US"/>
           </a:p>
@@ -872,7 +872,7 @@
           <a:p>
             <a:fld id="{D5696C5B-346E-4BC6-9A1B-E8C7712A9423}" type="datetimeFigureOut">
               <a:rPr lang="en-US" smtClean="0"/>
-              <a:t>4/12/2023</a:t>
+              <a:t>10/23/2023</a:t>
             </a:fld>
             <a:endParaRPr lang="en-US"/>
           </a:p>
@@ -1147,7 +1147,7 @@
           <a:p>
             <a:fld id="{D5696C5B-346E-4BC6-9A1B-E8C7712A9423}" type="datetimeFigureOut">
               <a:rPr lang="en-US" smtClean="0"/>
-              <a:t>4/12/2023</a:t>
+              <a:t>10/23/2023</a:t>
             </a:fld>
             <a:endParaRPr lang="en-US"/>
           </a:p>
@@ -1412,7 +1412,7 @@
           <a:p>
             <a:fld id="{D5696C5B-346E-4BC6-9A1B-E8C7712A9423}" type="datetimeFigureOut">
               <a:rPr lang="en-US" smtClean="0"/>
-              <a:t>4/12/2023</a:t>
+              <a:t>10/23/2023</a:t>
             </a:fld>
             <a:endParaRPr lang="en-US"/>
           </a:p>
@@ -1824,7 +1824,7 @@
           <a:p>
             <a:fld id="{D5696C5B-346E-4BC6-9A1B-E8C7712A9423}" type="datetimeFigureOut">
               <a:rPr lang="en-US" smtClean="0"/>
-              <a:t>4/12/2023</a:t>
+              <a:t>10/23/2023</a:t>
             </a:fld>
             <a:endParaRPr lang="en-US"/>
           </a:p>
@@ -1965,7 +1965,7 @@
           <a:p>
             <a:fld id="{D5696C5B-346E-4BC6-9A1B-E8C7712A9423}" type="datetimeFigureOut">
               <a:rPr lang="en-US" smtClean="0"/>
-              <a:t>4/12/2023</a:t>
+              <a:t>10/23/2023</a:t>
             </a:fld>
             <a:endParaRPr lang="en-US"/>
           </a:p>
@@ -2078,7 +2078,7 @@
           <a:p>
             <a:fld id="{D5696C5B-346E-4BC6-9A1B-E8C7712A9423}" type="datetimeFigureOut">
               <a:rPr lang="en-US" smtClean="0"/>
-              <a:t>4/12/2023</a:t>
+              <a:t>10/23/2023</a:t>
             </a:fld>
             <a:endParaRPr lang="en-US"/>
           </a:p>
@@ -2389,7 +2389,7 @@
           <a:p>
             <a:fld id="{D5696C5B-346E-4BC6-9A1B-E8C7712A9423}" type="datetimeFigureOut">
               <a:rPr lang="en-US" smtClean="0"/>
-              <a:t>4/12/2023</a:t>
+              <a:t>10/23/2023</a:t>
             </a:fld>
             <a:endParaRPr lang="en-US"/>
           </a:p>
@@ -2677,7 +2677,7 @@
           <a:p>
             <a:fld id="{D5696C5B-346E-4BC6-9A1B-E8C7712A9423}" type="datetimeFigureOut">
               <a:rPr lang="en-US" smtClean="0"/>
-              <a:t>4/12/2023</a:t>
+              <a:t>10/23/2023</a:t>
             </a:fld>
             <a:endParaRPr lang="en-US"/>
           </a:p>
@@ -2918,7 +2918,7 @@
           <a:p>
             <a:fld id="{D5696C5B-346E-4BC6-9A1B-E8C7712A9423}" type="datetimeFigureOut">
               <a:rPr lang="en-US" smtClean="0"/>
-              <a:t>4/12/2023</a:t>
+              <a:t>10/23/2023</a:t>
             </a:fld>
             <a:endParaRPr lang="en-US"/>
           </a:p>
@@ -3433,7 +3433,14 @@
           <a:p>
             <a:pPr algn="l"/>
             <a:r>
-              <a:rPr lang="en-US"/>
+              <a:rPr lang="en-US" sz="5400" dirty="0"/>
+              <a:t>Balanced Binary Search Trees:</a:t>
+            </a:r>
+            <a:br>
+              <a:rPr lang="en-US" sz="5400" dirty="0"/>
+            </a:br>
+            <a:r>
+              <a:rPr lang="en-US" sz="5400" dirty="0"/>
               <a:t>AVL Trees</a:t>
             </a:r>
           </a:p>
@@ -3458,7 +3465,7 @@
         <p:spPr>
           <a:xfrm>
             <a:off x="1094096" y="3842932"/>
-            <a:ext cx="5001904" cy="2163551"/>
+            <a:ext cx="4278004" cy="2163551"/>
           </a:xfrm>
         </p:spPr>
         <p:txBody>
@@ -3476,15 +3483,23 @@
           <a:p>
             <a:pPr algn="l"/>
             <a:r>
-              <a:rPr lang="en-US" dirty="0"/>
-              <a:t>With figures from Weiss: </a:t>
+              <a:rPr lang="en-US" sz="2000" dirty="0"/>
+              <a:t>With figures from: </a:t>
             </a:r>
             <a:br>
-              <a:rPr lang="en-US" dirty="0"/>
+              <a:rPr lang="en-US" sz="2000" dirty="0"/>
             </a:br>
             <a:r>
-              <a:rPr lang="en-US" dirty="0"/>
-              <a:t>Data Structures and Algorithms</a:t>
+              <a:rPr lang="en-US" sz="2000" dirty="0"/>
+              <a:t>M.A. Weiss, Data Structures and Algorithm Analysis,4</a:t>
+            </a:r>
+            <a:r>
+              <a:rPr lang="en-US" sz="2000" baseline="30000" dirty="0"/>
+              <a:t>th</a:t>
+            </a:r>
+            <a:r>
+              <a:rPr lang="en-US" sz="2000" dirty="0"/>
+              <a:t> edition</a:t>
             </a:r>
           </a:p>
         </p:txBody>
@@ -4770,8 +4785,8 @@
           </a:p>
         </p:txBody>
       </p:sp>
-      <mc:AlternateContent xmlns:mc="http://schemas.openxmlformats.org/markup-compatibility/2006" xmlns:a14="http://schemas.microsoft.com/office/drawing/2010/main">
-        <mc:Choice Requires="a14">
+      <mc:AlternateContent xmlns:mc="http://schemas.openxmlformats.org/markup-compatibility/2006">
+        <mc:Choice xmlns:a14="http://schemas.microsoft.com/office/drawing/2010/main" Requires="a14">
           <p:sp>
             <p:nvSpPr>
               <p:cNvPr id="3" name="Content Placeholder 2">
@@ -4791,7 +4806,7 @@
             <p:spPr/>
             <p:txBody>
               <a:bodyPr>
-                <a:normAutofit fontScale="92500" lnSpcReduction="20000"/>
+                <a:normAutofit fontScale="70000" lnSpcReduction="20000"/>
               </a:bodyPr>
               <a:lstStyle/>
               <a:p>
@@ -4804,7 +4819,24 @@
                 </a:r>
                 <a:r>
                   <a:rPr lang="en-US" dirty="0"/>
-                  <a:t>In a binary search tree, all items in each left subtree are smaller than the items in the right subtree.</a:t>
+                  <a:t>In a binary search tree with an order property.</a:t>
+                </a:r>
+              </a:p>
+              <a:p>
+                <a:pPr marL="0" indent="0">
+                  <a:buNone/>
+                </a:pPr>
+                <a:r>
+                  <a:rPr lang="en-US" b="1" dirty="0"/>
+                  <a:t>Order property</a:t>
+                </a:r>
+                <a:r>
+                  <a:rPr lang="en-US" dirty="0"/>
+                  <a:t>: </a:t>
+                </a:r>
+                <a:r>
+                  <a:rPr lang="en-US" i="1" dirty="0"/>
+                  <a:t>All items in each left subtree are smaller than the items in the right subtree.</a:t>
                 </a:r>
               </a:p>
               <a:p>
@@ -4812,6 +4844,15 @@
                   <a:buNone/>
                 </a:pPr>
                 <a:endParaRPr lang="en-US" dirty="0"/>
+              </a:p>
+              <a:p>
+                <a:pPr marL="0" indent="0">
+                  <a:buNone/>
+                </a:pPr>
+                <a:r>
+                  <a:rPr lang="en-US" b="1" dirty="0"/>
+                  <a:t>Time complexity</a:t>
+                </a:r>
               </a:p>
               <a:p>
                 <a:r>
@@ -5009,11 +5050,11 @@
                 </a:pPr>
                 <a:r>
                   <a:rPr lang="en-US" b="1" dirty="0"/>
-                  <a:t>Problem: </a:t>
+                  <a:t>Problems: </a:t>
                 </a:r>
                 <a:r>
                   <a:rPr lang="en-US" dirty="0"/>
-                  <a:t>The assumption of </a:t>
+                  <a:t>Situations with close to the worst-case time complexity of </a:t>
                 </a:r>
                 <a14:m>
                   <m:oMath xmlns:m="http://schemas.openxmlformats.org/officeDocument/2006/math">
@@ -5030,30 +5071,6 @@
                       <m:t>(</m:t>
                     </m:r>
                     <m:r>
-                      <m:rPr>
-                        <m:sty m:val="p"/>
-                      </m:rPr>
-                      <a:rPr lang="en-US" i="1" dirty="0" smtClean="0">
-                        <a:latin typeface="Cambria Math" panose="02040503050406030204" pitchFamily="18" charset="0"/>
-                      </a:rPr>
-                      <m:t>log</m:t>
-                    </m:r>
-                    <m:r>
-                      <a:rPr lang="en-US" i="1" dirty="0" smtClean="0">
-                        <a:latin typeface="Cambria Math" panose="02040503050406030204" pitchFamily="18" charset="0"/>
-                      </a:rPr>
-                      <m:t>⁡</m:t>
-                    </m:r>
-                    <m:r>
-                      <m:rPr>
-                        <m:lit/>
-                      </m:rPr>
-                      <a:rPr lang="en-US" i="1" dirty="0" smtClean="0">
-                        <a:latin typeface="Cambria Math" panose="02040503050406030204" pitchFamily="18" charset="0"/>
-                      </a:rPr>
-                      <m:t> </m:t>
-                    </m:r>
-                    <m:r>
                       <a:rPr lang="en-US" i="1" dirty="0" smtClean="0">
                         <a:latin typeface="Cambria Math" panose="02040503050406030204" pitchFamily="18" charset="0"/>
                       </a:rPr>
@@ -5065,25 +5082,38 @@
                       </a:rPr>
                       <m:t>) </m:t>
                     </m:r>
+                    <m:r>
+                      <m:rPr>
+                        <m:sty m:val="p"/>
+                      </m:rPr>
+                      <a:rPr lang="en-US" b="0" i="0" dirty="0" smtClean="0">
+                        <a:latin typeface="Cambria Math" panose="02040503050406030204" pitchFamily="18" charset="0"/>
+                      </a:rPr>
+                      <m:t>are</m:t>
+                    </m:r>
                   </m:oMath>
                 </a14:m>
                 <a:r>
                   <a:rPr lang="en-US" dirty="0"/>
-                  <a:t>average running time is only true if no deletions are used! Deletions often replace a node with a node for the right subtree, resulting in an </a:t>
+                  <a:t> likely to happen:</a:t>
                 </a:r>
-                <a:r>
-                  <a:rPr lang="en-US" b="1" dirty="0"/>
-                  <a:t>unbalanced tree </a:t>
-                </a:r>
+              </a:p>
+              <a:p>
                 <a:r>
                   <a:rPr lang="en-US" dirty="0"/>
-                  <a:t>that is left heavy!</a:t>
+                  <a:t>Items are inserted in (almost) sorted order. </a:t>
+                </a:r>
+              </a:p>
+              <a:p>
+                <a:r>
+                  <a:rPr lang="en-US" dirty="0"/>
+                  <a:t>Deletions often replace a node with a node for the right subtree, resulting in an unbalanced tree that is left heavy!</a:t>
                 </a:r>
               </a:p>
             </p:txBody>
           </p:sp>
         </mc:Choice>
-        <mc:Fallback xmlns="">
+        <mc:Fallback>
           <p:sp>
             <p:nvSpPr>
               <p:cNvPr id="3" name="Content Placeholder 2">
@@ -5104,7 +5134,7 @@
               <a:blipFill>
                 <a:blip r:embed="rId2"/>
                 <a:stretch>
-                  <a:fillRect l="-1043" t="-3501"/>
+                  <a:fillRect l="-638" t="-2521" r="-290"/>
                 </a:stretch>
               </a:blipFill>
             </p:spPr>
@@ -5222,7 +5252,15 @@
             </a:r>
             <a:r>
               <a:rPr lang="en-US" dirty="0"/>
-              <a:t> and Landis) tree is a binary search tree with the following balance condition:</a:t>
+              <a:t> and Landis) tree is a binary search tree with the following </a:t>
+            </a:r>
+            <a:r>
+              <a:rPr lang="en-US" b="1" dirty="0"/>
+              <a:t>balance condition</a:t>
+            </a:r>
+            <a:r>
+              <a:rPr lang="en-US" dirty="0"/>
+              <a:t>:</a:t>
             </a:r>
           </a:p>
           <a:p>
@@ -5230,7 +5268,7 @@
               <a:buNone/>
             </a:pPr>
             <a:r>
-              <a:rPr lang="en-US" b="1" dirty="0"/>
+              <a:rPr lang="en-US" i="1" dirty="0"/>
               <a:t>For every node in the tree, the height of the left and the right subtree can differ by at most 1.</a:t>
             </a:r>
           </a:p>
@@ -7884,8 +7922,8 @@
         </p:nvSpPr>
         <p:spPr>
           <a:xfrm rot="5400000">
-            <a:off x="9249989" y="3127940"/>
-            <a:ext cx="4532138" cy="830997"/>
+            <a:off x="9121364" y="3127940"/>
+            <a:ext cx="4789388" cy="830997"/>
           </a:xfrm>
           <a:prstGeom prst="rect">
             <a:avLst/>
@@ -7911,7 +7949,7 @@
           <a:p>
             <a:r>
               <a:rPr lang="en-US" sz="2400" dirty="0"/>
-              <a:t>These cases a perfectly symmetric!</a:t>
+              <a:t>These cases are perfectly symmetric!</a:t>
             </a:r>
           </a:p>
         </p:txBody>
@@ -11483,6 +11521,123 @@
           </a:p>
         </p:txBody>
       </p:sp>
+      <p:sp>
+        <p:nvSpPr>
+          <p:cNvPr id="4" name="TextBox 3">
+            <a:extLst>
+              <a:ext uri="{FF2B5EF4-FFF2-40B4-BE49-F238E27FC236}">
+                <a16:creationId xmlns:a16="http://schemas.microsoft.com/office/drawing/2014/main" id="{274E59EA-E601-12C1-511E-694663856C07}"/>
+              </a:ext>
+            </a:extLst>
+          </p:cNvPr>
+          <p:cNvSpPr txBox="1"/>
+          <p:nvPr/>
+        </p:nvSpPr>
+        <p:spPr>
+          <a:xfrm>
+            <a:off x="6874677" y="51267"/>
+            <a:ext cx="1101584" cy="369332"/>
+          </a:xfrm>
+          <a:prstGeom prst="rect">
+            <a:avLst/>
+          </a:prstGeom>
+          <a:noFill/>
+        </p:spPr>
+        <p:txBody>
+          <a:bodyPr wrap="none" rtlCol="0">
+            <a:spAutoFit/>
+          </a:bodyPr>
+          <a:lstStyle/>
+          <a:p>
+            <a:r>
+              <a:rPr lang="en-US" dirty="0">
+                <a:solidFill>
+                  <a:schemeClr val="accent2"/>
+                </a:solidFill>
+              </a:rPr>
+              <a:t>Pull up k1</a:t>
+            </a:r>
+          </a:p>
+        </p:txBody>
+      </p:sp>
+      <p:sp>
+        <p:nvSpPr>
+          <p:cNvPr id="23" name="TextBox 22">
+            <a:extLst>
+              <a:ext uri="{FF2B5EF4-FFF2-40B4-BE49-F238E27FC236}">
+                <a16:creationId xmlns:a16="http://schemas.microsoft.com/office/drawing/2014/main" id="{611C93AC-292F-5898-05B9-B036B65A4332}"/>
+              </a:ext>
+            </a:extLst>
+          </p:cNvPr>
+          <p:cNvSpPr txBox="1"/>
+          <p:nvPr/>
+        </p:nvSpPr>
+        <p:spPr>
+          <a:xfrm>
+            <a:off x="5779724" y="4138252"/>
+            <a:ext cx="1101584" cy="369332"/>
+          </a:xfrm>
+          <a:prstGeom prst="rect">
+            <a:avLst/>
+          </a:prstGeom>
+          <a:noFill/>
+        </p:spPr>
+        <p:txBody>
+          <a:bodyPr wrap="none" rtlCol="0">
+            <a:spAutoFit/>
+          </a:bodyPr>
+          <a:lstStyle/>
+          <a:p>
+            <a:r>
+              <a:rPr lang="en-US" dirty="0">
+                <a:solidFill>
+                  <a:schemeClr val="accent2"/>
+                </a:solidFill>
+              </a:rPr>
+              <a:t>Pull up k2</a:t>
+            </a:r>
+          </a:p>
+        </p:txBody>
+      </p:sp>
+      <p:sp>
+        <p:nvSpPr>
+          <p:cNvPr id="29" name="TextBox 28">
+            <a:extLst>
+              <a:ext uri="{FF2B5EF4-FFF2-40B4-BE49-F238E27FC236}">
+                <a16:creationId xmlns:a16="http://schemas.microsoft.com/office/drawing/2014/main" id="{E45C1E15-3B9E-E8B7-37BA-C61CD8B6F1FC}"/>
+              </a:ext>
+            </a:extLst>
+          </p:cNvPr>
+          <p:cNvSpPr txBox="1"/>
+          <p:nvPr/>
+        </p:nvSpPr>
+        <p:spPr>
+          <a:xfrm>
+            <a:off x="9352903" y="3830140"/>
+            <a:ext cx="1101584" cy="369332"/>
+          </a:xfrm>
+          <a:prstGeom prst="rect">
+            <a:avLst/>
+          </a:prstGeom>
+          <a:noFill/>
+        </p:spPr>
+        <p:txBody>
+          <a:bodyPr wrap="none" rtlCol="0">
+            <a:spAutoFit/>
+          </a:bodyPr>
+          <a:lstStyle/>
+          <a:p>
+            <a:r>
+              <a:rPr lang="en-US" dirty="0">
+                <a:solidFill>
+                  <a:schemeClr val="accent2"/>
+                </a:solidFill>
+              </a:rPr>
+              <a:t>Pull up k2</a:t>
+            </a:r>
+          </a:p>
+        </p:txBody>
+      </p:sp>
     </p:spTree>
     <p:extLst>
       <p:ext uri="{BB962C8B-B14F-4D97-AF65-F5344CB8AC3E}">
@@ -11833,8 +11988,8 @@
         </p:nvSpPr>
         <p:spPr>
           <a:xfrm rot="5400000">
-            <a:off x="9249989" y="3127940"/>
-            <a:ext cx="4532138" cy="830997"/>
+            <a:off x="9121364" y="3127940"/>
+            <a:ext cx="4789389" cy="830997"/>
           </a:xfrm>
           <a:prstGeom prst="rect">
             <a:avLst/>
@@ -11861,7 +12016,7 @@
             <a:pPr algn="ctr"/>
             <a:r>
               <a:rPr lang="en-US" sz="2400" dirty="0"/>
-              <a:t>These cases a perfectly symmetric!</a:t>
+              <a:t>These cases are perfectly symmetric!</a:t>
             </a:r>
           </a:p>
         </p:txBody>

--- a/Chapter4_Trees/slides/AVL_trees.pptx
+++ b/Chapter4_Trees/slides/AVL_trees.pptx
@@ -268,7 +268,7 @@
           <a:p>
             <a:fld id="{D5696C5B-346E-4BC6-9A1B-E8C7712A9423}" type="datetimeFigureOut">
               <a:rPr lang="en-US" smtClean="0"/>
-              <a:t>10/23/2023</a:t>
+              <a:t>3/27/2024</a:t>
             </a:fld>
             <a:endParaRPr lang="en-US"/>
           </a:p>
@@ -466,7 +466,7 @@
           <a:p>
             <a:fld id="{D5696C5B-346E-4BC6-9A1B-E8C7712A9423}" type="datetimeFigureOut">
               <a:rPr lang="en-US" smtClean="0"/>
-              <a:t>10/23/2023</a:t>
+              <a:t>3/27/2024</a:t>
             </a:fld>
             <a:endParaRPr lang="en-US"/>
           </a:p>
@@ -674,7 +674,7 @@
           <a:p>
             <a:fld id="{D5696C5B-346E-4BC6-9A1B-E8C7712A9423}" type="datetimeFigureOut">
               <a:rPr lang="en-US" smtClean="0"/>
-              <a:t>10/23/2023</a:t>
+              <a:t>3/27/2024</a:t>
             </a:fld>
             <a:endParaRPr lang="en-US"/>
           </a:p>
@@ -872,7 +872,7 @@
           <a:p>
             <a:fld id="{D5696C5B-346E-4BC6-9A1B-E8C7712A9423}" type="datetimeFigureOut">
               <a:rPr lang="en-US" smtClean="0"/>
-              <a:t>10/23/2023</a:t>
+              <a:t>3/27/2024</a:t>
             </a:fld>
             <a:endParaRPr lang="en-US"/>
           </a:p>
@@ -1147,7 +1147,7 @@
           <a:p>
             <a:fld id="{D5696C5B-346E-4BC6-9A1B-E8C7712A9423}" type="datetimeFigureOut">
               <a:rPr lang="en-US" smtClean="0"/>
-              <a:t>10/23/2023</a:t>
+              <a:t>3/27/2024</a:t>
             </a:fld>
             <a:endParaRPr lang="en-US"/>
           </a:p>
@@ -1412,7 +1412,7 @@
           <a:p>
             <a:fld id="{D5696C5B-346E-4BC6-9A1B-E8C7712A9423}" type="datetimeFigureOut">
               <a:rPr lang="en-US" smtClean="0"/>
-              <a:t>10/23/2023</a:t>
+              <a:t>3/27/2024</a:t>
             </a:fld>
             <a:endParaRPr lang="en-US"/>
           </a:p>
@@ -1824,7 +1824,7 @@
           <a:p>
             <a:fld id="{D5696C5B-346E-4BC6-9A1B-E8C7712A9423}" type="datetimeFigureOut">
               <a:rPr lang="en-US" smtClean="0"/>
-              <a:t>10/23/2023</a:t>
+              <a:t>3/27/2024</a:t>
             </a:fld>
             <a:endParaRPr lang="en-US"/>
           </a:p>
@@ -1965,7 +1965,7 @@
           <a:p>
             <a:fld id="{D5696C5B-346E-4BC6-9A1B-E8C7712A9423}" type="datetimeFigureOut">
               <a:rPr lang="en-US" smtClean="0"/>
-              <a:t>10/23/2023</a:t>
+              <a:t>3/27/2024</a:t>
             </a:fld>
             <a:endParaRPr lang="en-US"/>
           </a:p>
@@ -2078,7 +2078,7 @@
           <a:p>
             <a:fld id="{D5696C5B-346E-4BC6-9A1B-E8C7712A9423}" type="datetimeFigureOut">
               <a:rPr lang="en-US" smtClean="0"/>
-              <a:t>10/23/2023</a:t>
+              <a:t>3/27/2024</a:t>
             </a:fld>
             <a:endParaRPr lang="en-US"/>
           </a:p>
@@ -2389,7 +2389,7 @@
           <a:p>
             <a:fld id="{D5696C5B-346E-4BC6-9A1B-E8C7712A9423}" type="datetimeFigureOut">
               <a:rPr lang="en-US" smtClean="0"/>
-              <a:t>10/23/2023</a:t>
+              <a:t>3/27/2024</a:t>
             </a:fld>
             <a:endParaRPr lang="en-US"/>
           </a:p>
@@ -2677,7 +2677,7 @@
           <a:p>
             <a:fld id="{D5696C5B-346E-4BC6-9A1B-E8C7712A9423}" type="datetimeFigureOut">
               <a:rPr lang="en-US" smtClean="0"/>
-              <a:t>10/23/2023</a:t>
+              <a:t>3/27/2024</a:t>
             </a:fld>
             <a:endParaRPr lang="en-US"/>
           </a:p>
@@ -2918,7 +2918,7 @@
           <a:p>
             <a:fld id="{D5696C5B-346E-4BC6-9A1B-E8C7712A9423}" type="datetimeFigureOut">
               <a:rPr lang="en-US" smtClean="0"/>
-              <a:t>10/23/2023</a:t>
+              <a:t>3/27/2024</a:t>
             </a:fld>
             <a:endParaRPr lang="en-US"/>
           </a:p>
@@ -4349,10 +4349,10 @@
       </p:grpSpPr>
       <p:pic>
         <p:nvPicPr>
-          <p:cNvPr id="3" name="Picture 2">
-            <a:extLst>
-              <a:ext uri="{FF2B5EF4-FFF2-40B4-BE49-F238E27FC236}">
-                <a16:creationId xmlns:a16="http://schemas.microsoft.com/office/drawing/2014/main" id="{66B95D08-73EB-4E59-B6A0-D2DD67FC2955}"/>
+          <p:cNvPr id="5" name="Picture 4">
+            <a:extLst>
+              <a:ext uri="{FF2B5EF4-FFF2-40B4-BE49-F238E27FC236}">
+                <a16:creationId xmlns:a16="http://schemas.microsoft.com/office/drawing/2014/main" id="{53864F27-A53D-83DF-9D5F-948E3B92119D}"/>
               </a:ext>
             </a:extLst>
           </p:cNvPr>
@@ -4369,36 +4369,6 @@
         </p:blipFill>
         <p:spPr>
           <a:xfrm>
-            <a:off x="628650" y="409575"/>
-            <a:ext cx="8096250" cy="2552700"/>
-          </a:xfrm>
-          <a:prstGeom prst="rect">
-            <a:avLst/>
-          </a:prstGeom>
-        </p:spPr>
-      </p:pic>
-      <p:pic>
-        <p:nvPicPr>
-          <p:cNvPr id="5" name="Picture 4">
-            <a:extLst>
-              <a:ext uri="{FF2B5EF4-FFF2-40B4-BE49-F238E27FC236}">
-                <a16:creationId xmlns:a16="http://schemas.microsoft.com/office/drawing/2014/main" id="{53864F27-A53D-83DF-9D5F-948E3B92119D}"/>
-              </a:ext>
-            </a:extLst>
-          </p:cNvPr>
-          <p:cNvPicPr>
-            <a:picLocks noChangeAspect="1"/>
-          </p:cNvPicPr>
-          <p:nvPr/>
-        </p:nvPicPr>
-        <p:blipFill>
-          <a:blip r:embed="rId3"/>
-          <a:stretch>
-            <a:fillRect/>
-          </a:stretch>
-        </p:blipFill>
-        <p:spPr>
-          <a:xfrm>
             <a:off x="628650" y="3138487"/>
             <a:ext cx="6219825" cy="3457575"/>
           </a:xfrm>
@@ -4446,86 +4416,6 @@
           </a:p>
         </p:txBody>
       </p:sp>
-      <p:cxnSp>
-        <p:nvCxnSpPr>
-          <p:cNvPr id="11" name="Straight Arrow Connector 10">
-            <a:extLst>
-              <a:ext uri="{FF2B5EF4-FFF2-40B4-BE49-F238E27FC236}">
-                <a16:creationId xmlns:a16="http://schemas.microsoft.com/office/drawing/2014/main" id="{8A0C6E45-E240-C8C7-FF8F-5E106C0BF92D}"/>
-              </a:ext>
-            </a:extLst>
-          </p:cNvPr>
-          <p:cNvCxnSpPr/>
-          <p:nvPr/>
-        </p:nvCxnSpPr>
-        <p:spPr>
-          <a:xfrm flipH="1" flipV="1">
-            <a:off x="2198917" y="1547810"/>
-            <a:ext cx="348343" cy="261257"/>
-          </a:xfrm>
-          <a:prstGeom prst="straightConnector1">
-            <a:avLst/>
-          </a:prstGeom>
-          <a:ln>
-            <a:tailEnd type="triangle"/>
-          </a:ln>
-        </p:spPr>
-        <p:style>
-          <a:lnRef idx="3">
-            <a:schemeClr val="accent2"/>
-          </a:lnRef>
-          <a:fillRef idx="0">
-            <a:schemeClr val="accent2"/>
-          </a:fillRef>
-          <a:effectRef idx="2">
-            <a:schemeClr val="accent2"/>
-          </a:effectRef>
-          <a:fontRef idx="minor">
-            <a:schemeClr val="tx1"/>
-          </a:fontRef>
-        </p:style>
-      </p:cxnSp>
-      <p:cxnSp>
-        <p:nvCxnSpPr>
-          <p:cNvPr id="12" name="Straight Arrow Connector 11">
-            <a:extLst>
-              <a:ext uri="{FF2B5EF4-FFF2-40B4-BE49-F238E27FC236}">
-                <a16:creationId xmlns:a16="http://schemas.microsoft.com/office/drawing/2014/main" id="{395A86E4-3645-AD8F-1237-B6A18B6C0511}"/>
-              </a:ext>
-            </a:extLst>
-          </p:cNvPr>
-          <p:cNvCxnSpPr>
-            <a:cxnSpLocks/>
-          </p:cNvCxnSpPr>
-          <p:nvPr/>
-        </p:nvCxnSpPr>
-        <p:spPr>
-          <a:xfrm flipV="1">
-            <a:off x="2198917" y="1153884"/>
-            <a:ext cx="440872" cy="217714"/>
-          </a:xfrm>
-          <a:prstGeom prst="straightConnector1">
-            <a:avLst/>
-          </a:prstGeom>
-          <a:ln>
-            <a:tailEnd type="triangle"/>
-          </a:ln>
-        </p:spPr>
-        <p:style>
-          <a:lnRef idx="3">
-            <a:schemeClr val="accent2"/>
-          </a:lnRef>
-          <a:fillRef idx="0">
-            <a:schemeClr val="accent2"/>
-          </a:fillRef>
-          <a:effectRef idx="2">
-            <a:schemeClr val="accent2"/>
-          </a:effectRef>
-          <a:fontRef idx="minor">
-            <a:schemeClr val="tx1"/>
-          </a:fontRef>
-        </p:style>
-      </p:cxnSp>
       <p:sp>
         <p:nvSpPr>
           <p:cNvPr id="14" name="TextBox 13">
@@ -4541,7 +4431,7 @@
         <p:spPr>
           <a:xfrm>
             <a:off x="4857040" y="5196010"/>
-            <a:ext cx="1866088" cy="338554"/>
+            <a:ext cx="3393558" cy="338554"/>
           </a:xfrm>
           <a:prstGeom prst="rect">
             <a:avLst/>
@@ -4562,7 +4452,7 @@
                   </a:schemeClr>
                 </a:solidFill>
               </a:rPr>
-              <a:t>// 1. swap k1 and k2</a:t>
+              <a:t>// 1. swap k1 (which is k3-&gt;left) and k2</a:t>
             </a:r>
           </a:p>
         </p:txBody>
@@ -4608,125 +4498,425 @@
           </a:p>
         </p:txBody>
       </p:sp>
-      <p:cxnSp>
-        <p:nvCxnSpPr>
-          <p:cNvPr id="2" name="Straight Arrow Connector 1">
-            <a:extLst>
-              <a:ext uri="{FF2B5EF4-FFF2-40B4-BE49-F238E27FC236}">
-                <a16:creationId xmlns:a16="http://schemas.microsoft.com/office/drawing/2014/main" id="{BC931C18-7058-CDA4-1177-3859C9E3F414}"/>
-              </a:ext>
-            </a:extLst>
-          </p:cNvPr>
-          <p:cNvCxnSpPr>
-            <a:cxnSpLocks/>
-          </p:cNvCxnSpPr>
+      <p:grpSp>
+        <p:nvGrpSpPr>
+          <p:cNvPr id="15" name="Group 14">
+            <a:extLst>
+              <a:ext uri="{FF2B5EF4-FFF2-40B4-BE49-F238E27FC236}">
+                <a16:creationId xmlns:a16="http://schemas.microsoft.com/office/drawing/2014/main" id="{E087912E-028B-D881-0B0E-8F703FC67595}"/>
+              </a:ext>
+            </a:extLst>
+          </p:cNvPr>
+          <p:cNvGrpSpPr/>
           <p:nvPr/>
-        </p:nvCxnSpPr>
-        <p:spPr>
-          <a:xfrm flipV="1">
-            <a:off x="6499381" y="522514"/>
-            <a:ext cx="0" cy="383038"/>
-          </a:xfrm>
-          <a:prstGeom prst="straightConnector1">
-            <a:avLst/>
-          </a:prstGeom>
-          <a:ln>
-            <a:tailEnd type="triangle"/>
-          </a:ln>
-        </p:spPr>
-        <p:style>
-          <a:lnRef idx="3">
-            <a:schemeClr val="accent2"/>
-          </a:lnRef>
-          <a:fillRef idx="0">
-            <a:schemeClr val="accent2"/>
-          </a:fillRef>
-          <a:effectRef idx="2">
-            <a:schemeClr val="accent2"/>
-          </a:effectRef>
-          <a:fontRef idx="minor">
-            <a:schemeClr val="tx1"/>
-          </a:fontRef>
-        </p:style>
-      </p:cxnSp>
+        </p:nvGrpSpPr>
+        <p:grpSpPr>
+          <a:xfrm>
+            <a:off x="394382" y="463932"/>
+            <a:ext cx="8096250" cy="2552700"/>
+            <a:chOff x="628650" y="409575"/>
+            <a:chExt cx="8096250" cy="2552700"/>
+          </a:xfrm>
+        </p:grpSpPr>
+        <p:pic>
+          <p:nvPicPr>
+            <p:cNvPr id="3" name="Picture 2">
+              <a:extLst>
+                <a:ext uri="{FF2B5EF4-FFF2-40B4-BE49-F238E27FC236}">
+                  <a16:creationId xmlns:a16="http://schemas.microsoft.com/office/drawing/2014/main" id="{66B95D08-73EB-4E59-B6A0-D2DD67FC2955}"/>
+                </a:ext>
+              </a:extLst>
+            </p:cNvPr>
+            <p:cNvPicPr>
+              <a:picLocks noChangeAspect="1"/>
+            </p:cNvPicPr>
+            <p:nvPr/>
+          </p:nvPicPr>
+          <p:blipFill>
+            <a:blip r:embed="rId3"/>
+            <a:stretch>
+              <a:fillRect/>
+            </a:stretch>
+          </p:blipFill>
+          <p:spPr>
+            <a:xfrm>
+              <a:off x="628650" y="409575"/>
+              <a:ext cx="8096250" cy="2552700"/>
+            </a:xfrm>
+            <a:prstGeom prst="rect">
+              <a:avLst/>
+            </a:prstGeom>
+          </p:spPr>
+        </p:pic>
+        <p:cxnSp>
+          <p:nvCxnSpPr>
+            <p:cNvPr id="11" name="Straight Arrow Connector 10">
+              <a:extLst>
+                <a:ext uri="{FF2B5EF4-FFF2-40B4-BE49-F238E27FC236}">
+                  <a16:creationId xmlns:a16="http://schemas.microsoft.com/office/drawing/2014/main" id="{8A0C6E45-E240-C8C7-FF8F-5E106C0BF92D}"/>
+                </a:ext>
+              </a:extLst>
+            </p:cNvPr>
+            <p:cNvCxnSpPr/>
+            <p:nvPr/>
+          </p:nvCxnSpPr>
+          <p:spPr>
+            <a:xfrm flipH="1" flipV="1">
+              <a:off x="2198917" y="1547810"/>
+              <a:ext cx="348343" cy="261257"/>
+            </a:xfrm>
+            <a:prstGeom prst="straightConnector1">
+              <a:avLst/>
+            </a:prstGeom>
+            <a:ln>
+              <a:tailEnd type="triangle"/>
+            </a:ln>
+          </p:spPr>
+          <p:style>
+            <a:lnRef idx="3">
+              <a:schemeClr val="accent2"/>
+            </a:lnRef>
+            <a:fillRef idx="0">
+              <a:schemeClr val="accent2"/>
+            </a:fillRef>
+            <a:effectRef idx="2">
+              <a:schemeClr val="accent2"/>
+            </a:effectRef>
+            <a:fontRef idx="minor">
+              <a:schemeClr val="tx1"/>
+            </a:fontRef>
+          </p:style>
+        </p:cxnSp>
+        <p:cxnSp>
+          <p:nvCxnSpPr>
+            <p:cNvPr id="12" name="Straight Arrow Connector 11">
+              <a:extLst>
+                <a:ext uri="{FF2B5EF4-FFF2-40B4-BE49-F238E27FC236}">
+                  <a16:creationId xmlns:a16="http://schemas.microsoft.com/office/drawing/2014/main" id="{395A86E4-3645-AD8F-1237-B6A18B6C0511}"/>
+                </a:ext>
+              </a:extLst>
+            </p:cNvPr>
+            <p:cNvCxnSpPr>
+              <a:cxnSpLocks/>
+            </p:cNvCxnSpPr>
+            <p:nvPr/>
+          </p:nvCxnSpPr>
+          <p:spPr>
+            <a:xfrm flipV="1">
+              <a:off x="2198917" y="1153884"/>
+              <a:ext cx="440872" cy="217714"/>
+            </a:xfrm>
+            <a:prstGeom prst="straightConnector1">
+              <a:avLst/>
+            </a:prstGeom>
+            <a:ln>
+              <a:tailEnd type="triangle"/>
+            </a:ln>
+          </p:spPr>
+          <p:style>
+            <a:lnRef idx="3">
+              <a:schemeClr val="accent2"/>
+            </a:lnRef>
+            <a:fillRef idx="0">
+              <a:schemeClr val="accent2"/>
+            </a:fillRef>
+            <a:effectRef idx="2">
+              <a:schemeClr val="accent2"/>
+            </a:effectRef>
+            <a:fontRef idx="minor">
+              <a:schemeClr val="tx1"/>
+            </a:fontRef>
+          </p:style>
+        </p:cxnSp>
+        <p:cxnSp>
+          <p:nvCxnSpPr>
+            <p:cNvPr id="2" name="Straight Arrow Connector 1">
+              <a:extLst>
+                <a:ext uri="{FF2B5EF4-FFF2-40B4-BE49-F238E27FC236}">
+                  <a16:creationId xmlns:a16="http://schemas.microsoft.com/office/drawing/2014/main" id="{BC931C18-7058-CDA4-1177-3859C9E3F414}"/>
+                </a:ext>
+              </a:extLst>
+            </p:cNvPr>
+            <p:cNvCxnSpPr>
+              <a:cxnSpLocks/>
+            </p:cNvCxnSpPr>
+            <p:nvPr/>
+          </p:nvCxnSpPr>
+          <p:spPr>
+            <a:xfrm flipV="1">
+              <a:off x="6499381" y="522514"/>
+              <a:ext cx="0" cy="383038"/>
+            </a:xfrm>
+            <a:prstGeom prst="straightConnector1">
+              <a:avLst/>
+            </a:prstGeom>
+            <a:ln>
+              <a:tailEnd type="triangle"/>
+            </a:ln>
+          </p:spPr>
+          <p:style>
+            <a:lnRef idx="3">
+              <a:schemeClr val="accent2"/>
+            </a:lnRef>
+            <a:fillRef idx="0">
+              <a:schemeClr val="accent2"/>
+            </a:fillRef>
+            <a:effectRef idx="2">
+              <a:schemeClr val="accent2"/>
+            </a:effectRef>
+            <a:fontRef idx="minor">
+              <a:schemeClr val="tx1"/>
+            </a:fontRef>
+          </p:style>
+        </p:cxnSp>
+        <p:sp>
+          <p:nvSpPr>
+            <p:cNvPr id="7" name="TextBox 6">
+              <a:extLst>
+                <a:ext uri="{FF2B5EF4-FFF2-40B4-BE49-F238E27FC236}">
+                  <a16:creationId xmlns:a16="http://schemas.microsoft.com/office/drawing/2014/main" id="{E06C8C73-6812-B2FB-9937-F10F0E8DBB2F}"/>
+                </a:ext>
+              </a:extLst>
+            </p:cNvPr>
+            <p:cNvSpPr txBox="1"/>
+            <p:nvPr/>
+          </p:nvSpPr>
+          <p:spPr>
+            <a:xfrm>
+              <a:off x="2367563" y="1394204"/>
+              <a:ext cx="359394" cy="369332"/>
+            </a:xfrm>
+            <a:prstGeom prst="rect">
+              <a:avLst/>
+            </a:prstGeom>
+            <a:noFill/>
+          </p:spPr>
+          <p:txBody>
+            <a:bodyPr wrap="none" rtlCol="0">
+              <a:spAutoFit/>
+            </a:bodyPr>
+            <a:lstStyle/>
+            <a:p>
+              <a:r>
+                <a:rPr lang="en-US" dirty="0">
+                  <a:solidFill>
+                    <a:schemeClr val="accent2"/>
+                  </a:solidFill>
+                </a:rPr>
+                <a:t>1.</a:t>
+              </a:r>
+            </a:p>
+          </p:txBody>
+        </p:sp>
+        <p:sp>
+          <p:nvSpPr>
+            <p:cNvPr id="9" name="TextBox 8">
+              <a:extLst>
+                <a:ext uri="{FF2B5EF4-FFF2-40B4-BE49-F238E27FC236}">
+                  <a16:creationId xmlns:a16="http://schemas.microsoft.com/office/drawing/2014/main" id="{AA263122-7813-1A8E-66EF-94FC1A4D6C0B}"/>
+                </a:ext>
+              </a:extLst>
+            </p:cNvPr>
+            <p:cNvSpPr txBox="1"/>
+            <p:nvPr/>
+          </p:nvSpPr>
+          <p:spPr>
+            <a:xfrm>
+              <a:off x="2187866" y="881112"/>
+              <a:ext cx="359394" cy="369332"/>
+            </a:xfrm>
+            <a:prstGeom prst="rect">
+              <a:avLst/>
+            </a:prstGeom>
+            <a:noFill/>
+          </p:spPr>
+          <p:txBody>
+            <a:bodyPr wrap="none" rtlCol="0">
+              <a:spAutoFit/>
+            </a:bodyPr>
+            <a:lstStyle/>
+            <a:p>
+              <a:r>
+                <a:rPr lang="en-US" dirty="0">
+                  <a:solidFill>
+                    <a:schemeClr val="accent2"/>
+                  </a:solidFill>
+                </a:rPr>
+                <a:t>2.</a:t>
+              </a:r>
+            </a:p>
+          </p:txBody>
+        </p:sp>
+      </p:grpSp>
       <p:sp>
         <p:nvSpPr>
-          <p:cNvPr id="7" name="TextBox 6">
-            <a:extLst>
-              <a:ext uri="{FF2B5EF4-FFF2-40B4-BE49-F238E27FC236}">
-                <a16:creationId xmlns:a16="http://schemas.microsoft.com/office/drawing/2014/main" id="{E06C8C73-6812-B2FB-9937-F10F0E8DBB2F}"/>
-              </a:ext>
-            </a:extLst>
-          </p:cNvPr>
-          <p:cNvSpPr txBox="1"/>
+          <p:cNvPr id="4" name="Title 22">
+            <a:extLst>
+              <a:ext uri="{FF2B5EF4-FFF2-40B4-BE49-F238E27FC236}">
+                <a16:creationId xmlns:a16="http://schemas.microsoft.com/office/drawing/2014/main" id="{A41D9097-2D6B-1309-842B-410E3E7396E2}"/>
+              </a:ext>
+            </a:extLst>
+          </p:cNvPr>
+          <p:cNvSpPr txBox="1">
+            <a:spLocks/>
+          </p:cNvSpPr>
           <p:nvPr/>
         </p:nvSpPr>
         <p:spPr>
           <a:xfrm>
-            <a:off x="2367563" y="1394204"/>
-            <a:ext cx="359394" cy="369332"/>
+            <a:off x="306658" y="35802"/>
+            <a:ext cx="4355500" cy="734006"/>
           </a:xfrm>
           <a:prstGeom prst="rect">
             <a:avLst/>
           </a:prstGeom>
-          <a:noFill/>
-        </p:spPr>
-        <p:txBody>
-          <a:bodyPr wrap="none" rtlCol="0">
-            <a:spAutoFit/>
-          </a:bodyPr>
-          <a:lstStyle/>
-          <a:p>
-            <a:r>
-              <a:rPr lang="en-US" dirty="0">
+        </p:spPr>
+        <p:txBody>
+          <a:bodyPr/>
+          <a:lstStyle>
+            <a:lvl1pPr algn="l" defTabSz="914400" rtl="0" eaLnBrk="1" latinLnBrk="0" hangingPunct="1">
+              <a:lnSpc>
+                <a:spcPct val="90000"/>
+              </a:lnSpc>
+              <a:spcBef>
+                <a:spcPct val="0"/>
+              </a:spcBef>
+              <a:buNone/>
+              <a:defRPr sz="4400" kern="1200">
                 <a:solidFill>
-                  <a:schemeClr val="accent2"/>
+                  <a:schemeClr val="tx1"/>
                 </a:solidFill>
-              </a:rPr>
-              <a:t>1.</a:t>
-            </a:r>
-          </a:p>
-        </p:txBody>
-      </p:sp>
-      <p:sp>
-        <p:nvSpPr>
-          <p:cNvPr id="9" name="TextBox 8">
-            <a:extLst>
-              <a:ext uri="{FF2B5EF4-FFF2-40B4-BE49-F238E27FC236}">
-                <a16:creationId xmlns:a16="http://schemas.microsoft.com/office/drawing/2014/main" id="{AA263122-7813-1A8E-66EF-94FC1A4D6C0B}"/>
-              </a:ext>
-            </a:extLst>
-          </p:cNvPr>
-          <p:cNvSpPr txBox="1"/>
+                <a:latin typeface="+mj-lt"/>
+                <a:ea typeface="+mj-ea"/>
+                <a:cs typeface="+mj-cs"/>
+              </a:defRPr>
+            </a:lvl1pPr>
+          </a:lstStyle>
+          <a:p>
+            <a:r>
+              <a:rPr lang="en-US" dirty="0"/>
+              <a:t>Implementation</a:t>
+            </a:r>
+          </a:p>
+        </p:txBody>
+      </p:sp>
+      <p:grpSp>
+        <p:nvGrpSpPr>
+          <p:cNvPr id="6" name="Group 5">
+            <a:extLst>
+              <a:ext uri="{FF2B5EF4-FFF2-40B4-BE49-F238E27FC236}">
+                <a16:creationId xmlns:a16="http://schemas.microsoft.com/office/drawing/2014/main" id="{9944D2E4-00F1-D8D2-C0A2-2FDF75B269DB}"/>
+              </a:ext>
+            </a:extLst>
+          </p:cNvPr>
+          <p:cNvGrpSpPr/>
           <p:nvPr/>
-        </p:nvSpPr>
-        <p:spPr>
+        </p:nvGrpSpPr>
+        <p:grpSpPr>
           <a:xfrm>
-            <a:off x="2187866" y="881112"/>
-            <a:ext cx="359394" cy="369332"/>
-          </a:xfrm>
-          <a:prstGeom prst="rect">
-            <a:avLst/>
-          </a:prstGeom>
-          <a:noFill/>
-        </p:spPr>
-        <p:txBody>
-          <a:bodyPr wrap="none" rtlCol="0">
-            <a:spAutoFit/>
-          </a:bodyPr>
-          <a:lstStyle/>
-          <a:p>
-            <a:r>
-              <a:rPr lang="en-US" dirty="0">
-                <a:solidFill>
-                  <a:schemeClr val="accent2"/>
-                </a:solidFill>
-              </a:rPr>
-              <a:t>2.</a:t>
-            </a:r>
-          </a:p>
-        </p:txBody>
-      </p:sp>
+            <a:off x="8353425" y="181958"/>
+            <a:ext cx="3619500" cy="1947565"/>
+            <a:chOff x="4286250" y="2466975"/>
+            <a:chExt cx="3619500" cy="1947565"/>
+          </a:xfrm>
+        </p:grpSpPr>
+        <p:pic>
+          <p:nvPicPr>
+            <p:cNvPr id="10" name="Picture 9">
+              <a:extLst>
+                <a:ext uri="{FF2B5EF4-FFF2-40B4-BE49-F238E27FC236}">
+                  <a16:creationId xmlns:a16="http://schemas.microsoft.com/office/drawing/2014/main" id="{30A83F58-0C4C-8CE3-3A5F-2D3C2C486FE3}"/>
+                </a:ext>
+              </a:extLst>
+            </p:cNvPr>
+            <p:cNvPicPr>
+              <a:picLocks noChangeAspect="1"/>
+            </p:cNvPicPr>
+            <p:nvPr/>
+          </p:nvPicPr>
+          <p:blipFill>
+            <a:blip r:embed="rId4"/>
+            <a:stretch>
+              <a:fillRect/>
+            </a:stretch>
+          </p:blipFill>
+          <p:spPr>
+            <a:xfrm>
+              <a:off x="4286250" y="2466975"/>
+              <a:ext cx="3619500" cy="1924050"/>
+            </a:xfrm>
+            <a:prstGeom prst="rect">
+              <a:avLst/>
+            </a:prstGeom>
+          </p:spPr>
+          <p:style>
+            <a:lnRef idx="2">
+              <a:schemeClr val="accent2"/>
+            </a:lnRef>
+            <a:fillRef idx="1">
+              <a:schemeClr val="lt1"/>
+            </a:fillRef>
+            <a:effectRef idx="0">
+              <a:schemeClr val="accent2"/>
+            </a:effectRef>
+            <a:fontRef idx="minor">
+              <a:schemeClr val="dk1"/>
+            </a:fontRef>
+          </p:style>
+        </p:pic>
+        <p:sp>
+          <p:nvSpPr>
+            <p:cNvPr id="13" name="TextBox 12">
+              <a:extLst>
+                <a:ext uri="{FF2B5EF4-FFF2-40B4-BE49-F238E27FC236}">
+                  <a16:creationId xmlns:a16="http://schemas.microsoft.com/office/drawing/2014/main" id="{FA0F0B83-D22C-01EA-75A8-3CC49591BFF5}"/>
+                </a:ext>
+              </a:extLst>
+            </p:cNvPr>
+            <p:cNvSpPr txBox="1"/>
+            <p:nvPr/>
+          </p:nvSpPr>
+          <p:spPr>
+            <a:xfrm>
+              <a:off x="4848225" y="4106763"/>
+              <a:ext cx="895350" cy="307777"/>
+            </a:xfrm>
+            <a:prstGeom prst="rect">
+              <a:avLst/>
+            </a:prstGeom>
+            <a:noFill/>
+            <a:ln>
+              <a:noFill/>
+            </a:ln>
+          </p:spPr>
+          <p:style>
+            <a:lnRef idx="0">
+              <a:scrgbClr r="0" g="0" b="0"/>
+            </a:lnRef>
+            <a:fillRef idx="0">
+              <a:scrgbClr r="0" g="0" b="0"/>
+            </a:fillRef>
+            <a:effectRef idx="0">
+              <a:scrgbClr r="0" g="0" b="0"/>
+            </a:effectRef>
+            <a:fontRef idx="minor">
+              <a:schemeClr val="dk1"/>
+            </a:fontRef>
+          </p:style>
+          <p:txBody>
+            <a:bodyPr wrap="square" rtlCol="0">
+              <a:spAutoFit/>
+            </a:bodyPr>
+            <a:lstStyle/>
+            <a:p>
+              <a:r>
+                <a:rPr lang="en-US" sz="1400" dirty="0"/>
+                <a:t>}</a:t>
+              </a:r>
+            </a:p>
+          </p:txBody>
+        </p:sp>
+      </p:grpSp>
     </p:spTree>
     <p:extLst>
       <p:ext uri="{BB962C8B-B14F-4D97-AF65-F5344CB8AC3E}">
@@ -4819,7 +5009,7 @@
                 </a:r>
                 <a:r>
                   <a:rPr lang="en-US" dirty="0"/>
-                  <a:t>In a binary search tree with an order property.</a:t>
+                  <a:t>Binary tree + order property.</a:t>
                 </a:r>
               </a:p>
               <a:p>
@@ -4836,7 +5026,7 @@
                 </a:r>
                 <a:r>
                   <a:rPr lang="en-US" i="1" dirty="0"/>
-                  <a:t>All items in each left subtree are smaller than the items in the right subtree.</a:t>
+                  <a:t>For every node in the tree, the items in each left subtree are smaller than the node and the items in the right subtree are larger. This requires that a total order over nodes is defined.</a:t>
                 </a:r>
               </a:p>
               <a:p>
@@ -4979,7 +5169,7 @@
                 </a14:m>
                 <a:r>
                   <a:rPr lang="en-US" dirty="0"/>
-                  <a:t>under the assumption that all insertion sequences are equally likely. Remember, </a:t>
+                  <a:t>under the assumption that all insertion sequences are equally likely. </a:t>
                 </a:r>
                 <a14:m>
                   <m:oMath xmlns:m="http://schemas.openxmlformats.org/officeDocument/2006/math">
@@ -5029,20 +5219,14 @@
                       <a:rPr lang="en-US" i="1" dirty="0" smtClean="0">
                         <a:latin typeface="Cambria Math" panose="02040503050406030204" pitchFamily="18" charset="0"/>
                       </a:rPr>
-                      <m:t>) </m:t>
+                      <m:t>)</m:t>
                     </m:r>
                   </m:oMath>
                 </a14:m>
                 <a:r>
                   <a:rPr lang="en-US" dirty="0"/>
-                  <a:t>means that the problem size is halved with each step.</a:t>
+                  <a:t> is the result of the observation that every additional level in a tree roughly doubles the number of nodes. </a:t>
                 </a:r>
-              </a:p>
-              <a:p>
-                <a:pPr marL="0" indent="0">
-                  <a:buNone/>
-                </a:pPr>
-                <a:endParaRPr lang="en-US" dirty="0"/>
               </a:p>
               <a:p>
                 <a:pPr marL="0" indent="0">
@@ -5252,7 +5436,15 @@
             </a:r>
             <a:r>
               <a:rPr lang="en-US" dirty="0"/>
-              <a:t> and Landis) tree is a binary search tree with the following </a:t>
+              <a:t> and Landis) tree is an </a:t>
+            </a:r>
+            <a:r>
+              <a:rPr lang="en-US" dirty="0" err="1"/>
+              <a:t>autobalancing</a:t>
+            </a:r>
+            <a:r>
+              <a:rPr lang="en-US" dirty="0"/>
+              <a:t> binary search tree with the following </a:t>
             </a:r>
             <a:r>
               <a:rPr lang="en-US" b="1" dirty="0"/>
@@ -8962,7 +9154,7 @@
         <p:spPr>
           <a:xfrm>
             <a:off x="2935705" y="5998117"/>
-            <a:ext cx="7148624" cy="369332"/>
+            <a:ext cx="7313733" cy="369332"/>
           </a:xfrm>
           <a:prstGeom prst="rect">
             <a:avLst/>
@@ -8977,7 +9169,7 @@
           <a:p>
             <a:r>
               <a:rPr lang="en-US" dirty="0"/>
-              <a:t>Note: There is no Y (right subtree of 7) to fix since 7 has only a single child.</a:t>
+              <a:t>Note: There is no right subtree of 7 (Y) to fix since 7 has only a single child.</a:t>
             </a:r>
           </a:p>
         </p:txBody>
@@ -10958,13 +11150,8 @@
           <a:p>
             <a:r>
               <a:rPr lang="en-US" dirty="0"/>
-              <a:t>Single </a:t>
-            </a:r>
-            <a:r>
-              <a:rPr lang="en-US" dirty="0" err="1"/>
-              <a:t>RotationFails</a:t>
-            </a:r>
-            <a:endParaRPr lang="en-US" dirty="0"/>
+              <a:t>Single Rotation Fails</a:t>
+            </a:r>
           </a:p>
         </p:txBody>
       </p:sp>
@@ -13394,6 +13581,58 @@
           </a:p>
         </p:txBody>
       </p:sp>
+      <p:sp>
+        <p:nvSpPr>
+          <p:cNvPr id="8" name="Title 22">
+            <a:extLst>
+              <a:ext uri="{FF2B5EF4-FFF2-40B4-BE49-F238E27FC236}">
+                <a16:creationId xmlns:a16="http://schemas.microsoft.com/office/drawing/2014/main" id="{8BE8AC7D-54B1-A0D3-A2D8-E6DE2BA9A43E}"/>
+              </a:ext>
+            </a:extLst>
+          </p:cNvPr>
+          <p:cNvSpPr txBox="1">
+            <a:spLocks/>
+          </p:cNvSpPr>
+          <p:nvPr/>
+        </p:nvSpPr>
+        <p:spPr>
+          <a:xfrm>
+            <a:off x="306658" y="35802"/>
+            <a:ext cx="4355500" cy="734006"/>
+          </a:xfrm>
+          <a:prstGeom prst="rect">
+            <a:avLst/>
+          </a:prstGeom>
+        </p:spPr>
+        <p:txBody>
+          <a:bodyPr/>
+          <a:lstStyle>
+            <a:lvl1pPr algn="l" defTabSz="914400" rtl="0" eaLnBrk="1" latinLnBrk="0" hangingPunct="1">
+              <a:lnSpc>
+                <a:spcPct val="90000"/>
+              </a:lnSpc>
+              <a:spcBef>
+                <a:spcPct val="0"/>
+              </a:spcBef>
+              <a:buNone/>
+              <a:defRPr sz="4400" kern="1200">
+                <a:solidFill>
+                  <a:schemeClr val="tx1"/>
+                </a:solidFill>
+                <a:latin typeface="+mj-lt"/>
+                <a:ea typeface="+mj-ea"/>
+                <a:cs typeface="+mj-cs"/>
+              </a:defRPr>
+            </a:lvl1pPr>
+          </a:lstStyle>
+          <a:p>
+            <a:r>
+              <a:rPr lang="en-US" dirty="0"/>
+              <a:t>Implementation</a:t>
+            </a:r>
+          </a:p>
+        </p:txBody>
+      </p:sp>
     </p:spTree>
     <p:extLst>
       <p:ext uri="{BB962C8B-B14F-4D97-AF65-F5344CB8AC3E}">
